--- a/Servidor/Temas/1_7 - Arquitectura MVC (PHP).pptx
+++ b/Servidor/Temas/1_7 - Arquitectura MVC (PHP).pptx
@@ -1,31 +1,31 @@
 
 <file path=ppt/presentation.xml><?xml version="1.0" encoding="utf-8"?>
-<p:presentation xmlns:a="http://schemas.openxmlformats.org/drawingml/2006/main" xmlns:r="http://schemas.openxmlformats.org/officeDocument/2006/relationships" xmlns:p="http://schemas.openxmlformats.org/presentationml/2006/main" strictFirstAndLastChars="0" saveSubsetFonts="1" autoCompressPictures="0">
+<p:presentation xmlns:a="http://schemas.openxmlformats.org/drawingml/2006/main" xmlns:r="http://schemas.openxmlformats.org/officeDocument/2006/relationships" xmlns:mc="http://schemas.openxmlformats.org/markup-compatibility/2006" xmlns:mv="urn:schemas-microsoft-com:mac:vml" xmlns:p="http://schemas.openxmlformats.org/presentationml/2006/main" xmlns:c="http://schemas.openxmlformats.org/drawingml/2006/chart" xmlns:dgm="http://schemas.openxmlformats.org/drawingml/2006/diagram" xmlns:o="urn:schemas-microsoft-com:office:office" xmlns:v="urn:schemas-microsoft-com:vml" xmlns:pvml="urn:schemas-microsoft-com:office:powerpoint" xmlns:com="http://schemas.openxmlformats.org/drawingml/2006/compatibility" xmlns:p14="http://schemas.microsoft.com/office/powerpoint/2010/main" autoCompressPictures="0" strictFirstAndLastChars="0" saveSubsetFonts="1">
   <p:sldMasterIdLst>
-    <p:sldMasterId id="2147483654" r:id="rId1"/>
+    <p:sldMasterId id="2147483654" r:id="rId4"/>
   </p:sldMasterIdLst>
   <p:notesMasterIdLst>
-    <p:notesMasterId r:id="rId15"/>
+    <p:notesMasterId r:id="rId5"/>
   </p:notesMasterIdLst>
   <p:sldIdLst>
-    <p:sldId id="256" r:id="rId2"/>
-    <p:sldId id="257" r:id="rId3"/>
-    <p:sldId id="258" r:id="rId4"/>
-    <p:sldId id="259" r:id="rId5"/>
-    <p:sldId id="260" r:id="rId6"/>
-    <p:sldId id="261" r:id="rId7"/>
-    <p:sldId id="262" r:id="rId8"/>
-    <p:sldId id="263" r:id="rId9"/>
-    <p:sldId id="264" r:id="rId10"/>
-    <p:sldId id="265" r:id="rId11"/>
-    <p:sldId id="266" r:id="rId12"/>
-    <p:sldId id="267" r:id="rId13"/>
-    <p:sldId id="268" r:id="rId14"/>
+    <p:sldId id="256" r:id="rId6"/>
+    <p:sldId id="257" r:id="rId7"/>
+    <p:sldId id="258" r:id="rId8"/>
+    <p:sldId id="259" r:id="rId9"/>
+    <p:sldId id="260" r:id="rId10"/>
+    <p:sldId id="261" r:id="rId11"/>
+    <p:sldId id="262" r:id="rId12"/>
+    <p:sldId id="263" r:id="rId13"/>
+    <p:sldId id="264" r:id="rId14"/>
+    <p:sldId id="265" r:id="rId15"/>
+    <p:sldId id="266" r:id="rId16"/>
+    <p:sldId id="267" r:id="rId17"/>
+    <p:sldId id="268" r:id="rId18"/>
   </p:sldIdLst>
-  <p:sldSz cx="9144000" cy="5143500" type="screen16x9"/>
+  <p:sldSz cy="5143500" cx="9144000"/>
   <p:notesSz cx="6858000" cy="9144000"/>
   <p:defaultTextStyle>
-    <a:defPPr marR="0" algn="l" rtl="0">
+    <a:defPPr lvl="0" marR="0" rtl="0" algn="l">
       <a:lnSpc>
         <a:spcPct val="100000"/>
       </a:lnSpc>
@@ -36,7 +36,7 @@
         <a:spcPts val="0"/>
       </a:spcAft>
     </a:defPPr>
-    <a:lvl1pPr marR="0" algn="l" rtl="0">
+    <a:lvl1pPr lvl="0" marR="0" rtl="0" algn="l">
       <a:lnSpc>
         <a:spcPct val="100000"/>
       </a:lnSpc>
@@ -47,7 +47,7 @@
         <a:spcPts val="0"/>
       </a:spcAft>
       <a:buNone/>
-      <a:defRPr sz="1400" b="0" i="0" u="none" strike="noStrike" cap="none" baseline="0">
+      <a:defRPr b="0" i="0" sz="1400" u="none" cap="none" strike="noStrike">
         <a:solidFill>
           <a:srgbClr val="000000"/>
         </a:solidFill>
@@ -58,7 +58,7 @@
         <a:rtl val="0"/>
       </a:defRPr>
     </a:lvl1pPr>
-    <a:lvl2pPr marR="0" algn="l" rtl="0">
+    <a:lvl2pPr lvl="1" marR="0" rtl="0" algn="l">
       <a:lnSpc>
         <a:spcPct val="100000"/>
       </a:lnSpc>
@@ -69,7 +69,7 @@
         <a:spcPts val="0"/>
       </a:spcAft>
       <a:buNone/>
-      <a:defRPr sz="1400" b="0" i="0" u="none" strike="noStrike" cap="none" baseline="0">
+      <a:defRPr b="0" i="0" sz="1400" u="none" cap="none" strike="noStrike">
         <a:solidFill>
           <a:srgbClr val="000000"/>
         </a:solidFill>
@@ -80,7 +80,7 @@
         <a:rtl val="0"/>
       </a:defRPr>
     </a:lvl2pPr>
-    <a:lvl3pPr marR="0" algn="l" rtl="0">
+    <a:lvl3pPr lvl="2" marR="0" rtl="0" algn="l">
       <a:lnSpc>
         <a:spcPct val="100000"/>
       </a:lnSpc>
@@ -91,7 +91,7 @@
         <a:spcPts val="0"/>
       </a:spcAft>
       <a:buNone/>
-      <a:defRPr sz="1400" b="0" i="0" u="none" strike="noStrike" cap="none" baseline="0">
+      <a:defRPr b="0" i="0" sz="1400" u="none" cap="none" strike="noStrike">
         <a:solidFill>
           <a:srgbClr val="000000"/>
         </a:solidFill>
@@ -102,7 +102,7 @@
         <a:rtl val="0"/>
       </a:defRPr>
     </a:lvl3pPr>
-    <a:lvl4pPr marR="0" algn="l" rtl="0">
+    <a:lvl4pPr lvl="3" marR="0" rtl="0" algn="l">
       <a:lnSpc>
         <a:spcPct val="100000"/>
       </a:lnSpc>
@@ -113,7 +113,7 @@
         <a:spcPts val="0"/>
       </a:spcAft>
       <a:buNone/>
-      <a:defRPr sz="1400" b="0" i="0" u="none" strike="noStrike" cap="none" baseline="0">
+      <a:defRPr b="0" i="0" sz="1400" u="none" cap="none" strike="noStrike">
         <a:solidFill>
           <a:srgbClr val="000000"/>
         </a:solidFill>
@@ -124,7 +124,7 @@
         <a:rtl val="0"/>
       </a:defRPr>
     </a:lvl4pPr>
-    <a:lvl5pPr marR="0" algn="l" rtl="0">
+    <a:lvl5pPr lvl="4" marR="0" rtl="0" algn="l">
       <a:lnSpc>
         <a:spcPct val="100000"/>
       </a:lnSpc>
@@ -135,7 +135,7 @@
         <a:spcPts val="0"/>
       </a:spcAft>
       <a:buNone/>
-      <a:defRPr sz="1400" b="0" i="0" u="none" strike="noStrike" cap="none" baseline="0">
+      <a:defRPr b="0" i="0" sz="1400" u="none" cap="none" strike="noStrike">
         <a:solidFill>
           <a:srgbClr val="000000"/>
         </a:solidFill>
@@ -146,7 +146,7 @@
         <a:rtl val="0"/>
       </a:defRPr>
     </a:lvl5pPr>
-    <a:lvl6pPr marR="0" algn="l" rtl="0">
+    <a:lvl6pPr lvl="5" marR="0" rtl="0" algn="l">
       <a:lnSpc>
         <a:spcPct val="100000"/>
       </a:lnSpc>
@@ -157,7 +157,7 @@
         <a:spcPts val="0"/>
       </a:spcAft>
       <a:buNone/>
-      <a:defRPr sz="1400" b="0" i="0" u="none" strike="noStrike" cap="none" baseline="0">
+      <a:defRPr b="0" i="0" sz="1400" u="none" cap="none" strike="noStrike">
         <a:solidFill>
           <a:srgbClr val="000000"/>
         </a:solidFill>
@@ -168,7 +168,7 @@
         <a:rtl val="0"/>
       </a:defRPr>
     </a:lvl6pPr>
-    <a:lvl7pPr marR="0" algn="l" rtl="0">
+    <a:lvl7pPr lvl="6" marR="0" rtl="0" algn="l">
       <a:lnSpc>
         <a:spcPct val="100000"/>
       </a:lnSpc>
@@ -179,7 +179,7 @@
         <a:spcPts val="0"/>
       </a:spcAft>
       <a:buNone/>
-      <a:defRPr sz="1400" b="0" i="0" u="none" strike="noStrike" cap="none" baseline="0">
+      <a:defRPr b="0" i="0" sz="1400" u="none" cap="none" strike="noStrike">
         <a:solidFill>
           <a:srgbClr val="000000"/>
         </a:solidFill>
@@ -190,7 +190,7 @@
         <a:rtl val="0"/>
       </a:defRPr>
     </a:lvl7pPr>
-    <a:lvl8pPr marR="0" algn="l" rtl="0">
+    <a:lvl8pPr lvl="7" marR="0" rtl="0" algn="l">
       <a:lnSpc>
         <a:spcPct val="100000"/>
       </a:lnSpc>
@@ -201,7 +201,7 @@
         <a:spcPts val="0"/>
       </a:spcAft>
       <a:buNone/>
-      <a:defRPr sz="1400" b="0" i="0" u="none" strike="noStrike" cap="none" baseline="0">
+      <a:defRPr b="0" i="0" sz="1400" u="none" cap="none" strike="noStrike">
         <a:solidFill>
           <a:srgbClr val="000000"/>
         </a:solidFill>
@@ -212,7 +212,7 @@
         <a:rtl val="0"/>
       </a:defRPr>
     </a:lvl8pPr>
-    <a:lvl9pPr marR="0" algn="l" rtl="0">
+    <a:lvl9pPr lvl="8" marR="0" rtl="0" algn="l">
       <a:lnSpc>
         <a:spcPct val="100000"/>
       </a:lnSpc>
@@ -223,7 +223,7 @@
         <a:spcPts val="0"/>
       </a:spcAft>
       <a:buNone/>
-      <a:defRPr sz="1400" b="0" i="0" u="none" strike="noStrike" cap="none" baseline="0">
+      <a:defRPr b="0" i="0" sz="1400" u="none" cap="none" strike="noStrike">
         <a:solidFill>
           <a:srgbClr val="000000"/>
         </a:solidFill>
@@ -239,16 +239,11 @@
 </file>
 
 <file path=ppt/notesMasters/notesMaster1.xml><?xml version="1.0" encoding="utf-8"?>
-<p:notesMaster xmlns:a="http://schemas.openxmlformats.org/drawingml/2006/main" xmlns:r="http://schemas.openxmlformats.org/officeDocument/2006/relationships" xmlns:p="http://schemas.openxmlformats.org/presentationml/2006/main">
+<p:notesMaster xmlns:a="http://schemas.openxmlformats.org/drawingml/2006/main" xmlns:r="http://schemas.openxmlformats.org/officeDocument/2006/relationships" xmlns:mc="http://schemas.openxmlformats.org/markup-compatibility/2006" xmlns:mv="urn:schemas-microsoft-com:mac:vml" xmlns:p="http://schemas.openxmlformats.org/presentationml/2006/main" xmlns:c="http://schemas.openxmlformats.org/drawingml/2006/chart" xmlns:dgm="http://schemas.openxmlformats.org/drawingml/2006/diagram" xmlns:o="urn:schemas-microsoft-com:office:office" xmlns:v="urn:schemas-microsoft-com:vml" xmlns:pvml="urn:schemas-microsoft-com:office:powerpoint" xmlns:com="http://schemas.openxmlformats.org/drawingml/2006/compatibility" xmlns:p14="http://schemas.microsoft.com/office/powerpoint/2010/main">
   <p:cSld>
-    <p:bg>
-      <p:bgRef idx="1001">
-        <a:schemeClr val="bg1"/>
-      </p:bgRef>
-    </p:bg>
     <p:spTree>
       <p:nvGrpSpPr>
-        <p:cNvPr id="1" name="Shape 1"/>
+        <p:cNvPr id="2" name="Shape 2"/>
         <p:cNvGrpSpPr/>
         <p:nvPr/>
       </p:nvGrpSpPr>
@@ -262,12 +257,10 @@
       </p:grpSpPr>
       <p:sp>
         <p:nvSpPr>
-          <p:cNvPr id="2" name="Shape 2"/>
-          <p:cNvSpPr>
-            <a:spLocks noGrp="1" noRot="1" noChangeAspect="1"/>
-          </p:cNvSpPr>
+          <p:cNvPr id="3" name="Shape 3"/>
+          <p:cNvSpPr/>
           <p:nvPr>
-            <p:ph type="sldImg" idx="2"/>
+            <p:ph idx="2" type="sldImg"/>
           </p:nvPr>
         </p:nvSpPr>
         <p:spPr>
@@ -276,13 +269,8 @@
             <a:ext cx="6096299" cy="3429000"/>
           </a:xfrm>
           <a:custGeom>
-            <a:avLst/>
-            <a:gdLst/>
-            <a:ahLst/>
-            <a:cxnLst/>
-            <a:rect l="0" t="0" r="0" b="0"/>
             <a:pathLst>
-              <a:path w="120000" h="120000" extrusionOk="0">
+              <a:path extrusionOk="0" h="120000" w="120000">
                 <a:moveTo>
                   <a:pt x="0" y="0"/>
                 </a:moveTo>
@@ -300,25 +288,23 @@
             </a:pathLst>
           </a:custGeom>
           <a:noFill/>
-          <a:ln w="9525" cap="flat" cmpd="sng">
+          <a:ln cap="flat" cmpd="sng" w="9525">
             <a:solidFill>
               <a:srgbClr val="000000"/>
             </a:solidFill>
             <a:prstDash val="solid"/>
             <a:round/>
-            <a:headEnd type="none" w="med" len="med"/>
-            <a:tailEnd type="none" w="med" len="med"/>
+            <a:headEnd len="med" w="med" type="none"/>
+            <a:tailEnd len="med" w="med" type="none"/>
           </a:ln>
         </p:spPr>
       </p:sp>
       <p:sp>
         <p:nvSpPr>
-          <p:cNvPr id="3" name="Shape 3"/>
-          <p:cNvSpPr txBox="1">
-            <a:spLocks noGrp="1"/>
-          </p:cNvSpPr>
+          <p:cNvPr id="4" name="Shape 4"/>
+          <p:cNvSpPr txBox="1"/>
           <p:nvPr>
-            <p:ph type="body" idx="1"/>
+            <p:ph idx="1" type="body"/>
           </p:nvPr>
         </p:nvSpPr>
         <p:spPr>
@@ -335,177 +321,78 @@
           </a:ln>
         </p:spPr>
         <p:txBody>
-          <a:bodyPr lIns="91425" tIns="91425" rIns="91425" bIns="91425" anchor="t" anchorCtr="0"/>
+          <a:bodyPr anchorCtr="0" anchor="t" bIns="91425" lIns="91425" rIns="91425" tIns="91425"/>
           <a:lstStyle>
-            <a:lvl1pPr>
+            <a:lvl1pPr lvl="0">
               <a:spcBef>
                 <a:spcPts val="0"/>
               </a:spcBef>
               <a:defRPr sz="1100"/>
             </a:lvl1pPr>
-            <a:lvl2pPr>
+            <a:lvl2pPr lvl="1">
               <a:spcBef>
                 <a:spcPts val="0"/>
               </a:spcBef>
               <a:defRPr sz="1100"/>
             </a:lvl2pPr>
-            <a:lvl3pPr>
+            <a:lvl3pPr lvl="2">
               <a:spcBef>
                 <a:spcPts val="0"/>
               </a:spcBef>
               <a:defRPr sz="1100"/>
             </a:lvl3pPr>
-            <a:lvl4pPr>
+            <a:lvl4pPr lvl="3">
               <a:spcBef>
                 <a:spcPts val="0"/>
               </a:spcBef>
               <a:defRPr sz="1100"/>
             </a:lvl4pPr>
-            <a:lvl5pPr>
+            <a:lvl5pPr lvl="4">
               <a:spcBef>
                 <a:spcPts val="0"/>
               </a:spcBef>
               <a:defRPr sz="1100"/>
             </a:lvl5pPr>
-            <a:lvl6pPr>
+            <a:lvl6pPr lvl="5">
               <a:spcBef>
                 <a:spcPts val="0"/>
               </a:spcBef>
               <a:defRPr sz="1100"/>
             </a:lvl6pPr>
-            <a:lvl7pPr>
+            <a:lvl7pPr lvl="6">
               <a:spcBef>
                 <a:spcPts val="0"/>
               </a:spcBef>
               <a:defRPr sz="1100"/>
             </a:lvl7pPr>
-            <a:lvl8pPr>
+            <a:lvl8pPr lvl="7">
               <a:spcBef>
                 <a:spcPts val="0"/>
               </a:spcBef>
               <a:defRPr sz="1100"/>
             </a:lvl8pPr>
-            <a:lvl9pPr>
+            <a:lvl9pPr lvl="8">
               <a:spcBef>
                 <a:spcPts val="0"/>
               </a:spcBef>
               <a:defRPr sz="1100"/>
             </a:lvl9pPr>
           </a:lstStyle>
-          <a:p>
-            <a:endParaRPr/>
-          </a:p>
+          <a:p/>
         </p:txBody>
       </p:sp>
     </p:spTree>
-    <p:extLst>
-      <p:ext uri="{BB962C8B-B14F-4D97-AF65-F5344CB8AC3E}">
-        <p14:creationId xmlns:p14="http://schemas.microsoft.com/office/powerpoint/2010/main" val="1180266948"/>
-      </p:ext>
-    </p:extLst>
   </p:cSld>
-  <p:clrMap bg1="lt1" tx1="dk1" bg2="dk2" tx2="lt2" accent1="accent1" accent2="accent2" accent3="accent3" accent4="accent4" accent5="accent5" accent6="accent6" hlink="hlink" folHlink="folHlink"/>
-  <p:notesStyle>
-    <a:lvl1pPr marL="0" algn="l" defTabSz="914400" rtl="0" eaLnBrk="1" latinLnBrk="0" hangingPunct="1">
-      <a:defRPr sz="1200" kern="1200">
-        <a:solidFill>
-          <a:schemeClr val="tx1"/>
-        </a:solidFill>
-        <a:latin typeface="+mn-lt"/>
-        <a:ea typeface="+mn-ea"/>
-        <a:cs typeface="+mn-cs"/>
-      </a:defRPr>
-    </a:lvl1pPr>
-    <a:lvl2pPr marL="457200" algn="l" defTabSz="914400" rtl="0" eaLnBrk="1" latinLnBrk="0" hangingPunct="1">
-      <a:defRPr sz="1200" kern="1200">
-        <a:solidFill>
-          <a:schemeClr val="tx1"/>
-        </a:solidFill>
-        <a:latin typeface="+mn-lt"/>
-        <a:ea typeface="+mn-ea"/>
-        <a:cs typeface="+mn-cs"/>
-      </a:defRPr>
-    </a:lvl2pPr>
-    <a:lvl3pPr marL="914400" algn="l" defTabSz="914400" rtl="0" eaLnBrk="1" latinLnBrk="0" hangingPunct="1">
-      <a:defRPr sz="1200" kern="1200">
-        <a:solidFill>
-          <a:schemeClr val="tx1"/>
-        </a:solidFill>
-        <a:latin typeface="+mn-lt"/>
-        <a:ea typeface="+mn-ea"/>
-        <a:cs typeface="+mn-cs"/>
-      </a:defRPr>
-    </a:lvl3pPr>
-    <a:lvl4pPr marL="1371600" algn="l" defTabSz="914400" rtl="0" eaLnBrk="1" latinLnBrk="0" hangingPunct="1">
-      <a:defRPr sz="1200" kern="1200">
-        <a:solidFill>
-          <a:schemeClr val="tx1"/>
-        </a:solidFill>
-        <a:latin typeface="+mn-lt"/>
-        <a:ea typeface="+mn-ea"/>
-        <a:cs typeface="+mn-cs"/>
-      </a:defRPr>
-    </a:lvl4pPr>
-    <a:lvl5pPr marL="1828800" algn="l" defTabSz="914400" rtl="0" eaLnBrk="1" latinLnBrk="0" hangingPunct="1">
-      <a:defRPr sz="1200" kern="1200">
-        <a:solidFill>
-          <a:schemeClr val="tx1"/>
-        </a:solidFill>
-        <a:latin typeface="+mn-lt"/>
-        <a:ea typeface="+mn-ea"/>
-        <a:cs typeface="+mn-cs"/>
-      </a:defRPr>
-    </a:lvl5pPr>
-    <a:lvl6pPr marL="2286000" algn="l" defTabSz="914400" rtl="0" eaLnBrk="1" latinLnBrk="0" hangingPunct="1">
-      <a:defRPr sz="1200" kern="1200">
-        <a:solidFill>
-          <a:schemeClr val="tx1"/>
-        </a:solidFill>
-        <a:latin typeface="+mn-lt"/>
-        <a:ea typeface="+mn-ea"/>
-        <a:cs typeface="+mn-cs"/>
-      </a:defRPr>
-    </a:lvl6pPr>
-    <a:lvl7pPr marL="2743200" algn="l" defTabSz="914400" rtl="0" eaLnBrk="1" latinLnBrk="0" hangingPunct="1">
-      <a:defRPr sz="1200" kern="1200">
-        <a:solidFill>
-          <a:schemeClr val="tx1"/>
-        </a:solidFill>
-        <a:latin typeface="+mn-lt"/>
-        <a:ea typeface="+mn-ea"/>
-        <a:cs typeface="+mn-cs"/>
-      </a:defRPr>
-    </a:lvl7pPr>
-    <a:lvl8pPr marL="3200400" algn="l" defTabSz="914400" rtl="0" eaLnBrk="1" latinLnBrk="0" hangingPunct="1">
-      <a:defRPr sz="1200" kern="1200">
-        <a:solidFill>
-          <a:schemeClr val="tx1"/>
-        </a:solidFill>
-        <a:latin typeface="+mn-lt"/>
-        <a:ea typeface="+mn-ea"/>
-        <a:cs typeface="+mn-cs"/>
-      </a:defRPr>
-    </a:lvl8pPr>
-    <a:lvl9pPr marL="3657600" algn="l" defTabSz="914400" rtl="0" eaLnBrk="1" latinLnBrk="0" hangingPunct="1">
-      <a:defRPr sz="1200" kern="1200">
-        <a:solidFill>
-          <a:schemeClr val="tx1"/>
-        </a:solidFill>
-        <a:latin typeface="+mn-lt"/>
-        <a:ea typeface="+mn-ea"/>
-        <a:cs typeface="+mn-cs"/>
-      </a:defRPr>
-    </a:lvl9pPr>
-  </p:notesStyle>
+  <p:clrMap accent1="accent1" accent2="accent2" accent3="accent3" accent4="accent4" accent5="accent5" accent6="accent6" bg1="lt1" bg2="dk2" tx1="dk1" tx2="lt2" folHlink="folHlink" hlink="hlink"/>
 </p:notesMaster>
 </file>
 
 <file path=ppt/notesSlides/notesSlide1.xml><?xml version="1.0" encoding="utf-8"?>
-<p:notes xmlns:a="http://schemas.openxmlformats.org/drawingml/2006/main" xmlns:r="http://schemas.openxmlformats.org/officeDocument/2006/relationships" xmlns:p="http://schemas.openxmlformats.org/presentationml/2006/main" showMasterSp="0" showMasterPhAnim="0">
+<p:notes xmlns:a="http://schemas.openxmlformats.org/drawingml/2006/main" xmlns:r="http://schemas.openxmlformats.org/officeDocument/2006/relationships" xmlns:mc="http://schemas.openxmlformats.org/markup-compatibility/2006" xmlns:mv="urn:schemas-microsoft-com:mac:vml" xmlns:p="http://schemas.openxmlformats.org/presentationml/2006/main" xmlns:c="http://schemas.openxmlformats.org/drawingml/2006/chart" xmlns:dgm="http://schemas.openxmlformats.org/drawingml/2006/diagram" xmlns:o="urn:schemas-microsoft-com:office:office" xmlns:v="urn:schemas-microsoft-com:vml" xmlns:pvml="urn:schemas-microsoft-com:office:powerpoint" xmlns:com="http://schemas.openxmlformats.org/drawingml/2006/compatibility" xmlns:p14="http://schemas.microsoft.com/office/powerpoint/2010/main" showMasterPhAnim="0" showMasterSp="0">
   <p:cSld>
     <p:spTree>
       <p:nvGrpSpPr>
-        <p:cNvPr id="1" name="Shape 43"/>
+        <p:cNvPr id="41" name="Shape 41"/>
         <p:cNvGrpSpPr/>
         <p:nvPr/>
       </p:nvGrpSpPr>
@@ -519,12 +406,10 @@
       </p:grpSpPr>
       <p:sp>
         <p:nvSpPr>
-          <p:cNvPr id="44" name="Shape 44"/>
-          <p:cNvSpPr>
-            <a:spLocks noGrp="1" noRot="1" noChangeAspect="1"/>
-          </p:cNvSpPr>
+          <p:cNvPr id="42" name="Shape 42"/>
+          <p:cNvSpPr/>
           <p:nvPr>
-            <p:ph type="sldImg" idx="2"/>
+            <p:ph idx="2" type="sldImg"/>
           </p:nvPr>
         </p:nvSpPr>
         <p:spPr>
@@ -533,13 +418,8 @@
             <a:ext cx="6096299" cy="3429000"/>
           </a:xfrm>
           <a:custGeom>
-            <a:avLst/>
-            <a:gdLst/>
-            <a:ahLst/>
-            <a:cxnLst/>
-            <a:rect l="0" t="0" r="0" b="0"/>
             <a:pathLst>
-              <a:path w="120000" h="120000" extrusionOk="0">
+              <a:path extrusionOk="0" h="120000" w="120000">
                 <a:moveTo>
                   <a:pt x="0" y="0"/>
                 </a:moveTo>
@@ -557,25 +437,23 @@
             </a:pathLst>
           </a:custGeom>
           <a:noFill/>
-          <a:ln w="9525" cap="flat" cmpd="sng">
+          <a:ln cap="flat" cmpd="sng" w="9525">
             <a:solidFill>
               <a:srgbClr val="000000"/>
             </a:solidFill>
             <a:prstDash val="solid"/>
             <a:round/>
-            <a:headEnd type="none" w="med" len="med"/>
-            <a:tailEnd type="none" w="med" len="med"/>
+            <a:headEnd len="med" w="med" type="none"/>
+            <a:tailEnd len="med" w="med" type="none"/>
           </a:ln>
         </p:spPr>
       </p:sp>
       <p:sp>
         <p:nvSpPr>
-          <p:cNvPr id="45" name="Shape 45"/>
-          <p:cNvSpPr txBox="1">
-            <a:spLocks noGrp="1"/>
-          </p:cNvSpPr>
+          <p:cNvPr id="43" name="Shape 43"/>
+          <p:cNvSpPr txBox="1"/>
           <p:nvPr>
-            <p:ph type="body" idx="1"/>
+            <p:ph idx="1" type="body"/>
           </p:nvPr>
         </p:nvSpPr>
         <p:spPr>
@@ -588,17 +466,20 @@
           </a:prstGeom>
         </p:spPr>
         <p:txBody>
-          <a:bodyPr lIns="91425" tIns="91425" rIns="91425" bIns="91425" anchor="t" anchorCtr="0">
+          <a:bodyPr anchorCtr="0" anchor="t" bIns="91425" lIns="91425" rIns="91425" tIns="91425">
             <a:noAutofit/>
           </a:bodyPr>
           <a:lstStyle/>
           <a:p>
-            <a:pPr>
+            <a:pPr lvl="0">
               <a:spcBef>
                 <a:spcPts val="0"/>
               </a:spcBef>
               <a:buNone/>
             </a:pPr>
+            <a:r>
+              <a:t/>
+            </a:r>
             <a:endParaRPr/>
           </a:p>
         </p:txBody>
@@ -612,11 +493,11 @@
 </file>
 
 <file path=ppt/notesSlides/notesSlide10.xml><?xml version="1.0" encoding="utf-8"?>
-<p:notes xmlns:a="http://schemas.openxmlformats.org/drawingml/2006/main" xmlns:r="http://schemas.openxmlformats.org/officeDocument/2006/relationships" xmlns:p="http://schemas.openxmlformats.org/presentationml/2006/main" showMasterSp="0" showMasterPhAnim="0">
+<p:notes xmlns:a="http://schemas.openxmlformats.org/drawingml/2006/main" xmlns:r="http://schemas.openxmlformats.org/officeDocument/2006/relationships" xmlns:mc="http://schemas.openxmlformats.org/markup-compatibility/2006" xmlns:mv="urn:schemas-microsoft-com:mac:vml" xmlns:p="http://schemas.openxmlformats.org/presentationml/2006/main" xmlns:c="http://schemas.openxmlformats.org/drawingml/2006/chart" xmlns:dgm="http://schemas.openxmlformats.org/drawingml/2006/diagram" xmlns:o="urn:schemas-microsoft-com:office:office" xmlns:v="urn:schemas-microsoft-com:vml" xmlns:pvml="urn:schemas-microsoft-com:office:powerpoint" xmlns:com="http://schemas.openxmlformats.org/drawingml/2006/compatibility" xmlns:p14="http://schemas.microsoft.com/office/powerpoint/2010/main" showMasterPhAnim="0" showMasterSp="0">
   <p:cSld>
     <p:spTree>
       <p:nvGrpSpPr>
-        <p:cNvPr id="1" name="Shape 106"/>
+        <p:cNvPr id="104" name="Shape 104"/>
         <p:cNvGrpSpPr/>
         <p:nvPr/>
       </p:nvGrpSpPr>
@@ -630,12 +511,10 @@
       </p:grpSpPr>
       <p:sp>
         <p:nvSpPr>
-          <p:cNvPr id="107" name="Shape 107"/>
-          <p:cNvSpPr>
-            <a:spLocks noGrp="1" noRot="1" noChangeAspect="1"/>
-          </p:cNvSpPr>
+          <p:cNvPr id="105" name="Shape 105"/>
+          <p:cNvSpPr/>
           <p:nvPr>
-            <p:ph type="sldImg" idx="2"/>
+            <p:ph idx="2" type="sldImg"/>
           </p:nvPr>
         </p:nvSpPr>
         <p:spPr>
@@ -644,13 +523,8 @@
             <a:ext cx="6096299" cy="3429000"/>
           </a:xfrm>
           <a:custGeom>
-            <a:avLst/>
-            <a:gdLst/>
-            <a:ahLst/>
-            <a:cxnLst/>
-            <a:rect l="0" t="0" r="0" b="0"/>
             <a:pathLst>
-              <a:path w="120000" h="120000" extrusionOk="0">
+              <a:path extrusionOk="0" h="120000" w="120000">
                 <a:moveTo>
                   <a:pt x="0" y="0"/>
                 </a:moveTo>
@@ -668,25 +542,23 @@
             </a:pathLst>
           </a:custGeom>
           <a:noFill/>
-          <a:ln w="9525" cap="flat" cmpd="sng">
+          <a:ln cap="flat" cmpd="sng" w="9525">
             <a:solidFill>
               <a:srgbClr val="000000"/>
             </a:solidFill>
             <a:prstDash val="solid"/>
             <a:round/>
-            <a:headEnd type="none" w="med" len="med"/>
-            <a:tailEnd type="none" w="med" len="med"/>
+            <a:headEnd len="med" w="med" type="none"/>
+            <a:tailEnd len="med" w="med" type="none"/>
           </a:ln>
         </p:spPr>
       </p:sp>
       <p:sp>
         <p:nvSpPr>
-          <p:cNvPr id="108" name="Shape 108"/>
-          <p:cNvSpPr txBox="1">
-            <a:spLocks noGrp="1"/>
-          </p:cNvSpPr>
+          <p:cNvPr id="106" name="Shape 106"/>
+          <p:cNvSpPr txBox="1"/>
           <p:nvPr>
-            <p:ph type="body" idx="1"/>
+            <p:ph idx="1" type="body"/>
           </p:nvPr>
         </p:nvSpPr>
         <p:spPr>
@@ -699,17 +571,20 @@
           </a:prstGeom>
         </p:spPr>
         <p:txBody>
-          <a:bodyPr lIns="91425" tIns="91425" rIns="91425" bIns="91425" anchor="t" anchorCtr="0">
+          <a:bodyPr anchorCtr="0" anchor="t" bIns="91425" lIns="91425" rIns="91425" tIns="91425">
             <a:noAutofit/>
           </a:bodyPr>
           <a:lstStyle/>
           <a:p>
-            <a:pPr>
+            <a:pPr lvl="0">
               <a:spcBef>
                 <a:spcPts val="0"/>
               </a:spcBef>
               <a:buNone/>
             </a:pPr>
+            <a:r>
+              <a:t/>
+            </a:r>
             <a:endParaRPr/>
           </a:p>
         </p:txBody>
@@ -723,11 +598,11 @@
 </file>
 
 <file path=ppt/notesSlides/notesSlide11.xml><?xml version="1.0" encoding="utf-8"?>
-<p:notes xmlns:a="http://schemas.openxmlformats.org/drawingml/2006/main" xmlns:r="http://schemas.openxmlformats.org/officeDocument/2006/relationships" xmlns:p="http://schemas.openxmlformats.org/presentationml/2006/main" showMasterSp="0" showMasterPhAnim="0">
+<p:notes xmlns:a="http://schemas.openxmlformats.org/drawingml/2006/main" xmlns:r="http://schemas.openxmlformats.org/officeDocument/2006/relationships" xmlns:mc="http://schemas.openxmlformats.org/markup-compatibility/2006" xmlns:mv="urn:schemas-microsoft-com:mac:vml" xmlns:p="http://schemas.openxmlformats.org/presentationml/2006/main" xmlns:c="http://schemas.openxmlformats.org/drawingml/2006/chart" xmlns:dgm="http://schemas.openxmlformats.org/drawingml/2006/diagram" xmlns:o="urn:schemas-microsoft-com:office:office" xmlns:v="urn:schemas-microsoft-com:vml" xmlns:pvml="urn:schemas-microsoft-com:office:powerpoint" xmlns:com="http://schemas.openxmlformats.org/drawingml/2006/compatibility" xmlns:p14="http://schemas.microsoft.com/office/powerpoint/2010/main" showMasterPhAnim="0" showMasterSp="0">
   <p:cSld>
     <p:spTree>
       <p:nvGrpSpPr>
-        <p:cNvPr id="1" name="Shape 112"/>
+        <p:cNvPr id="110" name="Shape 110"/>
         <p:cNvGrpSpPr/>
         <p:nvPr/>
       </p:nvGrpSpPr>
@@ -741,12 +616,10 @@
       </p:grpSpPr>
       <p:sp>
         <p:nvSpPr>
-          <p:cNvPr id="113" name="Shape 113"/>
-          <p:cNvSpPr>
-            <a:spLocks noGrp="1" noRot="1" noChangeAspect="1"/>
-          </p:cNvSpPr>
+          <p:cNvPr id="111" name="Shape 111"/>
+          <p:cNvSpPr/>
           <p:nvPr>
-            <p:ph type="sldImg" idx="2"/>
+            <p:ph idx="2" type="sldImg"/>
           </p:nvPr>
         </p:nvSpPr>
         <p:spPr>
@@ -755,13 +628,8 @@
             <a:ext cx="6096299" cy="3429000"/>
           </a:xfrm>
           <a:custGeom>
-            <a:avLst/>
-            <a:gdLst/>
-            <a:ahLst/>
-            <a:cxnLst/>
-            <a:rect l="0" t="0" r="0" b="0"/>
             <a:pathLst>
-              <a:path w="120000" h="120000" extrusionOk="0">
+              <a:path extrusionOk="0" h="120000" w="120000">
                 <a:moveTo>
                   <a:pt x="0" y="0"/>
                 </a:moveTo>
@@ -779,25 +647,23 @@
             </a:pathLst>
           </a:custGeom>
           <a:noFill/>
-          <a:ln w="9525" cap="flat" cmpd="sng">
+          <a:ln cap="flat" cmpd="sng" w="9525">
             <a:solidFill>
               <a:srgbClr val="000000"/>
             </a:solidFill>
             <a:prstDash val="solid"/>
             <a:round/>
-            <a:headEnd type="none" w="med" len="med"/>
-            <a:tailEnd type="none" w="med" len="med"/>
+            <a:headEnd len="med" w="med" type="none"/>
+            <a:tailEnd len="med" w="med" type="none"/>
           </a:ln>
         </p:spPr>
       </p:sp>
       <p:sp>
         <p:nvSpPr>
-          <p:cNvPr id="114" name="Shape 114"/>
-          <p:cNvSpPr txBox="1">
-            <a:spLocks noGrp="1"/>
-          </p:cNvSpPr>
+          <p:cNvPr id="112" name="Shape 112"/>
+          <p:cNvSpPr txBox="1"/>
           <p:nvPr>
-            <p:ph type="body" idx="1"/>
+            <p:ph idx="1" type="body"/>
           </p:nvPr>
         </p:nvSpPr>
         <p:spPr>
@@ -810,17 +676,20 @@
           </a:prstGeom>
         </p:spPr>
         <p:txBody>
-          <a:bodyPr lIns="91425" tIns="91425" rIns="91425" bIns="91425" anchor="t" anchorCtr="0">
+          <a:bodyPr anchorCtr="0" anchor="t" bIns="91425" lIns="91425" rIns="91425" tIns="91425">
             <a:noAutofit/>
           </a:bodyPr>
           <a:lstStyle/>
           <a:p>
-            <a:pPr>
+            <a:pPr lvl="0">
               <a:spcBef>
                 <a:spcPts val="0"/>
               </a:spcBef>
               <a:buNone/>
             </a:pPr>
+            <a:r>
+              <a:t/>
+            </a:r>
             <a:endParaRPr/>
           </a:p>
         </p:txBody>
@@ -834,11 +703,11 @@
 </file>
 
 <file path=ppt/notesSlides/notesSlide12.xml><?xml version="1.0" encoding="utf-8"?>
-<p:notes xmlns:a="http://schemas.openxmlformats.org/drawingml/2006/main" xmlns:r="http://schemas.openxmlformats.org/officeDocument/2006/relationships" xmlns:p="http://schemas.openxmlformats.org/presentationml/2006/main" showMasterSp="0" showMasterPhAnim="0">
+<p:notes xmlns:a="http://schemas.openxmlformats.org/drawingml/2006/main" xmlns:r="http://schemas.openxmlformats.org/officeDocument/2006/relationships" xmlns:mc="http://schemas.openxmlformats.org/markup-compatibility/2006" xmlns:mv="urn:schemas-microsoft-com:mac:vml" xmlns:p="http://schemas.openxmlformats.org/presentationml/2006/main" xmlns:c="http://schemas.openxmlformats.org/drawingml/2006/chart" xmlns:dgm="http://schemas.openxmlformats.org/drawingml/2006/diagram" xmlns:o="urn:schemas-microsoft-com:office:office" xmlns:v="urn:schemas-microsoft-com:vml" xmlns:pvml="urn:schemas-microsoft-com:office:powerpoint" xmlns:com="http://schemas.openxmlformats.org/drawingml/2006/compatibility" xmlns:p14="http://schemas.microsoft.com/office/powerpoint/2010/main" showMasterPhAnim="0" showMasterSp="0">
   <p:cSld>
     <p:spTree>
       <p:nvGrpSpPr>
-        <p:cNvPr id="1" name="Shape 118"/>
+        <p:cNvPr id="116" name="Shape 116"/>
         <p:cNvGrpSpPr/>
         <p:nvPr/>
       </p:nvGrpSpPr>
@@ -852,12 +721,10 @@
       </p:grpSpPr>
       <p:sp>
         <p:nvSpPr>
-          <p:cNvPr id="119" name="Shape 119"/>
-          <p:cNvSpPr>
-            <a:spLocks noGrp="1" noRot="1" noChangeAspect="1"/>
-          </p:cNvSpPr>
+          <p:cNvPr id="117" name="Shape 117"/>
+          <p:cNvSpPr/>
           <p:nvPr>
-            <p:ph type="sldImg" idx="2"/>
+            <p:ph idx="2" type="sldImg"/>
           </p:nvPr>
         </p:nvSpPr>
         <p:spPr>
@@ -866,13 +733,8 @@
             <a:ext cx="6096299" cy="3429000"/>
           </a:xfrm>
           <a:custGeom>
-            <a:avLst/>
-            <a:gdLst/>
-            <a:ahLst/>
-            <a:cxnLst/>
-            <a:rect l="0" t="0" r="0" b="0"/>
             <a:pathLst>
-              <a:path w="120000" h="120000" extrusionOk="0">
+              <a:path extrusionOk="0" h="120000" w="120000">
                 <a:moveTo>
                   <a:pt x="0" y="0"/>
                 </a:moveTo>
@@ -890,25 +752,23 @@
             </a:pathLst>
           </a:custGeom>
           <a:noFill/>
-          <a:ln w="9525" cap="flat" cmpd="sng">
+          <a:ln cap="flat" cmpd="sng" w="9525">
             <a:solidFill>
               <a:srgbClr val="000000"/>
             </a:solidFill>
             <a:prstDash val="solid"/>
             <a:round/>
-            <a:headEnd type="none" w="med" len="med"/>
-            <a:tailEnd type="none" w="med" len="med"/>
+            <a:headEnd len="med" w="med" type="none"/>
+            <a:tailEnd len="med" w="med" type="none"/>
           </a:ln>
         </p:spPr>
       </p:sp>
       <p:sp>
         <p:nvSpPr>
-          <p:cNvPr id="120" name="Shape 120"/>
-          <p:cNvSpPr txBox="1">
-            <a:spLocks noGrp="1"/>
-          </p:cNvSpPr>
+          <p:cNvPr id="118" name="Shape 118"/>
+          <p:cNvSpPr txBox="1"/>
           <p:nvPr>
-            <p:ph type="body" idx="1"/>
+            <p:ph idx="1" type="body"/>
           </p:nvPr>
         </p:nvSpPr>
         <p:spPr>
@@ -921,17 +781,20 @@
           </a:prstGeom>
         </p:spPr>
         <p:txBody>
-          <a:bodyPr lIns="91425" tIns="91425" rIns="91425" bIns="91425" anchor="t" anchorCtr="0">
+          <a:bodyPr anchorCtr="0" anchor="t" bIns="91425" lIns="91425" rIns="91425" tIns="91425">
             <a:noAutofit/>
           </a:bodyPr>
           <a:lstStyle/>
           <a:p>
-            <a:pPr>
+            <a:pPr lvl="0">
               <a:spcBef>
                 <a:spcPts val="0"/>
               </a:spcBef>
               <a:buNone/>
             </a:pPr>
+            <a:r>
+              <a:t/>
+            </a:r>
             <a:endParaRPr/>
           </a:p>
         </p:txBody>
@@ -945,11 +808,11 @@
 </file>
 
 <file path=ppt/notesSlides/notesSlide13.xml><?xml version="1.0" encoding="utf-8"?>
-<p:notes xmlns:a="http://schemas.openxmlformats.org/drawingml/2006/main" xmlns:r="http://schemas.openxmlformats.org/officeDocument/2006/relationships" xmlns:p="http://schemas.openxmlformats.org/presentationml/2006/main" showMasterSp="0" showMasterPhAnim="0">
+<p:notes xmlns:a="http://schemas.openxmlformats.org/drawingml/2006/main" xmlns:r="http://schemas.openxmlformats.org/officeDocument/2006/relationships" xmlns:mc="http://schemas.openxmlformats.org/markup-compatibility/2006" xmlns:mv="urn:schemas-microsoft-com:mac:vml" xmlns:p="http://schemas.openxmlformats.org/presentationml/2006/main" xmlns:c="http://schemas.openxmlformats.org/drawingml/2006/chart" xmlns:dgm="http://schemas.openxmlformats.org/drawingml/2006/diagram" xmlns:o="urn:schemas-microsoft-com:office:office" xmlns:v="urn:schemas-microsoft-com:vml" xmlns:pvml="urn:schemas-microsoft-com:office:powerpoint" xmlns:com="http://schemas.openxmlformats.org/drawingml/2006/compatibility" xmlns:p14="http://schemas.microsoft.com/office/powerpoint/2010/main" showMasterPhAnim="0" showMasterSp="0">
   <p:cSld>
     <p:spTree>
       <p:nvGrpSpPr>
-        <p:cNvPr id="1" name="Shape 125"/>
+        <p:cNvPr id="122" name="Shape 122"/>
         <p:cNvGrpSpPr/>
         <p:nvPr/>
       </p:nvGrpSpPr>
@@ -963,27 +826,20 @@
       </p:grpSpPr>
       <p:sp>
         <p:nvSpPr>
-          <p:cNvPr id="126" name="Shape 126"/>
-          <p:cNvSpPr>
-            <a:spLocks noGrp="1" noRot="1" noChangeAspect="1"/>
-          </p:cNvSpPr>
+          <p:cNvPr id="123" name="Shape 123"/>
+          <p:cNvSpPr/>
           <p:nvPr>
-            <p:ph type="sldImg" idx="2"/>
+            <p:ph idx="2" type="sldImg"/>
           </p:nvPr>
         </p:nvSpPr>
         <p:spPr>
           <a:xfrm>
-            <a:off x="381000" y="685800"/>
-            <a:ext cx="6096000" cy="3429000"/>
+            <a:off x="381187" y="685800"/>
+            <a:ext cx="6096299" cy="3429000"/>
           </a:xfrm>
           <a:custGeom>
-            <a:avLst/>
-            <a:gdLst/>
-            <a:ahLst/>
-            <a:cxnLst/>
-            <a:rect l="0" t="0" r="0" b="0"/>
             <a:pathLst>
-              <a:path w="120000" h="120000" extrusionOk="0">
+              <a:path extrusionOk="0" h="120000" w="120000">
                 <a:moveTo>
                   <a:pt x="0" y="0"/>
                 </a:moveTo>
@@ -1001,25 +857,23 @@
             </a:pathLst>
           </a:custGeom>
           <a:noFill/>
-          <a:ln w="9525" cap="flat" cmpd="sng">
+          <a:ln cap="flat" cmpd="sng" w="9525">
             <a:solidFill>
               <a:srgbClr val="000000"/>
             </a:solidFill>
             <a:prstDash val="solid"/>
             <a:round/>
-            <a:headEnd type="none" w="med" len="med"/>
-            <a:tailEnd type="none" w="med" len="med"/>
+            <a:headEnd len="med" w="med" type="none"/>
+            <a:tailEnd len="med" w="med" type="none"/>
           </a:ln>
         </p:spPr>
       </p:sp>
       <p:sp>
         <p:nvSpPr>
-          <p:cNvPr id="127" name="Shape 127"/>
-          <p:cNvSpPr txBox="1">
-            <a:spLocks noGrp="1"/>
-          </p:cNvSpPr>
+          <p:cNvPr id="124" name="Shape 124"/>
+          <p:cNvSpPr txBox="1"/>
           <p:nvPr>
-            <p:ph type="body" idx="1"/>
+            <p:ph idx="1" type="body"/>
           </p:nvPr>
         </p:nvSpPr>
         <p:spPr>
@@ -1032,17 +886,20 @@
           </a:prstGeom>
         </p:spPr>
         <p:txBody>
-          <a:bodyPr lIns="91425" tIns="91425" rIns="91425" bIns="91425" anchor="t" anchorCtr="0">
+          <a:bodyPr anchorCtr="0" anchor="t" bIns="91425" lIns="91425" rIns="91425" tIns="91425">
             <a:noAutofit/>
           </a:bodyPr>
           <a:lstStyle/>
           <a:p>
-            <a:pPr>
+            <a:pPr lvl="0">
               <a:spcBef>
                 <a:spcPts val="0"/>
               </a:spcBef>
               <a:buNone/>
             </a:pPr>
+            <a:r>
+              <a:t/>
+            </a:r>
             <a:endParaRPr/>
           </a:p>
         </p:txBody>
@@ -1056,11 +913,11 @@
 </file>
 
 <file path=ppt/notesSlides/notesSlide2.xml><?xml version="1.0" encoding="utf-8"?>
-<p:notes xmlns:a="http://schemas.openxmlformats.org/drawingml/2006/main" xmlns:r="http://schemas.openxmlformats.org/officeDocument/2006/relationships" xmlns:p="http://schemas.openxmlformats.org/presentationml/2006/main" showMasterSp="0" showMasterPhAnim="0">
+<p:notes xmlns:a="http://schemas.openxmlformats.org/drawingml/2006/main" xmlns:r="http://schemas.openxmlformats.org/officeDocument/2006/relationships" xmlns:mc="http://schemas.openxmlformats.org/markup-compatibility/2006" xmlns:mv="urn:schemas-microsoft-com:mac:vml" xmlns:p="http://schemas.openxmlformats.org/presentationml/2006/main" xmlns:c="http://schemas.openxmlformats.org/drawingml/2006/chart" xmlns:dgm="http://schemas.openxmlformats.org/drawingml/2006/diagram" xmlns:o="urn:schemas-microsoft-com:office:office" xmlns:v="urn:schemas-microsoft-com:vml" xmlns:pvml="urn:schemas-microsoft-com:office:powerpoint" xmlns:com="http://schemas.openxmlformats.org/drawingml/2006/compatibility" xmlns:p14="http://schemas.microsoft.com/office/powerpoint/2010/main" showMasterPhAnim="0" showMasterSp="0">
   <p:cSld>
     <p:spTree>
       <p:nvGrpSpPr>
-        <p:cNvPr id="1" name="Shape 49"/>
+        <p:cNvPr id="47" name="Shape 47"/>
         <p:cNvGrpSpPr/>
         <p:nvPr/>
       </p:nvGrpSpPr>
@@ -1074,12 +931,10 @@
       </p:grpSpPr>
       <p:sp>
         <p:nvSpPr>
-          <p:cNvPr id="50" name="Shape 50"/>
-          <p:cNvSpPr>
-            <a:spLocks noGrp="1" noRot="1" noChangeAspect="1"/>
-          </p:cNvSpPr>
+          <p:cNvPr id="48" name="Shape 48"/>
+          <p:cNvSpPr/>
           <p:nvPr>
-            <p:ph type="sldImg" idx="2"/>
+            <p:ph idx="2" type="sldImg"/>
           </p:nvPr>
         </p:nvSpPr>
         <p:spPr>
@@ -1088,13 +943,8 @@
             <a:ext cx="6096299" cy="3429000"/>
           </a:xfrm>
           <a:custGeom>
-            <a:avLst/>
-            <a:gdLst/>
-            <a:ahLst/>
-            <a:cxnLst/>
-            <a:rect l="0" t="0" r="0" b="0"/>
             <a:pathLst>
-              <a:path w="120000" h="120000" extrusionOk="0">
+              <a:path extrusionOk="0" h="120000" w="120000">
                 <a:moveTo>
                   <a:pt x="0" y="0"/>
                 </a:moveTo>
@@ -1112,25 +962,23 @@
             </a:pathLst>
           </a:custGeom>
           <a:noFill/>
-          <a:ln w="9525" cap="flat" cmpd="sng">
+          <a:ln cap="flat" cmpd="sng" w="9525">
             <a:solidFill>
               <a:srgbClr val="000000"/>
             </a:solidFill>
             <a:prstDash val="solid"/>
             <a:round/>
-            <a:headEnd type="none" w="med" len="med"/>
-            <a:tailEnd type="none" w="med" len="med"/>
+            <a:headEnd len="med" w="med" type="none"/>
+            <a:tailEnd len="med" w="med" type="none"/>
           </a:ln>
         </p:spPr>
       </p:sp>
       <p:sp>
         <p:nvSpPr>
-          <p:cNvPr id="51" name="Shape 51"/>
-          <p:cNvSpPr txBox="1">
-            <a:spLocks noGrp="1"/>
-          </p:cNvSpPr>
+          <p:cNvPr id="49" name="Shape 49"/>
+          <p:cNvSpPr txBox="1"/>
           <p:nvPr>
-            <p:ph type="body" idx="1"/>
+            <p:ph idx="1" type="body"/>
           </p:nvPr>
         </p:nvSpPr>
         <p:spPr>
@@ -1143,17 +991,20 @@
           </a:prstGeom>
         </p:spPr>
         <p:txBody>
-          <a:bodyPr lIns="91425" tIns="91425" rIns="91425" bIns="91425" anchor="t" anchorCtr="0">
+          <a:bodyPr anchorCtr="0" anchor="t" bIns="91425" lIns="91425" rIns="91425" tIns="91425">
             <a:noAutofit/>
           </a:bodyPr>
           <a:lstStyle/>
           <a:p>
-            <a:pPr>
+            <a:pPr lvl="0">
               <a:spcBef>
                 <a:spcPts val="0"/>
               </a:spcBef>
               <a:buNone/>
             </a:pPr>
+            <a:r>
+              <a:t/>
+            </a:r>
             <a:endParaRPr/>
           </a:p>
         </p:txBody>
@@ -1167,11 +1018,11 @@
 </file>
 
 <file path=ppt/notesSlides/notesSlide3.xml><?xml version="1.0" encoding="utf-8"?>
-<p:notes xmlns:a="http://schemas.openxmlformats.org/drawingml/2006/main" xmlns:r="http://schemas.openxmlformats.org/officeDocument/2006/relationships" xmlns:p="http://schemas.openxmlformats.org/presentationml/2006/main" showMasterSp="0" showMasterPhAnim="0">
+<p:notes xmlns:a="http://schemas.openxmlformats.org/drawingml/2006/main" xmlns:r="http://schemas.openxmlformats.org/officeDocument/2006/relationships" xmlns:mc="http://schemas.openxmlformats.org/markup-compatibility/2006" xmlns:mv="urn:schemas-microsoft-com:mac:vml" xmlns:p="http://schemas.openxmlformats.org/presentationml/2006/main" xmlns:c="http://schemas.openxmlformats.org/drawingml/2006/chart" xmlns:dgm="http://schemas.openxmlformats.org/drawingml/2006/diagram" xmlns:o="urn:schemas-microsoft-com:office:office" xmlns:v="urn:schemas-microsoft-com:vml" xmlns:pvml="urn:schemas-microsoft-com:office:powerpoint" xmlns:com="http://schemas.openxmlformats.org/drawingml/2006/compatibility" xmlns:p14="http://schemas.microsoft.com/office/powerpoint/2010/main" showMasterPhAnim="0" showMasterSp="0">
   <p:cSld>
     <p:spTree>
       <p:nvGrpSpPr>
-        <p:cNvPr id="1" name="Shape 56"/>
+        <p:cNvPr id="53" name="Shape 53"/>
         <p:cNvGrpSpPr/>
         <p:nvPr/>
       </p:nvGrpSpPr>
@@ -1185,12 +1036,10 @@
       </p:grpSpPr>
       <p:sp>
         <p:nvSpPr>
-          <p:cNvPr id="57" name="Shape 57"/>
-          <p:cNvSpPr>
-            <a:spLocks noGrp="1" noRot="1" noChangeAspect="1"/>
-          </p:cNvSpPr>
+          <p:cNvPr id="54" name="Shape 54"/>
+          <p:cNvSpPr/>
           <p:nvPr>
-            <p:ph type="sldImg" idx="2"/>
+            <p:ph idx="2" type="sldImg"/>
           </p:nvPr>
         </p:nvSpPr>
         <p:spPr>
@@ -1199,13 +1048,8 @@
             <a:ext cx="6096299" cy="3429000"/>
           </a:xfrm>
           <a:custGeom>
-            <a:avLst/>
-            <a:gdLst/>
-            <a:ahLst/>
-            <a:cxnLst/>
-            <a:rect l="0" t="0" r="0" b="0"/>
             <a:pathLst>
-              <a:path w="120000" h="120000" extrusionOk="0">
+              <a:path extrusionOk="0" h="120000" w="120000">
                 <a:moveTo>
                   <a:pt x="0" y="0"/>
                 </a:moveTo>
@@ -1223,25 +1067,23 @@
             </a:pathLst>
           </a:custGeom>
           <a:noFill/>
-          <a:ln w="9525" cap="flat" cmpd="sng">
+          <a:ln cap="flat" cmpd="sng" w="9525">
             <a:solidFill>
               <a:srgbClr val="000000"/>
             </a:solidFill>
             <a:prstDash val="solid"/>
             <a:round/>
-            <a:headEnd type="none" w="med" len="med"/>
-            <a:tailEnd type="none" w="med" len="med"/>
+            <a:headEnd len="med" w="med" type="none"/>
+            <a:tailEnd len="med" w="med" type="none"/>
           </a:ln>
         </p:spPr>
       </p:sp>
       <p:sp>
         <p:nvSpPr>
-          <p:cNvPr id="58" name="Shape 58"/>
-          <p:cNvSpPr txBox="1">
-            <a:spLocks noGrp="1"/>
-          </p:cNvSpPr>
+          <p:cNvPr id="55" name="Shape 55"/>
+          <p:cNvSpPr txBox="1"/>
           <p:nvPr>
-            <p:ph type="body" idx="1"/>
+            <p:ph idx="1" type="body"/>
           </p:nvPr>
         </p:nvSpPr>
         <p:spPr>
@@ -1254,17 +1096,20 @@
           </a:prstGeom>
         </p:spPr>
         <p:txBody>
-          <a:bodyPr lIns="91425" tIns="91425" rIns="91425" bIns="91425" anchor="t" anchorCtr="0">
+          <a:bodyPr anchorCtr="0" anchor="t" bIns="91425" lIns="91425" rIns="91425" tIns="91425">
             <a:noAutofit/>
           </a:bodyPr>
           <a:lstStyle/>
           <a:p>
-            <a:pPr>
+            <a:pPr lvl="0">
               <a:spcBef>
                 <a:spcPts val="0"/>
               </a:spcBef>
               <a:buNone/>
             </a:pPr>
+            <a:r>
+              <a:t/>
+            </a:r>
             <a:endParaRPr/>
           </a:p>
         </p:txBody>
@@ -1278,11 +1123,11 @@
 </file>
 
 <file path=ppt/notesSlides/notesSlide4.xml><?xml version="1.0" encoding="utf-8"?>
-<p:notes xmlns:a="http://schemas.openxmlformats.org/drawingml/2006/main" xmlns:r="http://schemas.openxmlformats.org/officeDocument/2006/relationships" xmlns:p="http://schemas.openxmlformats.org/presentationml/2006/main" showMasterSp="0" showMasterPhAnim="0">
+<p:notes xmlns:a="http://schemas.openxmlformats.org/drawingml/2006/main" xmlns:r="http://schemas.openxmlformats.org/officeDocument/2006/relationships" xmlns:mc="http://schemas.openxmlformats.org/markup-compatibility/2006" xmlns:mv="urn:schemas-microsoft-com:mac:vml" xmlns:p="http://schemas.openxmlformats.org/presentationml/2006/main" xmlns:c="http://schemas.openxmlformats.org/drawingml/2006/chart" xmlns:dgm="http://schemas.openxmlformats.org/drawingml/2006/diagram" xmlns:o="urn:schemas-microsoft-com:office:office" xmlns:v="urn:schemas-microsoft-com:vml" xmlns:pvml="urn:schemas-microsoft-com:office:powerpoint" xmlns:com="http://schemas.openxmlformats.org/drawingml/2006/compatibility" xmlns:p14="http://schemas.microsoft.com/office/powerpoint/2010/main" showMasterPhAnim="0" showMasterSp="0">
   <p:cSld>
     <p:spTree>
       <p:nvGrpSpPr>
-        <p:cNvPr id="1" name="Shape 62"/>
+        <p:cNvPr id="60" name="Shape 60"/>
         <p:cNvGrpSpPr/>
         <p:nvPr/>
       </p:nvGrpSpPr>
@@ -1296,12 +1141,10 @@
       </p:grpSpPr>
       <p:sp>
         <p:nvSpPr>
-          <p:cNvPr id="63" name="Shape 63"/>
-          <p:cNvSpPr>
-            <a:spLocks noGrp="1" noRot="1" noChangeAspect="1"/>
-          </p:cNvSpPr>
+          <p:cNvPr id="61" name="Shape 61"/>
+          <p:cNvSpPr/>
           <p:nvPr>
-            <p:ph type="sldImg" idx="2"/>
+            <p:ph idx="2" type="sldImg"/>
           </p:nvPr>
         </p:nvSpPr>
         <p:spPr>
@@ -1310,13 +1153,8 @@
             <a:ext cx="6096299" cy="3429000"/>
           </a:xfrm>
           <a:custGeom>
-            <a:avLst/>
-            <a:gdLst/>
-            <a:ahLst/>
-            <a:cxnLst/>
-            <a:rect l="0" t="0" r="0" b="0"/>
             <a:pathLst>
-              <a:path w="120000" h="120000" extrusionOk="0">
+              <a:path extrusionOk="0" h="120000" w="120000">
                 <a:moveTo>
                   <a:pt x="0" y="0"/>
                 </a:moveTo>
@@ -1334,25 +1172,23 @@
             </a:pathLst>
           </a:custGeom>
           <a:noFill/>
-          <a:ln w="9525" cap="flat" cmpd="sng">
+          <a:ln cap="flat" cmpd="sng" w="9525">
             <a:solidFill>
               <a:srgbClr val="000000"/>
             </a:solidFill>
             <a:prstDash val="solid"/>
             <a:round/>
-            <a:headEnd type="none" w="med" len="med"/>
-            <a:tailEnd type="none" w="med" len="med"/>
+            <a:headEnd len="med" w="med" type="none"/>
+            <a:tailEnd len="med" w="med" type="none"/>
           </a:ln>
         </p:spPr>
       </p:sp>
       <p:sp>
         <p:nvSpPr>
-          <p:cNvPr id="64" name="Shape 64"/>
-          <p:cNvSpPr txBox="1">
-            <a:spLocks noGrp="1"/>
-          </p:cNvSpPr>
+          <p:cNvPr id="62" name="Shape 62"/>
+          <p:cNvSpPr txBox="1"/>
           <p:nvPr>
-            <p:ph type="body" idx="1"/>
+            <p:ph idx="1" type="body"/>
           </p:nvPr>
         </p:nvSpPr>
         <p:spPr>
@@ -1365,17 +1201,20 @@
           </a:prstGeom>
         </p:spPr>
         <p:txBody>
-          <a:bodyPr lIns="91425" tIns="91425" rIns="91425" bIns="91425" anchor="t" anchorCtr="0">
+          <a:bodyPr anchorCtr="0" anchor="t" bIns="91425" lIns="91425" rIns="91425" tIns="91425">
             <a:noAutofit/>
           </a:bodyPr>
           <a:lstStyle/>
           <a:p>
-            <a:pPr>
+            <a:pPr lvl="0">
               <a:spcBef>
                 <a:spcPts val="0"/>
               </a:spcBef>
               <a:buNone/>
             </a:pPr>
+            <a:r>
+              <a:t/>
+            </a:r>
             <a:endParaRPr/>
           </a:p>
         </p:txBody>
@@ -1389,11 +1228,11 @@
 </file>
 
 <file path=ppt/notesSlides/notesSlide5.xml><?xml version="1.0" encoding="utf-8"?>
-<p:notes xmlns:a="http://schemas.openxmlformats.org/drawingml/2006/main" xmlns:r="http://schemas.openxmlformats.org/officeDocument/2006/relationships" xmlns:p="http://schemas.openxmlformats.org/presentationml/2006/main" showMasterSp="0" showMasterPhAnim="0">
+<p:notes xmlns:a="http://schemas.openxmlformats.org/drawingml/2006/main" xmlns:r="http://schemas.openxmlformats.org/officeDocument/2006/relationships" xmlns:mc="http://schemas.openxmlformats.org/markup-compatibility/2006" xmlns:mv="urn:schemas-microsoft-com:mac:vml" xmlns:p="http://schemas.openxmlformats.org/presentationml/2006/main" xmlns:c="http://schemas.openxmlformats.org/drawingml/2006/chart" xmlns:dgm="http://schemas.openxmlformats.org/drawingml/2006/diagram" xmlns:o="urn:schemas-microsoft-com:office:office" xmlns:v="urn:schemas-microsoft-com:vml" xmlns:pvml="urn:schemas-microsoft-com:office:powerpoint" xmlns:com="http://schemas.openxmlformats.org/drawingml/2006/compatibility" xmlns:p14="http://schemas.microsoft.com/office/powerpoint/2010/main" showMasterPhAnim="0" showMasterSp="0">
   <p:cSld>
     <p:spTree>
       <p:nvGrpSpPr>
-        <p:cNvPr id="1" name="Shape 68"/>
+        <p:cNvPr id="66" name="Shape 66"/>
         <p:cNvGrpSpPr/>
         <p:nvPr/>
       </p:nvGrpSpPr>
@@ -1407,12 +1246,10 @@
       </p:grpSpPr>
       <p:sp>
         <p:nvSpPr>
-          <p:cNvPr id="69" name="Shape 69"/>
-          <p:cNvSpPr>
-            <a:spLocks noGrp="1" noRot="1" noChangeAspect="1"/>
-          </p:cNvSpPr>
+          <p:cNvPr id="67" name="Shape 67"/>
+          <p:cNvSpPr/>
           <p:nvPr>
-            <p:ph type="sldImg" idx="2"/>
+            <p:ph idx="2" type="sldImg"/>
           </p:nvPr>
         </p:nvSpPr>
         <p:spPr>
@@ -1421,13 +1258,8 @@
             <a:ext cx="6096299" cy="3429000"/>
           </a:xfrm>
           <a:custGeom>
-            <a:avLst/>
-            <a:gdLst/>
-            <a:ahLst/>
-            <a:cxnLst/>
-            <a:rect l="0" t="0" r="0" b="0"/>
             <a:pathLst>
-              <a:path w="120000" h="120000" extrusionOk="0">
+              <a:path extrusionOk="0" h="120000" w="120000">
                 <a:moveTo>
                   <a:pt x="0" y="0"/>
                 </a:moveTo>
@@ -1445,25 +1277,23 @@
             </a:pathLst>
           </a:custGeom>
           <a:noFill/>
-          <a:ln w="9525" cap="flat" cmpd="sng">
+          <a:ln cap="flat" cmpd="sng" w="9525">
             <a:solidFill>
               <a:srgbClr val="000000"/>
             </a:solidFill>
             <a:prstDash val="solid"/>
             <a:round/>
-            <a:headEnd type="none" w="med" len="med"/>
-            <a:tailEnd type="none" w="med" len="med"/>
+            <a:headEnd len="med" w="med" type="none"/>
+            <a:tailEnd len="med" w="med" type="none"/>
           </a:ln>
         </p:spPr>
       </p:sp>
       <p:sp>
         <p:nvSpPr>
-          <p:cNvPr id="70" name="Shape 70"/>
-          <p:cNvSpPr txBox="1">
-            <a:spLocks noGrp="1"/>
-          </p:cNvSpPr>
+          <p:cNvPr id="68" name="Shape 68"/>
+          <p:cNvSpPr txBox="1"/>
           <p:nvPr>
-            <p:ph type="body" idx="1"/>
+            <p:ph idx="1" type="body"/>
           </p:nvPr>
         </p:nvSpPr>
         <p:spPr>
@@ -1476,17 +1306,20 @@
           </a:prstGeom>
         </p:spPr>
         <p:txBody>
-          <a:bodyPr lIns="91425" tIns="91425" rIns="91425" bIns="91425" anchor="t" anchorCtr="0">
+          <a:bodyPr anchorCtr="0" anchor="t" bIns="91425" lIns="91425" rIns="91425" tIns="91425">
             <a:noAutofit/>
           </a:bodyPr>
           <a:lstStyle/>
           <a:p>
-            <a:pPr>
+            <a:pPr lvl="0">
               <a:spcBef>
                 <a:spcPts val="0"/>
               </a:spcBef>
               <a:buNone/>
             </a:pPr>
+            <a:r>
+              <a:t/>
+            </a:r>
             <a:endParaRPr/>
           </a:p>
         </p:txBody>
@@ -1500,11 +1333,11 @@
 </file>
 
 <file path=ppt/notesSlides/notesSlide6.xml><?xml version="1.0" encoding="utf-8"?>
-<p:notes xmlns:a="http://schemas.openxmlformats.org/drawingml/2006/main" xmlns:r="http://schemas.openxmlformats.org/officeDocument/2006/relationships" xmlns:p="http://schemas.openxmlformats.org/presentationml/2006/main" showMasterSp="0" showMasterPhAnim="0">
+<p:notes xmlns:a="http://schemas.openxmlformats.org/drawingml/2006/main" xmlns:r="http://schemas.openxmlformats.org/officeDocument/2006/relationships" xmlns:mc="http://schemas.openxmlformats.org/markup-compatibility/2006" xmlns:mv="urn:schemas-microsoft-com:mac:vml" xmlns:p="http://schemas.openxmlformats.org/presentationml/2006/main" xmlns:c="http://schemas.openxmlformats.org/drawingml/2006/chart" xmlns:dgm="http://schemas.openxmlformats.org/drawingml/2006/diagram" xmlns:o="urn:schemas-microsoft-com:office:office" xmlns:v="urn:schemas-microsoft-com:vml" xmlns:pvml="urn:schemas-microsoft-com:office:powerpoint" xmlns:com="http://schemas.openxmlformats.org/drawingml/2006/compatibility" xmlns:p14="http://schemas.microsoft.com/office/powerpoint/2010/main" showMasterPhAnim="0" showMasterSp="0">
   <p:cSld>
     <p:spTree>
       <p:nvGrpSpPr>
-        <p:cNvPr id="1" name="Shape 78"/>
+        <p:cNvPr id="72" name="Shape 72"/>
         <p:cNvGrpSpPr/>
         <p:nvPr/>
       </p:nvGrpSpPr>
@@ -1518,12 +1351,10 @@
       </p:grpSpPr>
       <p:sp>
         <p:nvSpPr>
-          <p:cNvPr id="79" name="Shape 79"/>
-          <p:cNvSpPr>
-            <a:spLocks noGrp="1" noRot="1" noChangeAspect="1"/>
-          </p:cNvSpPr>
+          <p:cNvPr id="73" name="Shape 73"/>
+          <p:cNvSpPr/>
           <p:nvPr>
-            <p:ph type="sldImg" idx="2"/>
+            <p:ph idx="2" type="sldImg"/>
           </p:nvPr>
         </p:nvSpPr>
         <p:spPr>
@@ -1532,13 +1363,8 @@
             <a:ext cx="6096299" cy="3429000"/>
           </a:xfrm>
           <a:custGeom>
-            <a:avLst/>
-            <a:gdLst/>
-            <a:ahLst/>
-            <a:cxnLst/>
-            <a:rect l="0" t="0" r="0" b="0"/>
             <a:pathLst>
-              <a:path w="120000" h="120000" extrusionOk="0">
+              <a:path extrusionOk="0" h="120000" w="120000">
                 <a:moveTo>
                   <a:pt x="0" y="0"/>
                 </a:moveTo>
@@ -1556,25 +1382,23 @@
             </a:pathLst>
           </a:custGeom>
           <a:noFill/>
-          <a:ln w="9525" cap="flat" cmpd="sng">
+          <a:ln cap="flat" cmpd="sng" w="9525">
             <a:solidFill>
               <a:srgbClr val="000000"/>
             </a:solidFill>
             <a:prstDash val="solid"/>
             <a:round/>
-            <a:headEnd type="none" w="med" len="med"/>
-            <a:tailEnd type="none" w="med" len="med"/>
+            <a:headEnd len="med" w="med" type="none"/>
+            <a:tailEnd len="med" w="med" type="none"/>
           </a:ln>
         </p:spPr>
       </p:sp>
       <p:sp>
         <p:nvSpPr>
-          <p:cNvPr id="80" name="Shape 80"/>
-          <p:cNvSpPr txBox="1">
-            <a:spLocks noGrp="1"/>
-          </p:cNvSpPr>
+          <p:cNvPr id="74" name="Shape 74"/>
+          <p:cNvSpPr txBox="1"/>
           <p:nvPr>
-            <p:ph type="body" idx="1"/>
+            <p:ph idx="1" type="body"/>
           </p:nvPr>
         </p:nvSpPr>
         <p:spPr>
@@ -1587,17 +1411,20 @@
           </a:prstGeom>
         </p:spPr>
         <p:txBody>
-          <a:bodyPr lIns="91425" tIns="91425" rIns="91425" bIns="91425" anchor="t" anchorCtr="0">
+          <a:bodyPr anchorCtr="0" anchor="t" bIns="91425" lIns="91425" rIns="91425" tIns="91425">
             <a:noAutofit/>
           </a:bodyPr>
           <a:lstStyle/>
           <a:p>
-            <a:pPr>
+            <a:pPr lvl="0">
               <a:spcBef>
                 <a:spcPts val="0"/>
               </a:spcBef>
               <a:buNone/>
             </a:pPr>
+            <a:r>
+              <a:t/>
+            </a:r>
             <a:endParaRPr/>
           </a:p>
         </p:txBody>
@@ -1611,11 +1438,11 @@
 </file>
 
 <file path=ppt/notesSlides/notesSlide7.xml><?xml version="1.0" encoding="utf-8"?>
-<p:notes xmlns:a="http://schemas.openxmlformats.org/drawingml/2006/main" xmlns:r="http://schemas.openxmlformats.org/officeDocument/2006/relationships" xmlns:p="http://schemas.openxmlformats.org/presentationml/2006/main" showMasterSp="0" showMasterPhAnim="0">
+<p:notes xmlns:a="http://schemas.openxmlformats.org/drawingml/2006/main" xmlns:r="http://schemas.openxmlformats.org/officeDocument/2006/relationships" xmlns:mc="http://schemas.openxmlformats.org/markup-compatibility/2006" xmlns:mv="urn:schemas-microsoft-com:mac:vml" xmlns:p="http://schemas.openxmlformats.org/presentationml/2006/main" xmlns:c="http://schemas.openxmlformats.org/drawingml/2006/chart" xmlns:dgm="http://schemas.openxmlformats.org/drawingml/2006/diagram" xmlns:o="urn:schemas-microsoft-com:office:office" xmlns:v="urn:schemas-microsoft-com:vml" xmlns:pvml="urn:schemas-microsoft-com:office:powerpoint" xmlns:com="http://schemas.openxmlformats.org/drawingml/2006/compatibility" xmlns:p14="http://schemas.microsoft.com/office/powerpoint/2010/main" showMasterPhAnim="0" showMasterSp="0">
   <p:cSld>
     <p:spTree>
       <p:nvGrpSpPr>
-        <p:cNvPr id="1" name="Shape 88"/>
+        <p:cNvPr id="82" name="Shape 82"/>
         <p:cNvGrpSpPr/>
         <p:nvPr/>
       </p:nvGrpSpPr>
@@ -1629,12 +1456,10 @@
       </p:grpSpPr>
       <p:sp>
         <p:nvSpPr>
-          <p:cNvPr id="89" name="Shape 89"/>
-          <p:cNvSpPr>
-            <a:spLocks noGrp="1" noRot="1" noChangeAspect="1"/>
-          </p:cNvSpPr>
+          <p:cNvPr id="83" name="Shape 83"/>
+          <p:cNvSpPr/>
           <p:nvPr>
-            <p:ph type="sldImg" idx="2"/>
+            <p:ph idx="2" type="sldImg"/>
           </p:nvPr>
         </p:nvSpPr>
         <p:spPr>
@@ -1643,13 +1468,8 @@
             <a:ext cx="6096299" cy="3429000"/>
           </a:xfrm>
           <a:custGeom>
-            <a:avLst/>
-            <a:gdLst/>
-            <a:ahLst/>
-            <a:cxnLst/>
-            <a:rect l="0" t="0" r="0" b="0"/>
             <a:pathLst>
-              <a:path w="120000" h="120000" extrusionOk="0">
+              <a:path extrusionOk="0" h="120000" w="120000">
                 <a:moveTo>
                   <a:pt x="0" y="0"/>
                 </a:moveTo>
@@ -1667,25 +1487,23 @@
             </a:pathLst>
           </a:custGeom>
           <a:noFill/>
-          <a:ln w="9525" cap="flat" cmpd="sng">
+          <a:ln cap="flat" cmpd="sng" w="9525">
             <a:solidFill>
               <a:srgbClr val="000000"/>
             </a:solidFill>
             <a:prstDash val="solid"/>
             <a:round/>
-            <a:headEnd type="none" w="med" len="med"/>
-            <a:tailEnd type="none" w="med" len="med"/>
+            <a:headEnd len="med" w="med" type="none"/>
+            <a:tailEnd len="med" w="med" type="none"/>
           </a:ln>
         </p:spPr>
       </p:sp>
       <p:sp>
         <p:nvSpPr>
-          <p:cNvPr id="90" name="Shape 90"/>
-          <p:cNvSpPr txBox="1">
-            <a:spLocks noGrp="1"/>
-          </p:cNvSpPr>
+          <p:cNvPr id="84" name="Shape 84"/>
+          <p:cNvSpPr txBox="1"/>
           <p:nvPr>
-            <p:ph type="body" idx="1"/>
+            <p:ph idx="1" type="body"/>
           </p:nvPr>
         </p:nvSpPr>
         <p:spPr>
@@ -1698,17 +1516,20 @@
           </a:prstGeom>
         </p:spPr>
         <p:txBody>
-          <a:bodyPr lIns="91425" tIns="91425" rIns="91425" bIns="91425" anchor="t" anchorCtr="0">
+          <a:bodyPr anchorCtr="0" anchor="t" bIns="91425" lIns="91425" rIns="91425" tIns="91425">
             <a:noAutofit/>
           </a:bodyPr>
           <a:lstStyle/>
           <a:p>
-            <a:pPr>
+            <a:pPr lvl="0">
               <a:spcBef>
                 <a:spcPts val="0"/>
               </a:spcBef>
               <a:buNone/>
             </a:pPr>
+            <a:r>
+              <a:t/>
+            </a:r>
             <a:endParaRPr/>
           </a:p>
         </p:txBody>
@@ -1722,11 +1543,11 @@
 </file>
 
 <file path=ppt/notesSlides/notesSlide8.xml><?xml version="1.0" encoding="utf-8"?>
-<p:notes xmlns:a="http://schemas.openxmlformats.org/drawingml/2006/main" xmlns:r="http://schemas.openxmlformats.org/officeDocument/2006/relationships" xmlns:p="http://schemas.openxmlformats.org/presentationml/2006/main" showMasterSp="0" showMasterPhAnim="0">
+<p:notes xmlns:a="http://schemas.openxmlformats.org/drawingml/2006/main" xmlns:r="http://schemas.openxmlformats.org/officeDocument/2006/relationships" xmlns:mc="http://schemas.openxmlformats.org/markup-compatibility/2006" xmlns:mv="urn:schemas-microsoft-com:mac:vml" xmlns:p="http://schemas.openxmlformats.org/presentationml/2006/main" xmlns:c="http://schemas.openxmlformats.org/drawingml/2006/chart" xmlns:dgm="http://schemas.openxmlformats.org/drawingml/2006/diagram" xmlns:o="urn:schemas-microsoft-com:office:office" xmlns:v="urn:schemas-microsoft-com:vml" xmlns:pvml="urn:schemas-microsoft-com:office:powerpoint" xmlns:com="http://schemas.openxmlformats.org/drawingml/2006/compatibility" xmlns:p14="http://schemas.microsoft.com/office/powerpoint/2010/main" showMasterPhAnim="0" showMasterSp="0">
   <p:cSld>
     <p:spTree>
       <p:nvGrpSpPr>
-        <p:cNvPr id="1" name="Shape 94"/>
+        <p:cNvPr id="92" name="Shape 92"/>
         <p:cNvGrpSpPr/>
         <p:nvPr/>
       </p:nvGrpSpPr>
@@ -1740,12 +1561,10 @@
       </p:grpSpPr>
       <p:sp>
         <p:nvSpPr>
-          <p:cNvPr id="95" name="Shape 95"/>
-          <p:cNvSpPr>
-            <a:spLocks noGrp="1" noRot="1" noChangeAspect="1"/>
-          </p:cNvSpPr>
+          <p:cNvPr id="93" name="Shape 93"/>
+          <p:cNvSpPr/>
           <p:nvPr>
-            <p:ph type="sldImg" idx="2"/>
+            <p:ph idx="2" type="sldImg"/>
           </p:nvPr>
         </p:nvSpPr>
         <p:spPr>
@@ -1754,13 +1573,8 @@
             <a:ext cx="6096299" cy="3429000"/>
           </a:xfrm>
           <a:custGeom>
-            <a:avLst/>
-            <a:gdLst/>
-            <a:ahLst/>
-            <a:cxnLst/>
-            <a:rect l="0" t="0" r="0" b="0"/>
             <a:pathLst>
-              <a:path w="120000" h="120000" extrusionOk="0">
+              <a:path extrusionOk="0" h="120000" w="120000">
                 <a:moveTo>
                   <a:pt x="0" y="0"/>
                 </a:moveTo>
@@ -1778,25 +1592,23 @@
             </a:pathLst>
           </a:custGeom>
           <a:noFill/>
-          <a:ln w="9525" cap="flat" cmpd="sng">
+          <a:ln cap="flat" cmpd="sng" w="9525">
             <a:solidFill>
               <a:srgbClr val="000000"/>
             </a:solidFill>
             <a:prstDash val="solid"/>
             <a:round/>
-            <a:headEnd type="none" w="med" len="med"/>
-            <a:tailEnd type="none" w="med" len="med"/>
+            <a:headEnd len="med" w="med" type="none"/>
+            <a:tailEnd len="med" w="med" type="none"/>
           </a:ln>
         </p:spPr>
       </p:sp>
       <p:sp>
         <p:nvSpPr>
-          <p:cNvPr id="96" name="Shape 96"/>
-          <p:cNvSpPr txBox="1">
-            <a:spLocks noGrp="1"/>
-          </p:cNvSpPr>
+          <p:cNvPr id="94" name="Shape 94"/>
+          <p:cNvSpPr txBox="1"/>
           <p:nvPr>
-            <p:ph type="body" idx="1"/>
+            <p:ph idx="1" type="body"/>
           </p:nvPr>
         </p:nvSpPr>
         <p:spPr>
@@ -1809,17 +1621,20 @@
           </a:prstGeom>
         </p:spPr>
         <p:txBody>
-          <a:bodyPr lIns="91425" tIns="91425" rIns="91425" bIns="91425" anchor="t" anchorCtr="0">
+          <a:bodyPr anchorCtr="0" anchor="t" bIns="91425" lIns="91425" rIns="91425" tIns="91425">
             <a:noAutofit/>
           </a:bodyPr>
           <a:lstStyle/>
           <a:p>
-            <a:pPr>
+            <a:pPr lvl="0">
               <a:spcBef>
                 <a:spcPts val="0"/>
               </a:spcBef>
               <a:buNone/>
             </a:pPr>
+            <a:r>
+              <a:t/>
+            </a:r>
             <a:endParaRPr/>
           </a:p>
         </p:txBody>
@@ -1833,11 +1648,11 @@
 </file>
 
 <file path=ppt/notesSlides/notesSlide9.xml><?xml version="1.0" encoding="utf-8"?>
-<p:notes xmlns:a="http://schemas.openxmlformats.org/drawingml/2006/main" xmlns:r="http://schemas.openxmlformats.org/officeDocument/2006/relationships" xmlns:p="http://schemas.openxmlformats.org/presentationml/2006/main" showMasterSp="0" showMasterPhAnim="0">
+<p:notes xmlns:a="http://schemas.openxmlformats.org/drawingml/2006/main" xmlns:r="http://schemas.openxmlformats.org/officeDocument/2006/relationships" xmlns:mc="http://schemas.openxmlformats.org/markup-compatibility/2006" xmlns:mv="urn:schemas-microsoft-com:mac:vml" xmlns:p="http://schemas.openxmlformats.org/presentationml/2006/main" xmlns:c="http://schemas.openxmlformats.org/drawingml/2006/chart" xmlns:dgm="http://schemas.openxmlformats.org/drawingml/2006/diagram" xmlns:o="urn:schemas-microsoft-com:office:office" xmlns:v="urn:schemas-microsoft-com:vml" xmlns:pvml="urn:schemas-microsoft-com:office:powerpoint" xmlns:com="http://schemas.openxmlformats.org/drawingml/2006/compatibility" xmlns:p14="http://schemas.microsoft.com/office/powerpoint/2010/main" showMasterPhAnim="0" showMasterSp="0">
   <p:cSld>
     <p:spTree>
       <p:nvGrpSpPr>
-        <p:cNvPr id="1" name="Shape 100"/>
+        <p:cNvPr id="98" name="Shape 98"/>
         <p:cNvGrpSpPr/>
         <p:nvPr/>
       </p:nvGrpSpPr>
@@ -1851,12 +1666,10 @@
       </p:grpSpPr>
       <p:sp>
         <p:nvSpPr>
-          <p:cNvPr id="101" name="Shape 101"/>
-          <p:cNvSpPr>
-            <a:spLocks noGrp="1" noRot="1" noChangeAspect="1"/>
-          </p:cNvSpPr>
+          <p:cNvPr id="99" name="Shape 99"/>
+          <p:cNvSpPr/>
           <p:nvPr>
-            <p:ph type="sldImg" idx="2"/>
+            <p:ph idx="2" type="sldImg"/>
           </p:nvPr>
         </p:nvSpPr>
         <p:spPr>
@@ -1865,13 +1678,8 @@
             <a:ext cx="6096299" cy="3429000"/>
           </a:xfrm>
           <a:custGeom>
-            <a:avLst/>
-            <a:gdLst/>
-            <a:ahLst/>
-            <a:cxnLst/>
-            <a:rect l="0" t="0" r="0" b="0"/>
             <a:pathLst>
-              <a:path w="120000" h="120000" extrusionOk="0">
+              <a:path extrusionOk="0" h="120000" w="120000">
                 <a:moveTo>
                   <a:pt x="0" y="0"/>
                 </a:moveTo>
@@ -1889,25 +1697,23 @@
             </a:pathLst>
           </a:custGeom>
           <a:noFill/>
-          <a:ln w="9525" cap="flat" cmpd="sng">
+          <a:ln cap="flat" cmpd="sng" w="9525">
             <a:solidFill>
               <a:srgbClr val="000000"/>
             </a:solidFill>
             <a:prstDash val="solid"/>
             <a:round/>
-            <a:headEnd type="none" w="med" len="med"/>
-            <a:tailEnd type="none" w="med" len="med"/>
+            <a:headEnd len="med" w="med" type="none"/>
+            <a:tailEnd len="med" w="med" type="none"/>
           </a:ln>
         </p:spPr>
       </p:sp>
       <p:sp>
         <p:nvSpPr>
-          <p:cNvPr id="102" name="Shape 102"/>
-          <p:cNvSpPr txBox="1">
-            <a:spLocks noGrp="1"/>
-          </p:cNvSpPr>
+          <p:cNvPr id="100" name="Shape 100"/>
+          <p:cNvSpPr txBox="1"/>
           <p:nvPr>
-            <p:ph type="body" idx="1"/>
+            <p:ph idx="1" type="body"/>
           </p:nvPr>
         </p:nvSpPr>
         <p:spPr>
@@ -1920,17 +1726,20 @@
           </a:prstGeom>
         </p:spPr>
         <p:txBody>
-          <a:bodyPr lIns="91425" tIns="91425" rIns="91425" bIns="91425" anchor="t" anchorCtr="0">
+          <a:bodyPr anchorCtr="0" anchor="t" bIns="91425" lIns="91425" rIns="91425" tIns="91425">
             <a:noAutofit/>
           </a:bodyPr>
           <a:lstStyle/>
           <a:p>
-            <a:pPr>
+            <a:pPr lvl="0">
               <a:spcBef>
                 <a:spcPts val="0"/>
               </a:spcBef>
               <a:buNone/>
             </a:pPr>
+            <a:r>
+              <a:t/>
+            </a:r>
             <a:endParaRPr/>
           </a:p>
         </p:txBody>
@@ -1944,11 +1753,11 @@
 </file>
 
 <file path=ppt/slideLayouts/slideLayout1.xml><?xml version="1.0" encoding="utf-8"?>
-<p:sldLayout xmlns:a="http://schemas.openxmlformats.org/drawingml/2006/main" xmlns:r="http://schemas.openxmlformats.org/officeDocument/2006/relationships" xmlns:p="http://schemas.openxmlformats.org/presentationml/2006/main" type="title">
+<p:sldLayout xmlns:a="http://schemas.openxmlformats.org/drawingml/2006/main" xmlns:r="http://schemas.openxmlformats.org/officeDocument/2006/relationships" xmlns:mc="http://schemas.openxmlformats.org/markup-compatibility/2006" xmlns:mv="urn:schemas-microsoft-com:mac:vml" xmlns:p="http://schemas.openxmlformats.org/presentationml/2006/main" xmlns:c="http://schemas.openxmlformats.org/drawingml/2006/chart" xmlns:dgm="http://schemas.openxmlformats.org/drawingml/2006/diagram" xmlns:o="urn:schemas-microsoft-com:office:office" xmlns:v="urn:schemas-microsoft-com:vml" xmlns:pvml="urn:schemas-microsoft-com:office:powerpoint" xmlns:com="http://schemas.openxmlformats.org/drawingml/2006/compatibility" xmlns:p14="http://schemas.microsoft.com/office/powerpoint/2010/main" type="title">
   <p:cSld name="Title slide">
     <p:spTree>
       <p:nvGrpSpPr>
-        <p:cNvPr id="1" name="Shape 8"/>
+        <p:cNvPr id="9" name="Shape 9"/>
         <p:cNvGrpSpPr/>
         <p:nvPr/>
       </p:nvGrpSpPr>
@@ -1962,7 +1771,7 @@
       </p:grpSpPr>
       <p:sp>
         <p:nvSpPr>
-          <p:cNvPr id="9" name="Shape 9"/>
+          <p:cNvPr id="10" name="Shape 10"/>
           <p:cNvSpPr/>
           <p:nvPr/>
         </p:nvSpPr>
@@ -1973,7 +1782,7 @@
           </a:xfrm>
           <a:prstGeom prst="roundRect">
             <a:avLst>
-              <a:gd name="adj" fmla="val 3653"/>
+              <a:gd fmla="val 3653" name="adj"/>
             </a:avLst>
           </a:prstGeom>
           <a:solidFill>
@@ -1984,24 +1793,27 @@
           </a:ln>
         </p:spPr>
         <p:txBody>
-          <a:bodyPr lIns="91425" tIns="45700" rIns="91425" bIns="45700" anchor="ctr" anchorCtr="0">
+          <a:bodyPr anchorCtr="0" anchor="ctr" bIns="45700" lIns="91425" rIns="91425" tIns="45700">
             <a:noAutofit/>
           </a:bodyPr>
           <a:lstStyle/>
           <a:p>
-            <a:pPr>
+            <a:pPr lvl="0">
               <a:spcBef>
                 <a:spcPts val="0"/>
               </a:spcBef>
               <a:buNone/>
             </a:pPr>
+            <a:r>
+              <a:t/>
+            </a:r>
             <a:endParaRPr/>
           </a:p>
         </p:txBody>
       </p:sp>
       <p:sp>
         <p:nvSpPr>
-          <p:cNvPr id="10" name="Shape 10"/>
+          <p:cNvPr id="11" name="Shape 11"/>
           <p:cNvSpPr/>
           <p:nvPr/>
         </p:nvSpPr>
@@ -2012,7 +1824,7 @@
           </a:xfrm>
           <a:prstGeom prst="roundRect">
             <a:avLst>
-              <a:gd name="adj" fmla="val 15243"/>
+              <a:gd fmla="val 15243" name="adj"/>
             </a:avLst>
           </a:prstGeom>
           <a:solidFill>
@@ -2023,27 +1835,28 @@
           </a:ln>
         </p:spPr>
         <p:txBody>
-          <a:bodyPr lIns="91425" tIns="45700" rIns="91425" bIns="45700" anchor="ctr" anchorCtr="0">
+          <a:bodyPr anchorCtr="0" anchor="ctr" bIns="45700" lIns="91425" rIns="91425" tIns="45700">
             <a:noAutofit/>
           </a:bodyPr>
           <a:lstStyle/>
           <a:p>
-            <a:pPr>
+            <a:pPr lvl="0">
               <a:spcBef>
                 <a:spcPts val="0"/>
               </a:spcBef>
               <a:buNone/>
             </a:pPr>
+            <a:r>
+              <a:t/>
+            </a:r>
             <a:endParaRPr/>
           </a:p>
         </p:txBody>
       </p:sp>
       <p:sp>
         <p:nvSpPr>
-          <p:cNvPr id="11" name="Shape 11"/>
-          <p:cNvSpPr txBox="1">
-            <a:spLocks noGrp="1"/>
-          </p:cNvSpPr>
+          <p:cNvPr id="12" name="Shape 12"/>
+          <p:cNvSpPr txBox="1"/>
           <p:nvPr>
             <p:ph type="ctrTitle"/>
           </p:nvPr>
@@ -2058,65 +1871,65 @@
           </a:prstGeom>
         </p:spPr>
         <p:txBody>
-          <a:bodyPr lIns="91425" tIns="91425" rIns="91425" bIns="91425" anchor="b" anchorCtr="0"/>
+          <a:bodyPr anchorCtr="0" anchor="b" bIns="91425" lIns="91425" rIns="91425" tIns="91425"/>
           <a:lstStyle>
-            <a:lvl1pPr>
+            <a:lvl1pPr lvl="0">
               <a:spcBef>
                 <a:spcPts val="0"/>
               </a:spcBef>
               <a:buSzPct val="100000"/>
               <a:defRPr sz="7200"/>
             </a:lvl1pPr>
-            <a:lvl2pPr>
+            <a:lvl2pPr lvl="1">
               <a:spcBef>
                 <a:spcPts val="0"/>
               </a:spcBef>
               <a:buSzPct val="100000"/>
               <a:defRPr sz="7200"/>
             </a:lvl2pPr>
-            <a:lvl3pPr>
+            <a:lvl3pPr lvl="2">
               <a:spcBef>
                 <a:spcPts val="0"/>
               </a:spcBef>
               <a:buSzPct val="100000"/>
               <a:defRPr sz="7200"/>
             </a:lvl3pPr>
-            <a:lvl4pPr>
+            <a:lvl4pPr lvl="3">
               <a:spcBef>
                 <a:spcPts val="0"/>
               </a:spcBef>
               <a:buSzPct val="100000"/>
               <a:defRPr sz="7200"/>
             </a:lvl4pPr>
-            <a:lvl5pPr>
+            <a:lvl5pPr lvl="4">
               <a:spcBef>
                 <a:spcPts val="0"/>
               </a:spcBef>
               <a:buSzPct val="100000"/>
               <a:defRPr sz="7200"/>
             </a:lvl5pPr>
-            <a:lvl6pPr>
+            <a:lvl6pPr lvl="5">
               <a:spcBef>
                 <a:spcPts val="0"/>
               </a:spcBef>
               <a:buSzPct val="100000"/>
               <a:defRPr sz="7200"/>
             </a:lvl6pPr>
-            <a:lvl7pPr>
+            <a:lvl7pPr lvl="6">
               <a:spcBef>
                 <a:spcPts val="0"/>
               </a:spcBef>
               <a:buSzPct val="100000"/>
               <a:defRPr sz="7200"/>
             </a:lvl7pPr>
-            <a:lvl8pPr>
+            <a:lvl8pPr lvl="7">
               <a:spcBef>
                 <a:spcPts val="0"/>
               </a:spcBef>
               <a:buSzPct val="100000"/>
               <a:defRPr sz="7200"/>
             </a:lvl8pPr>
-            <a:lvl9pPr>
+            <a:lvl9pPr lvl="8">
               <a:spcBef>
                 <a:spcPts val="0"/>
               </a:spcBef>
@@ -2124,19 +1937,15 @@
               <a:defRPr sz="7200"/>
             </a:lvl9pPr>
           </a:lstStyle>
-          <a:p>
-            <a:endParaRPr/>
-          </a:p>
+          <a:p/>
         </p:txBody>
       </p:sp>
       <p:sp>
         <p:nvSpPr>
-          <p:cNvPr id="12" name="Shape 12"/>
-          <p:cNvSpPr txBox="1">
-            <a:spLocks noGrp="1"/>
-          </p:cNvSpPr>
+          <p:cNvPr id="13" name="Shape 13"/>
+          <p:cNvSpPr txBox="1"/>
           <p:nvPr>
-            <p:ph type="subTitle" idx="1"/>
+            <p:ph idx="1" type="subTitle"/>
           </p:nvPr>
         </p:nvSpPr>
         <p:spPr>
@@ -2149,16 +1958,16 @@
           </a:prstGeom>
         </p:spPr>
         <p:txBody>
-          <a:bodyPr lIns="91425" tIns="91425" rIns="91425" bIns="91425" anchor="ctr" anchorCtr="0"/>
+          <a:bodyPr anchorCtr="0" anchor="ctr" bIns="91425" lIns="91425" rIns="91425" tIns="91425"/>
           <a:lstStyle>
-            <a:lvl1pPr>
+            <a:lvl1pPr lvl="0">
               <a:spcBef>
                 <a:spcPts val="0"/>
               </a:spcBef>
               <a:buNone/>
               <a:defRPr/>
             </a:lvl1pPr>
-            <a:lvl2pPr>
+            <a:lvl2pPr lvl="1">
               <a:spcBef>
                 <a:spcPts val="0"/>
               </a:spcBef>
@@ -2166,7 +1975,7 @@
               <a:buNone/>
               <a:defRPr sz="3000"/>
             </a:lvl2pPr>
-            <a:lvl3pPr>
+            <a:lvl3pPr lvl="2">
               <a:spcBef>
                 <a:spcPts val="0"/>
               </a:spcBef>
@@ -2174,7 +1983,7 @@
               <a:buNone/>
               <a:defRPr sz="3000"/>
             </a:lvl3pPr>
-            <a:lvl4pPr>
+            <a:lvl4pPr lvl="3">
               <a:spcBef>
                 <a:spcPts val="0"/>
               </a:spcBef>
@@ -2182,7 +1991,7 @@
               <a:buNone/>
               <a:defRPr sz="3000"/>
             </a:lvl4pPr>
-            <a:lvl5pPr>
+            <a:lvl5pPr lvl="4">
               <a:spcBef>
                 <a:spcPts val="0"/>
               </a:spcBef>
@@ -2190,7 +1999,7 @@
               <a:buNone/>
               <a:defRPr sz="3000"/>
             </a:lvl5pPr>
-            <a:lvl6pPr>
+            <a:lvl6pPr lvl="5">
               <a:spcBef>
                 <a:spcPts val="0"/>
               </a:spcBef>
@@ -2198,7 +2007,7 @@
               <a:buNone/>
               <a:defRPr sz="3000"/>
             </a:lvl6pPr>
-            <a:lvl7pPr>
+            <a:lvl7pPr lvl="6">
               <a:spcBef>
                 <a:spcPts val="0"/>
               </a:spcBef>
@@ -2206,7 +2015,7 @@
               <a:buNone/>
               <a:defRPr sz="3000"/>
             </a:lvl7pPr>
-            <a:lvl8pPr>
+            <a:lvl8pPr lvl="7">
               <a:spcBef>
                 <a:spcPts val="0"/>
               </a:spcBef>
@@ -2214,7 +2023,7 @@
               <a:buNone/>
               <a:defRPr sz="3000"/>
             </a:lvl8pPr>
-            <a:lvl9pPr>
+            <a:lvl9pPr lvl="8">
               <a:spcBef>
                 <a:spcPts val="0"/>
               </a:spcBef>
@@ -2223,19 +2032,15 @@
               <a:defRPr sz="3000"/>
             </a:lvl9pPr>
           </a:lstStyle>
-          <a:p>
-            <a:endParaRPr/>
-          </a:p>
+          <a:p/>
         </p:txBody>
       </p:sp>
       <p:sp>
         <p:nvSpPr>
-          <p:cNvPr id="13" name="Shape 13"/>
-          <p:cNvSpPr txBox="1">
-            <a:spLocks noGrp="1"/>
-          </p:cNvSpPr>
+          <p:cNvPr id="14" name="Shape 14"/>
+          <p:cNvSpPr txBox="1"/>
           <p:nvPr>
-            <p:ph type="sldNum" idx="12"/>
+            <p:ph idx="12" type="sldNum"/>
           </p:nvPr>
         </p:nvSpPr>
         <p:spPr>
@@ -2248,12 +2053,12 @@
           </a:prstGeom>
         </p:spPr>
         <p:txBody>
-          <a:bodyPr lIns="91425" tIns="91425" rIns="91425" bIns="91425" anchor="ctr" anchorCtr="0">
+          <a:bodyPr anchorCtr="0" anchor="ctr" bIns="91425" lIns="91425" rIns="91425" tIns="91425">
             <a:noAutofit/>
           </a:bodyPr>
           <a:lstStyle/>
           <a:p>
-            <a:pPr>
+            <a:pPr lvl="0">
               <a:spcBef>
                 <a:spcPts val="0"/>
               </a:spcBef>
@@ -2261,9 +2066,8 @@
             </a:pPr>
             <a:fld id="{00000000-1234-1234-1234-123412341234}" type="slidenum">
               <a:rPr lang="es"/>
-              <a:t>‹Nº›</a:t>
+              <a:t>‹#›</a:t>
             </a:fld>
-            <a:endParaRPr lang="es"/>
           </a:p>
         </p:txBody>
       </p:sp>
@@ -2276,11 +2080,11 @@
 </file>
 
 <file path=ppt/slideLayouts/slideLayout2.xml><?xml version="1.0" encoding="utf-8"?>
-<p:sldLayout xmlns:a="http://schemas.openxmlformats.org/drawingml/2006/main" xmlns:r="http://schemas.openxmlformats.org/officeDocument/2006/relationships" xmlns:p="http://schemas.openxmlformats.org/presentationml/2006/main" type="tx">
+<p:sldLayout xmlns:a="http://schemas.openxmlformats.org/drawingml/2006/main" xmlns:r="http://schemas.openxmlformats.org/officeDocument/2006/relationships" xmlns:mc="http://schemas.openxmlformats.org/markup-compatibility/2006" xmlns:mv="urn:schemas-microsoft-com:mac:vml" xmlns:p="http://schemas.openxmlformats.org/presentationml/2006/main" xmlns:c="http://schemas.openxmlformats.org/drawingml/2006/chart" xmlns:dgm="http://schemas.openxmlformats.org/drawingml/2006/diagram" xmlns:o="urn:schemas-microsoft-com:office:office" xmlns:v="urn:schemas-microsoft-com:vml" xmlns:pvml="urn:schemas-microsoft-com:office:powerpoint" xmlns:com="http://schemas.openxmlformats.org/drawingml/2006/compatibility" xmlns:p14="http://schemas.microsoft.com/office/powerpoint/2010/main" type="tx">
   <p:cSld name="Title and body">
     <p:spTree>
       <p:nvGrpSpPr>
-        <p:cNvPr id="1" name="Shape 14"/>
+        <p:cNvPr id="15" name="Shape 15"/>
         <p:cNvGrpSpPr/>
         <p:nvPr/>
       </p:nvGrpSpPr>
@@ -2294,7 +2098,7 @@
       </p:grpSpPr>
       <p:sp>
         <p:nvSpPr>
-          <p:cNvPr id="15" name="Shape 15"/>
+          <p:cNvPr id="16" name="Shape 16"/>
           <p:cNvSpPr/>
           <p:nvPr/>
         </p:nvSpPr>
@@ -2305,7 +2109,7 @@
           </a:xfrm>
           <a:prstGeom prst="roundRect">
             <a:avLst>
-              <a:gd name="adj" fmla="val 2970"/>
+              <a:gd fmla="val 2970" name="adj"/>
             </a:avLst>
           </a:prstGeom>
           <a:solidFill>
@@ -2316,36 +2120,39 @@
           </a:ln>
         </p:spPr>
         <p:txBody>
-          <a:bodyPr lIns="91425" tIns="45700" rIns="91425" bIns="45700" anchor="ctr" anchorCtr="0">
+          <a:bodyPr anchorCtr="0" anchor="ctr" bIns="45700" lIns="91425" rIns="91425" tIns="45700">
             <a:noAutofit/>
           </a:bodyPr>
           <a:lstStyle/>
           <a:p>
-            <a:pPr>
+            <a:pPr lvl="0">
               <a:spcBef>
                 <a:spcPts val="0"/>
               </a:spcBef>
               <a:buNone/>
             </a:pPr>
+            <a:r>
+              <a:t/>
+            </a:r>
             <a:endParaRPr/>
           </a:p>
         </p:txBody>
       </p:sp>
       <p:sp>
         <p:nvSpPr>
-          <p:cNvPr id="16" name="Shape 16"/>
+          <p:cNvPr id="17" name="Shape 17"/>
           <p:cNvSpPr/>
           <p:nvPr/>
         </p:nvSpPr>
         <p:spPr>
-          <a:xfrm rot="10800000" flipH="1">
+          <a:xfrm flipH="1" rot="10800000">
             <a:off x="372035" y="59"/>
             <a:ext cx="8399999" cy="1049700"/>
           </a:xfrm>
           <a:prstGeom prst="round2SameRect">
             <a:avLst>
-              <a:gd name="adj1" fmla="val 10590"/>
-              <a:gd name="adj2" fmla="val 0"/>
+              <a:gd fmla="val 10590" name="adj1"/>
+              <a:gd fmla="val 0" name="adj2"/>
             </a:avLst>
           </a:prstGeom>
           <a:solidFill>
@@ -2356,27 +2163,28 @@
           </a:ln>
         </p:spPr>
         <p:txBody>
-          <a:bodyPr lIns="91425" tIns="45700" rIns="91425" bIns="45700" anchor="ctr" anchorCtr="0">
+          <a:bodyPr anchorCtr="0" anchor="ctr" bIns="45700" lIns="91425" rIns="91425" tIns="45700">
             <a:noAutofit/>
           </a:bodyPr>
           <a:lstStyle/>
           <a:p>
-            <a:pPr>
+            <a:pPr lvl="0">
               <a:spcBef>
                 <a:spcPts val="0"/>
               </a:spcBef>
               <a:buNone/>
             </a:pPr>
+            <a:r>
+              <a:t/>
+            </a:r>
             <a:endParaRPr/>
           </a:p>
         </p:txBody>
       </p:sp>
       <p:sp>
         <p:nvSpPr>
-          <p:cNvPr id="17" name="Shape 17"/>
-          <p:cNvSpPr txBox="1">
-            <a:spLocks noGrp="1"/>
-          </p:cNvSpPr>
+          <p:cNvPr id="18" name="Shape 18"/>
+          <p:cNvSpPr txBox="1"/>
           <p:nvPr>
             <p:ph type="title"/>
           </p:nvPr>
@@ -2391,76 +2199,72 @@
           </a:prstGeom>
         </p:spPr>
         <p:txBody>
-          <a:bodyPr lIns="91425" tIns="91425" rIns="91425" bIns="91425" anchor="b" anchorCtr="0"/>
+          <a:bodyPr anchorCtr="0" anchor="b" bIns="91425" lIns="91425" rIns="91425" tIns="91425"/>
           <a:lstStyle>
-            <a:lvl1pPr>
+            <a:lvl1pPr lvl="0">
               <a:spcBef>
                 <a:spcPts val="0"/>
               </a:spcBef>
               <a:defRPr/>
             </a:lvl1pPr>
-            <a:lvl2pPr>
+            <a:lvl2pPr lvl="1">
               <a:spcBef>
                 <a:spcPts val="0"/>
               </a:spcBef>
               <a:defRPr/>
             </a:lvl2pPr>
-            <a:lvl3pPr>
+            <a:lvl3pPr lvl="2">
               <a:spcBef>
                 <a:spcPts val="0"/>
               </a:spcBef>
               <a:defRPr/>
             </a:lvl3pPr>
-            <a:lvl4pPr>
+            <a:lvl4pPr lvl="3">
               <a:spcBef>
                 <a:spcPts val="0"/>
               </a:spcBef>
               <a:defRPr/>
             </a:lvl4pPr>
-            <a:lvl5pPr>
+            <a:lvl5pPr lvl="4">
               <a:spcBef>
                 <a:spcPts val="0"/>
               </a:spcBef>
               <a:defRPr/>
             </a:lvl5pPr>
-            <a:lvl6pPr>
+            <a:lvl6pPr lvl="5">
               <a:spcBef>
                 <a:spcPts val="0"/>
               </a:spcBef>
               <a:defRPr/>
             </a:lvl6pPr>
-            <a:lvl7pPr>
+            <a:lvl7pPr lvl="6">
               <a:spcBef>
                 <a:spcPts val="0"/>
               </a:spcBef>
               <a:defRPr/>
             </a:lvl7pPr>
-            <a:lvl8pPr>
+            <a:lvl8pPr lvl="7">
               <a:spcBef>
                 <a:spcPts val="0"/>
               </a:spcBef>
               <a:defRPr/>
             </a:lvl8pPr>
-            <a:lvl9pPr>
+            <a:lvl9pPr lvl="8">
               <a:spcBef>
                 <a:spcPts val="0"/>
               </a:spcBef>
               <a:defRPr/>
             </a:lvl9pPr>
           </a:lstStyle>
-          <a:p>
-            <a:endParaRPr/>
-          </a:p>
+          <a:p/>
         </p:txBody>
       </p:sp>
       <p:sp>
         <p:nvSpPr>
-          <p:cNvPr id="18" name="Shape 18"/>
-          <p:cNvSpPr txBox="1">
-            <a:spLocks noGrp="1"/>
-          </p:cNvSpPr>
+          <p:cNvPr id="19" name="Shape 19"/>
+          <p:cNvSpPr txBox="1"/>
           <p:nvPr>
-            <p:ph type="body" idx="1"/>
+            <p:ph idx="1" type="body"/>
           </p:nvPr>
         </p:nvSpPr>
         <p:spPr>
@@ -2473,76 +2277,72 @@
           </a:prstGeom>
         </p:spPr>
         <p:txBody>
-          <a:bodyPr lIns="91425" tIns="91425" rIns="91425" bIns="91425" anchor="t" anchorCtr="0"/>
+          <a:bodyPr anchorCtr="0" anchor="t" bIns="91425" lIns="91425" rIns="91425" tIns="91425"/>
           <a:lstStyle>
-            <a:lvl1pPr>
+            <a:lvl1pPr lvl="0">
               <a:spcBef>
                 <a:spcPts val="0"/>
               </a:spcBef>
               <a:defRPr/>
             </a:lvl1pPr>
-            <a:lvl2pPr>
+            <a:lvl2pPr lvl="1">
               <a:spcBef>
                 <a:spcPts val="0"/>
               </a:spcBef>
               <a:defRPr/>
             </a:lvl2pPr>
-            <a:lvl3pPr>
+            <a:lvl3pPr lvl="2">
               <a:spcBef>
                 <a:spcPts val="0"/>
               </a:spcBef>
               <a:defRPr/>
             </a:lvl3pPr>
-            <a:lvl4pPr>
+            <a:lvl4pPr lvl="3">
               <a:spcBef>
                 <a:spcPts val="0"/>
               </a:spcBef>
               <a:defRPr/>
             </a:lvl4pPr>
-            <a:lvl5pPr>
+            <a:lvl5pPr lvl="4">
               <a:spcBef>
                 <a:spcPts val="0"/>
               </a:spcBef>
               <a:defRPr/>
             </a:lvl5pPr>
-            <a:lvl6pPr>
+            <a:lvl6pPr lvl="5">
               <a:spcBef>
                 <a:spcPts val="0"/>
               </a:spcBef>
               <a:defRPr/>
             </a:lvl6pPr>
-            <a:lvl7pPr>
+            <a:lvl7pPr lvl="6">
               <a:spcBef>
                 <a:spcPts val="0"/>
               </a:spcBef>
               <a:defRPr/>
             </a:lvl7pPr>
-            <a:lvl8pPr>
+            <a:lvl8pPr lvl="7">
               <a:spcBef>
                 <a:spcPts val="0"/>
               </a:spcBef>
               <a:defRPr/>
             </a:lvl8pPr>
-            <a:lvl9pPr>
+            <a:lvl9pPr lvl="8">
               <a:spcBef>
                 <a:spcPts val="0"/>
               </a:spcBef>
               <a:defRPr/>
             </a:lvl9pPr>
           </a:lstStyle>
-          <a:p>
-            <a:endParaRPr/>
-          </a:p>
+          <a:p/>
         </p:txBody>
       </p:sp>
       <p:sp>
         <p:nvSpPr>
-          <p:cNvPr id="19" name="Shape 19"/>
-          <p:cNvSpPr txBox="1">
-            <a:spLocks noGrp="1"/>
-          </p:cNvSpPr>
+          <p:cNvPr id="20" name="Shape 20"/>
+          <p:cNvSpPr txBox="1"/>
           <p:nvPr>
-            <p:ph type="sldNum" idx="12"/>
+            <p:ph idx="12" type="sldNum"/>
           </p:nvPr>
         </p:nvSpPr>
         <p:spPr>
@@ -2555,12 +2355,12 @@
           </a:prstGeom>
         </p:spPr>
         <p:txBody>
-          <a:bodyPr lIns="91425" tIns="91425" rIns="91425" bIns="91425" anchor="ctr" anchorCtr="0">
+          <a:bodyPr anchorCtr="0" anchor="ctr" bIns="91425" lIns="91425" rIns="91425" tIns="91425">
             <a:noAutofit/>
           </a:bodyPr>
           <a:lstStyle/>
           <a:p>
-            <a:pPr>
+            <a:pPr lvl="0">
               <a:spcBef>
                 <a:spcPts val="0"/>
               </a:spcBef>
@@ -2568,9 +2368,8 @@
             </a:pPr>
             <a:fld id="{00000000-1234-1234-1234-123412341234}" type="slidenum">
               <a:rPr lang="es"/>
-              <a:t>‹Nº›</a:t>
+              <a:t>‹#›</a:t>
             </a:fld>
-            <a:endParaRPr lang="es"/>
           </a:p>
         </p:txBody>
       </p:sp>
@@ -2583,11 +2382,11 @@
 </file>
 
 <file path=ppt/slideLayouts/slideLayout3.xml><?xml version="1.0" encoding="utf-8"?>
-<p:sldLayout xmlns:a="http://schemas.openxmlformats.org/drawingml/2006/main" xmlns:r="http://schemas.openxmlformats.org/officeDocument/2006/relationships" xmlns:p="http://schemas.openxmlformats.org/presentationml/2006/main" type="twoColTx">
+<p:sldLayout xmlns:a="http://schemas.openxmlformats.org/drawingml/2006/main" xmlns:r="http://schemas.openxmlformats.org/officeDocument/2006/relationships" xmlns:mc="http://schemas.openxmlformats.org/markup-compatibility/2006" xmlns:mv="urn:schemas-microsoft-com:mac:vml" xmlns:p="http://schemas.openxmlformats.org/presentationml/2006/main" xmlns:c="http://schemas.openxmlformats.org/drawingml/2006/chart" xmlns:dgm="http://schemas.openxmlformats.org/drawingml/2006/diagram" xmlns:o="urn:schemas-microsoft-com:office:office" xmlns:v="urn:schemas-microsoft-com:vml" xmlns:pvml="urn:schemas-microsoft-com:office:powerpoint" xmlns:com="http://schemas.openxmlformats.org/drawingml/2006/compatibility" xmlns:p14="http://schemas.microsoft.com/office/powerpoint/2010/main" type="twoColTx">
   <p:cSld name="Title and two columns">
     <p:spTree>
       <p:nvGrpSpPr>
-        <p:cNvPr id="1" name="Shape 20"/>
+        <p:cNvPr id="21" name="Shape 21"/>
         <p:cNvGrpSpPr/>
         <p:nvPr/>
       </p:nvGrpSpPr>
@@ -2601,7 +2400,7 @@
       </p:grpSpPr>
       <p:sp>
         <p:nvSpPr>
-          <p:cNvPr id="21" name="Shape 21"/>
+          <p:cNvPr id="22" name="Shape 22"/>
           <p:cNvSpPr/>
           <p:nvPr/>
         </p:nvSpPr>
@@ -2612,7 +2411,7 @@
           </a:xfrm>
           <a:prstGeom prst="roundRect">
             <a:avLst>
-              <a:gd name="adj" fmla="val 3784"/>
+              <a:gd fmla="val 3784" name="adj"/>
             </a:avLst>
           </a:prstGeom>
           <a:solidFill>
@@ -2623,36 +2422,39 @@
           </a:ln>
         </p:spPr>
         <p:txBody>
-          <a:bodyPr lIns="91425" tIns="45700" rIns="91425" bIns="45700" anchor="ctr" anchorCtr="0">
+          <a:bodyPr anchorCtr="0" anchor="ctr" bIns="45700" lIns="91425" rIns="91425" tIns="45700">
             <a:noAutofit/>
           </a:bodyPr>
           <a:lstStyle/>
           <a:p>
-            <a:pPr>
+            <a:pPr lvl="0">
               <a:spcBef>
                 <a:spcPts val="0"/>
               </a:spcBef>
               <a:buNone/>
             </a:pPr>
+            <a:r>
+              <a:t/>
+            </a:r>
             <a:endParaRPr/>
           </a:p>
         </p:txBody>
       </p:sp>
       <p:sp>
         <p:nvSpPr>
-          <p:cNvPr id="22" name="Shape 22"/>
+          <p:cNvPr id="23" name="Shape 23"/>
           <p:cNvSpPr/>
           <p:nvPr/>
         </p:nvSpPr>
         <p:spPr>
-          <a:xfrm rot="10800000" flipH="1">
+          <a:xfrm flipH="1" rot="10800000">
             <a:off x="372035" y="59"/>
             <a:ext cx="8399999" cy="1049700"/>
           </a:xfrm>
           <a:prstGeom prst="round2SameRect">
             <a:avLst>
-              <a:gd name="adj1" fmla="val 10590"/>
-              <a:gd name="adj2" fmla="val 0"/>
+              <a:gd fmla="val 10590" name="adj1"/>
+              <a:gd fmla="val 0" name="adj2"/>
             </a:avLst>
           </a:prstGeom>
           <a:solidFill>
@@ -2663,27 +2465,28 @@
           </a:ln>
         </p:spPr>
         <p:txBody>
-          <a:bodyPr lIns="91425" tIns="45700" rIns="91425" bIns="45700" anchor="ctr" anchorCtr="0">
+          <a:bodyPr anchorCtr="0" anchor="ctr" bIns="45700" lIns="91425" rIns="91425" tIns="45700">
             <a:noAutofit/>
           </a:bodyPr>
           <a:lstStyle/>
           <a:p>
-            <a:pPr>
+            <a:pPr lvl="0">
               <a:spcBef>
                 <a:spcPts val="0"/>
               </a:spcBef>
               <a:buNone/>
             </a:pPr>
+            <a:r>
+              <a:t/>
+            </a:r>
             <a:endParaRPr/>
           </a:p>
         </p:txBody>
       </p:sp>
       <p:sp>
         <p:nvSpPr>
-          <p:cNvPr id="23" name="Shape 23"/>
-          <p:cNvSpPr txBox="1">
-            <a:spLocks noGrp="1"/>
-          </p:cNvSpPr>
+          <p:cNvPr id="24" name="Shape 24"/>
+          <p:cNvSpPr txBox="1"/>
           <p:nvPr>
             <p:ph type="title"/>
           </p:nvPr>
@@ -2698,76 +2501,72 @@
           </a:prstGeom>
         </p:spPr>
         <p:txBody>
-          <a:bodyPr lIns="91425" tIns="91425" rIns="91425" bIns="91425" anchor="b" anchorCtr="0"/>
+          <a:bodyPr anchorCtr="0" anchor="b" bIns="91425" lIns="91425" rIns="91425" tIns="91425"/>
           <a:lstStyle>
-            <a:lvl1pPr>
+            <a:lvl1pPr lvl="0">
               <a:spcBef>
                 <a:spcPts val="0"/>
               </a:spcBef>
               <a:defRPr/>
             </a:lvl1pPr>
-            <a:lvl2pPr>
+            <a:lvl2pPr lvl="1">
               <a:spcBef>
                 <a:spcPts val="0"/>
               </a:spcBef>
               <a:defRPr/>
             </a:lvl2pPr>
-            <a:lvl3pPr>
+            <a:lvl3pPr lvl="2">
               <a:spcBef>
                 <a:spcPts val="0"/>
               </a:spcBef>
               <a:defRPr/>
             </a:lvl3pPr>
-            <a:lvl4pPr>
+            <a:lvl4pPr lvl="3">
               <a:spcBef>
                 <a:spcPts val="0"/>
               </a:spcBef>
               <a:defRPr/>
             </a:lvl4pPr>
-            <a:lvl5pPr>
+            <a:lvl5pPr lvl="4">
               <a:spcBef>
                 <a:spcPts val="0"/>
               </a:spcBef>
               <a:defRPr/>
             </a:lvl5pPr>
-            <a:lvl6pPr>
+            <a:lvl6pPr lvl="5">
               <a:spcBef>
                 <a:spcPts val="0"/>
               </a:spcBef>
               <a:defRPr/>
             </a:lvl6pPr>
-            <a:lvl7pPr>
+            <a:lvl7pPr lvl="6">
               <a:spcBef>
                 <a:spcPts val="0"/>
               </a:spcBef>
               <a:defRPr/>
             </a:lvl7pPr>
-            <a:lvl8pPr>
+            <a:lvl8pPr lvl="7">
               <a:spcBef>
                 <a:spcPts val="0"/>
               </a:spcBef>
               <a:defRPr/>
             </a:lvl8pPr>
-            <a:lvl9pPr>
+            <a:lvl9pPr lvl="8">
               <a:spcBef>
                 <a:spcPts val="0"/>
               </a:spcBef>
               <a:defRPr/>
             </a:lvl9pPr>
           </a:lstStyle>
-          <a:p>
-            <a:endParaRPr/>
-          </a:p>
+          <a:p/>
         </p:txBody>
       </p:sp>
       <p:sp>
         <p:nvSpPr>
-          <p:cNvPr id="24" name="Shape 24"/>
-          <p:cNvSpPr txBox="1">
-            <a:spLocks noGrp="1"/>
-          </p:cNvSpPr>
+          <p:cNvPr id="25" name="Shape 25"/>
+          <p:cNvSpPr txBox="1"/>
           <p:nvPr>
-            <p:ph type="body" idx="1"/>
+            <p:ph idx="1" type="body"/>
           </p:nvPr>
         </p:nvSpPr>
         <p:spPr>
@@ -2780,71 +2579,69 @@
           </a:prstGeom>
         </p:spPr>
         <p:txBody>
-          <a:bodyPr lIns="91425" tIns="91425" rIns="91425" bIns="91425" anchor="t" anchorCtr="0"/>
+          <a:bodyPr anchorCtr="0" anchor="t" bIns="91425" lIns="91425" rIns="91425" tIns="91425"/>
           <a:lstStyle>
-            <a:lvl1pPr>
+            <a:lvl1pPr lvl="0">
               <a:spcBef>
                 <a:spcPts val="0"/>
               </a:spcBef>
               <a:defRPr/>
             </a:lvl1pPr>
-            <a:lvl2pPr>
+            <a:lvl2pPr lvl="1">
               <a:spcBef>
                 <a:spcPts val="0"/>
               </a:spcBef>
               <a:defRPr/>
             </a:lvl2pPr>
-            <a:lvl3pPr>
+            <a:lvl3pPr lvl="2">
               <a:spcBef>
                 <a:spcPts val="0"/>
               </a:spcBef>
               <a:defRPr/>
             </a:lvl3pPr>
-            <a:lvl4pPr>
+            <a:lvl4pPr lvl="3">
               <a:spcBef>
                 <a:spcPts val="0"/>
               </a:spcBef>
               <a:defRPr/>
             </a:lvl4pPr>
-            <a:lvl5pPr>
+            <a:lvl5pPr lvl="4">
               <a:spcBef>
                 <a:spcPts val="0"/>
               </a:spcBef>
               <a:defRPr/>
             </a:lvl5pPr>
-            <a:lvl6pPr>
+            <a:lvl6pPr lvl="5">
               <a:spcBef>
                 <a:spcPts val="0"/>
               </a:spcBef>
               <a:defRPr/>
             </a:lvl6pPr>
-            <a:lvl7pPr>
+            <a:lvl7pPr lvl="6">
               <a:spcBef>
                 <a:spcPts val="0"/>
               </a:spcBef>
               <a:defRPr/>
             </a:lvl7pPr>
-            <a:lvl8pPr>
+            <a:lvl8pPr lvl="7">
               <a:spcBef>
                 <a:spcPts val="0"/>
               </a:spcBef>
               <a:defRPr/>
             </a:lvl8pPr>
-            <a:lvl9pPr>
+            <a:lvl9pPr lvl="8">
               <a:spcBef>
                 <a:spcPts val="0"/>
               </a:spcBef>
               <a:defRPr/>
             </a:lvl9pPr>
           </a:lstStyle>
-          <a:p>
-            <a:endParaRPr/>
-          </a:p>
+          <a:p/>
         </p:txBody>
       </p:sp>
       <p:sp>
         <p:nvSpPr>
-          <p:cNvPr id="25" name="Shape 25"/>
+          <p:cNvPr id="26" name="Shape 26"/>
           <p:cNvSpPr/>
           <p:nvPr/>
         </p:nvSpPr>
@@ -2855,7 +2652,7 @@
           </a:xfrm>
           <a:prstGeom prst="roundRect">
             <a:avLst>
-              <a:gd name="adj" fmla="val 3784"/>
+              <a:gd fmla="val 3784" name="adj"/>
             </a:avLst>
           </a:prstGeom>
           <a:solidFill>
@@ -2866,29 +2663,30 @@
           </a:ln>
         </p:spPr>
         <p:txBody>
-          <a:bodyPr lIns="91425" tIns="45700" rIns="91425" bIns="45700" anchor="ctr" anchorCtr="0">
+          <a:bodyPr anchorCtr="0" anchor="ctr" bIns="45700" lIns="91425" rIns="91425" tIns="45700">
             <a:noAutofit/>
           </a:bodyPr>
           <a:lstStyle/>
           <a:p>
-            <a:pPr>
+            <a:pPr lvl="0">
               <a:spcBef>
                 <a:spcPts val="0"/>
               </a:spcBef>
               <a:buNone/>
             </a:pPr>
+            <a:r>
+              <a:t/>
+            </a:r>
             <a:endParaRPr/>
           </a:p>
         </p:txBody>
       </p:sp>
       <p:sp>
         <p:nvSpPr>
-          <p:cNvPr id="26" name="Shape 26"/>
-          <p:cNvSpPr txBox="1">
-            <a:spLocks noGrp="1"/>
-          </p:cNvSpPr>
+          <p:cNvPr id="27" name="Shape 27"/>
+          <p:cNvSpPr txBox="1"/>
           <p:nvPr>
-            <p:ph type="body" idx="2"/>
+            <p:ph idx="2" type="body"/>
           </p:nvPr>
         </p:nvSpPr>
         <p:spPr>
@@ -2901,76 +2699,72 @@
           </a:prstGeom>
         </p:spPr>
         <p:txBody>
-          <a:bodyPr lIns="91425" tIns="91425" rIns="91425" bIns="91425" anchor="t" anchorCtr="0"/>
+          <a:bodyPr anchorCtr="0" anchor="t" bIns="91425" lIns="91425" rIns="91425" tIns="91425"/>
           <a:lstStyle>
-            <a:lvl1pPr>
+            <a:lvl1pPr lvl="0">
               <a:spcBef>
                 <a:spcPts val="0"/>
               </a:spcBef>
               <a:defRPr/>
             </a:lvl1pPr>
-            <a:lvl2pPr>
+            <a:lvl2pPr lvl="1">
               <a:spcBef>
                 <a:spcPts val="0"/>
               </a:spcBef>
               <a:defRPr/>
             </a:lvl2pPr>
-            <a:lvl3pPr>
+            <a:lvl3pPr lvl="2">
               <a:spcBef>
                 <a:spcPts val="0"/>
               </a:spcBef>
               <a:defRPr/>
             </a:lvl3pPr>
-            <a:lvl4pPr>
+            <a:lvl4pPr lvl="3">
               <a:spcBef>
                 <a:spcPts val="0"/>
               </a:spcBef>
               <a:defRPr/>
             </a:lvl4pPr>
-            <a:lvl5pPr>
+            <a:lvl5pPr lvl="4">
               <a:spcBef>
                 <a:spcPts val="0"/>
               </a:spcBef>
               <a:defRPr/>
             </a:lvl5pPr>
-            <a:lvl6pPr>
+            <a:lvl6pPr lvl="5">
               <a:spcBef>
                 <a:spcPts val="0"/>
               </a:spcBef>
               <a:defRPr/>
             </a:lvl6pPr>
-            <a:lvl7pPr>
+            <a:lvl7pPr lvl="6">
               <a:spcBef>
                 <a:spcPts val="0"/>
               </a:spcBef>
               <a:defRPr/>
             </a:lvl7pPr>
-            <a:lvl8pPr>
+            <a:lvl8pPr lvl="7">
               <a:spcBef>
                 <a:spcPts val="0"/>
               </a:spcBef>
               <a:defRPr/>
             </a:lvl8pPr>
-            <a:lvl9pPr>
+            <a:lvl9pPr lvl="8">
               <a:spcBef>
                 <a:spcPts val="0"/>
               </a:spcBef>
               <a:defRPr/>
             </a:lvl9pPr>
           </a:lstStyle>
-          <a:p>
-            <a:endParaRPr/>
-          </a:p>
+          <a:p/>
         </p:txBody>
       </p:sp>
       <p:sp>
         <p:nvSpPr>
-          <p:cNvPr id="27" name="Shape 27"/>
-          <p:cNvSpPr txBox="1">
-            <a:spLocks noGrp="1"/>
-          </p:cNvSpPr>
+          <p:cNvPr id="28" name="Shape 28"/>
+          <p:cNvSpPr txBox="1"/>
           <p:nvPr>
-            <p:ph type="sldNum" idx="12"/>
+            <p:ph idx="12" type="sldNum"/>
           </p:nvPr>
         </p:nvSpPr>
         <p:spPr>
@@ -2983,12 +2777,12 @@
           </a:prstGeom>
         </p:spPr>
         <p:txBody>
-          <a:bodyPr lIns="91425" tIns="91425" rIns="91425" bIns="91425" anchor="ctr" anchorCtr="0">
+          <a:bodyPr anchorCtr="0" anchor="ctr" bIns="91425" lIns="91425" rIns="91425" tIns="91425">
             <a:noAutofit/>
           </a:bodyPr>
           <a:lstStyle/>
           <a:p>
-            <a:pPr>
+            <a:pPr lvl="0">
               <a:spcBef>
                 <a:spcPts val="0"/>
               </a:spcBef>
@@ -2996,9 +2790,8 @@
             </a:pPr>
             <a:fld id="{00000000-1234-1234-1234-123412341234}" type="slidenum">
               <a:rPr lang="es"/>
-              <a:t>‹Nº›</a:t>
+              <a:t>‹#›</a:t>
             </a:fld>
-            <a:endParaRPr lang="es"/>
           </a:p>
         </p:txBody>
       </p:sp>
@@ -3011,11 +2804,11 @@
 </file>
 
 <file path=ppt/slideLayouts/slideLayout4.xml><?xml version="1.0" encoding="utf-8"?>
-<p:sldLayout xmlns:a="http://schemas.openxmlformats.org/drawingml/2006/main" xmlns:r="http://schemas.openxmlformats.org/officeDocument/2006/relationships" xmlns:p="http://schemas.openxmlformats.org/presentationml/2006/main" type="titleOnly">
+<p:sldLayout xmlns:a="http://schemas.openxmlformats.org/drawingml/2006/main" xmlns:r="http://schemas.openxmlformats.org/officeDocument/2006/relationships" xmlns:mc="http://schemas.openxmlformats.org/markup-compatibility/2006" xmlns:mv="urn:schemas-microsoft-com:mac:vml" xmlns:p="http://schemas.openxmlformats.org/presentationml/2006/main" xmlns:c="http://schemas.openxmlformats.org/drawingml/2006/chart" xmlns:dgm="http://schemas.openxmlformats.org/drawingml/2006/diagram" xmlns:o="urn:schemas-microsoft-com:office:office" xmlns:v="urn:schemas-microsoft-com:vml" xmlns:pvml="urn:schemas-microsoft-com:office:powerpoint" xmlns:com="http://schemas.openxmlformats.org/drawingml/2006/compatibility" xmlns:p14="http://schemas.microsoft.com/office/powerpoint/2010/main" type="titleOnly">
   <p:cSld name="Title only">
     <p:spTree>
       <p:nvGrpSpPr>
-        <p:cNvPr id="1" name="Shape 28"/>
+        <p:cNvPr id="29" name="Shape 29"/>
         <p:cNvGrpSpPr/>
         <p:nvPr/>
       </p:nvGrpSpPr>
@@ -3029,7 +2822,7 @@
       </p:grpSpPr>
       <p:sp>
         <p:nvSpPr>
-          <p:cNvPr id="29" name="Shape 29"/>
+          <p:cNvPr id="30" name="Shape 30"/>
           <p:cNvSpPr/>
           <p:nvPr/>
         </p:nvSpPr>
@@ -3040,7 +2833,7 @@
           </a:xfrm>
           <a:prstGeom prst="roundRect">
             <a:avLst>
-              <a:gd name="adj" fmla="val 2970"/>
+              <a:gd fmla="val 2970" name="adj"/>
             </a:avLst>
           </a:prstGeom>
           <a:solidFill>
@@ -3051,36 +2844,39 @@
           </a:ln>
         </p:spPr>
         <p:txBody>
-          <a:bodyPr lIns="91425" tIns="45700" rIns="91425" bIns="45700" anchor="ctr" anchorCtr="0">
+          <a:bodyPr anchorCtr="0" anchor="ctr" bIns="45700" lIns="91425" rIns="91425" tIns="45700">
             <a:noAutofit/>
           </a:bodyPr>
           <a:lstStyle/>
           <a:p>
-            <a:pPr>
+            <a:pPr lvl="0">
               <a:spcBef>
                 <a:spcPts val="0"/>
               </a:spcBef>
               <a:buNone/>
             </a:pPr>
+            <a:r>
+              <a:t/>
+            </a:r>
             <a:endParaRPr/>
           </a:p>
         </p:txBody>
       </p:sp>
       <p:sp>
         <p:nvSpPr>
-          <p:cNvPr id="30" name="Shape 30"/>
+          <p:cNvPr id="31" name="Shape 31"/>
           <p:cNvSpPr/>
           <p:nvPr/>
         </p:nvSpPr>
         <p:spPr>
-          <a:xfrm rot="10800000" flipH="1">
+          <a:xfrm flipH="1" rot="10800000">
             <a:off x="372035" y="59"/>
             <a:ext cx="8399999" cy="1049700"/>
           </a:xfrm>
           <a:prstGeom prst="round2SameRect">
             <a:avLst>
-              <a:gd name="adj1" fmla="val 10590"/>
-              <a:gd name="adj2" fmla="val 0"/>
+              <a:gd fmla="val 10590" name="adj1"/>
+              <a:gd fmla="val 0" name="adj2"/>
             </a:avLst>
           </a:prstGeom>
           <a:solidFill>
@@ -3091,27 +2887,28 @@
           </a:ln>
         </p:spPr>
         <p:txBody>
-          <a:bodyPr lIns="91425" tIns="45700" rIns="91425" bIns="45700" anchor="ctr" anchorCtr="0">
+          <a:bodyPr anchorCtr="0" anchor="ctr" bIns="45700" lIns="91425" rIns="91425" tIns="45700">
             <a:noAutofit/>
           </a:bodyPr>
           <a:lstStyle/>
           <a:p>
-            <a:pPr>
+            <a:pPr lvl="0">
               <a:spcBef>
                 <a:spcPts val="0"/>
               </a:spcBef>
               <a:buNone/>
             </a:pPr>
+            <a:r>
+              <a:t/>
+            </a:r>
             <a:endParaRPr/>
           </a:p>
         </p:txBody>
       </p:sp>
       <p:sp>
         <p:nvSpPr>
-          <p:cNvPr id="31" name="Shape 31"/>
-          <p:cNvSpPr txBox="1">
-            <a:spLocks noGrp="1"/>
-          </p:cNvSpPr>
+          <p:cNvPr id="32" name="Shape 32"/>
+          <p:cNvSpPr txBox="1"/>
           <p:nvPr>
             <p:ph type="title"/>
           </p:nvPr>
@@ -3126,76 +2923,72 @@
           </a:prstGeom>
         </p:spPr>
         <p:txBody>
-          <a:bodyPr lIns="91425" tIns="91425" rIns="91425" bIns="91425" anchor="b" anchorCtr="0"/>
+          <a:bodyPr anchorCtr="0" anchor="b" bIns="91425" lIns="91425" rIns="91425" tIns="91425"/>
           <a:lstStyle>
-            <a:lvl1pPr>
+            <a:lvl1pPr lvl="0">
               <a:spcBef>
                 <a:spcPts val="0"/>
               </a:spcBef>
               <a:defRPr/>
             </a:lvl1pPr>
-            <a:lvl2pPr>
+            <a:lvl2pPr lvl="1">
               <a:spcBef>
                 <a:spcPts val="0"/>
               </a:spcBef>
               <a:defRPr/>
             </a:lvl2pPr>
-            <a:lvl3pPr>
+            <a:lvl3pPr lvl="2">
               <a:spcBef>
                 <a:spcPts val="0"/>
               </a:spcBef>
               <a:defRPr/>
             </a:lvl3pPr>
-            <a:lvl4pPr>
+            <a:lvl4pPr lvl="3">
               <a:spcBef>
                 <a:spcPts val="0"/>
               </a:spcBef>
               <a:defRPr/>
             </a:lvl4pPr>
-            <a:lvl5pPr>
+            <a:lvl5pPr lvl="4">
               <a:spcBef>
                 <a:spcPts val="0"/>
               </a:spcBef>
               <a:defRPr/>
             </a:lvl5pPr>
-            <a:lvl6pPr>
+            <a:lvl6pPr lvl="5">
               <a:spcBef>
                 <a:spcPts val="0"/>
               </a:spcBef>
               <a:defRPr/>
             </a:lvl6pPr>
-            <a:lvl7pPr>
+            <a:lvl7pPr lvl="6">
               <a:spcBef>
                 <a:spcPts val="0"/>
               </a:spcBef>
               <a:defRPr/>
             </a:lvl7pPr>
-            <a:lvl8pPr>
+            <a:lvl8pPr lvl="7">
               <a:spcBef>
                 <a:spcPts val="0"/>
               </a:spcBef>
               <a:defRPr/>
             </a:lvl8pPr>
-            <a:lvl9pPr>
+            <a:lvl9pPr lvl="8">
               <a:spcBef>
                 <a:spcPts val="0"/>
               </a:spcBef>
               <a:defRPr/>
             </a:lvl9pPr>
           </a:lstStyle>
-          <a:p>
-            <a:endParaRPr/>
-          </a:p>
+          <a:p/>
         </p:txBody>
       </p:sp>
       <p:sp>
         <p:nvSpPr>
-          <p:cNvPr id="32" name="Shape 32"/>
-          <p:cNvSpPr txBox="1">
-            <a:spLocks noGrp="1"/>
-          </p:cNvSpPr>
+          <p:cNvPr id="33" name="Shape 33"/>
+          <p:cNvSpPr txBox="1"/>
           <p:nvPr>
-            <p:ph type="sldNum" idx="12"/>
+            <p:ph idx="12" type="sldNum"/>
           </p:nvPr>
         </p:nvSpPr>
         <p:spPr>
@@ -3208,12 +3001,12 @@
           </a:prstGeom>
         </p:spPr>
         <p:txBody>
-          <a:bodyPr lIns="91425" tIns="91425" rIns="91425" bIns="91425" anchor="ctr" anchorCtr="0">
+          <a:bodyPr anchorCtr="0" anchor="ctr" bIns="91425" lIns="91425" rIns="91425" tIns="91425">
             <a:noAutofit/>
           </a:bodyPr>
           <a:lstStyle/>
           <a:p>
-            <a:pPr>
+            <a:pPr lvl="0">
               <a:spcBef>
                 <a:spcPts val="0"/>
               </a:spcBef>
@@ -3221,9 +3014,8 @@
             </a:pPr>
             <a:fld id="{00000000-1234-1234-1234-123412341234}" type="slidenum">
               <a:rPr lang="es"/>
-              <a:t>‹Nº›</a:t>
+              <a:t>‹#›</a:t>
             </a:fld>
-            <a:endParaRPr lang="es"/>
           </a:p>
         </p:txBody>
       </p:sp>
@@ -3236,11 +3028,11 @@
 </file>
 
 <file path=ppt/slideLayouts/slideLayout5.xml><?xml version="1.0" encoding="utf-8"?>
-<p:sldLayout xmlns:a="http://schemas.openxmlformats.org/drawingml/2006/main" xmlns:r="http://schemas.openxmlformats.org/officeDocument/2006/relationships" xmlns:p="http://schemas.openxmlformats.org/presentationml/2006/main">
+<p:sldLayout xmlns:a="http://schemas.openxmlformats.org/drawingml/2006/main" xmlns:r="http://schemas.openxmlformats.org/officeDocument/2006/relationships" xmlns:mc="http://schemas.openxmlformats.org/markup-compatibility/2006" xmlns:mv="urn:schemas-microsoft-com:mac:vml" xmlns:p="http://schemas.openxmlformats.org/presentationml/2006/main" xmlns:c="http://schemas.openxmlformats.org/drawingml/2006/chart" xmlns:dgm="http://schemas.openxmlformats.org/drawingml/2006/diagram" xmlns:o="urn:schemas-microsoft-com:office:office" xmlns:v="urn:schemas-microsoft-com:vml" xmlns:pvml="urn:schemas-microsoft-com:office:powerpoint" xmlns:com="http://schemas.openxmlformats.org/drawingml/2006/compatibility" xmlns:p14="http://schemas.microsoft.com/office/powerpoint/2010/main">
   <p:cSld name="Caption">
     <p:spTree>
       <p:nvGrpSpPr>
-        <p:cNvPr id="1" name="Shape 33"/>
+        <p:cNvPr id="34" name="Shape 34"/>
         <p:cNvGrpSpPr/>
         <p:nvPr/>
       </p:nvGrpSpPr>
@@ -3254,12 +3046,10 @@
       </p:grpSpPr>
       <p:sp>
         <p:nvSpPr>
-          <p:cNvPr id="34" name="Shape 34"/>
-          <p:cNvSpPr txBox="1">
-            <a:spLocks noGrp="1"/>
-          </p:cNvSpPr>
+          <p:cNvPr id="35" name="Shape 35"/>
+          <p:cNvSpPr txBox="1"/>
           <p:nvPr>
-            <p:ph type="body" idx="1"/>
+            <p:ph idx="1" type="body"/>
           </p:nvPr>
         </p:nvSpPr>
         <p:spPr>
@@ -3272,9 +3062,9 @@
           </a:prstGeom>
         </p:spPr>
         <p:txBody>
-          <a:bodyPr lIns="91425" tIns="91425" rIns="91425" bIns="91425" anchor="t" anchorCtr="0"/>
+          <a:bodyPr anchorCtr="0" anchor="t" bIns="91425" lIns="91425" rIns="91425" tIns="91425"/>
           <a:lstStyle>
-            <a:lvl1pPr>
+            <a:lvl1pPr lvl="0">
               <a:spcBef>
                 <a:spcPts val="0"/>
               </a:spcBef>
@@ -3283,21 +3073,19 @@
               </a:buClr>
               <a:buSzPct val="100000"/>
               <a:buNone/>
-              <a:defRPr sz="2400" b="1">
+              <a:defRPr b="1" sz="2400">
                 <a:solidFill>
                   <a:schemeClr val="lt1"/>
                 </a:solidFill>
               </a:defRPr>
             </a:lvl1pPr>
           </a:lstStyle>
-          <a:p>
-            <a:endParaRPr/>
-          </a:p>
+          <a:p/>
         </p:txBody>
       </p:sp>
       <p:sp>
         <p:nvSpPr>
-          <p:cNvPr id="35" name="Shape 35"/>
+          <p:cNvPr id="36" name="Shape 36"/>
           <p:cNvSpPr/>
           <p:nvPr/>
         </p:nvSpPr>
@@ -3308,7 +3096,7 @@
           </a:xfrm>
           <a:prstGeom prst="roundRect">
             <a:avLst>
-              <a:gd name="adj" fmla="val 2776"/>
+              <a:gd fmla="val 2776" name="adj"/>
             </a:avLst>
           </a:prstGeom>
           <a:solidFill>
@@ -3319,29 +3107,30 @@
           </a:ln>
         </p:spPr>
         <p:txBody>
-          <a:bodyPr lIns="91425" tIns="45700" rIns="91425" bIns="45700" anchor="ctr" anchorCtr="0">
+          <a:bodyPr anchorCtr="0" anchor="ctr" bIns="45700" lIns="91425" rIns="91425" tIns="45700">
             <a:noAutofit/>
           </a:bodyPr>
           <a:lstStyle/>
           <a:p>
-            <a:pPr>
+            <a:pPr lvl="0">
               <a:spcBef>
                 <a:spcPts val="0"/>
               </a:spcBef>
               <a:buNone/>
             </a:pPr>
+            <a:r>
+              <a:t/>
+            </a:r>
             <a:endParaRPr/>
           </a:p>
         </p:txBody>
       </p:sp>
       <p:sp>
         <p:nvSpPr>
-          <p:cNvPr id="36" name="Shape 36"/>
-          <p:cNvSpPr txBox="1">
-            <a:spLocks noGrp="1"/>
-          </p:cNvSpPr>
+          <p:cNvPr id="37" name="Shape 37"/>
+          <p:cNvSpPr txBox="1"/>
           <p:nvPr>
-            <p:ph type="sldNum" idx="12"/>
+            <p:ph idx="12" type="sldNum"/>
           </p:nvPr>
         </p:nvSpPr>
         <p:spPr>
@@ -3354,12 +3143,12 @@
           </a:prstGeom>
         </p:spPr>
         <p:txBody>
-          <a:bodyPr lIns="91425" tIns="91425" rIns="91425" bIns="91425" anchor="ctr" anchorCtr="0">
+          <a:bodyPr anchorCtr="0" anchor="ctr" bIns="91425" lIns="91425" rIns="91425" tIns="91425">
             <a:noAutofit/>
           </a:bodyPr>
           <a:lstStyle/>
           <a:p>
-            <a:pPr>
+            <a:pPr lvl="0">
               <a:spcBef>
                 <a:spcPts val="0"/>
               </a:spcBef>
@@ -3367,9 +3156,8 @@
             </a:pPr>
             <a:fld id="{00000000-1234-1234-1234-123412341234}" type="slidenum">
               <a:rPr lang="es"/>
-              <a:t>‹Nº›</a:t>
+              <a:t>‹#›</a:t>
             </a:fld>
-            <a:endParaRPr lang="es"/>
           </a:p>
         </p:txBody>
       </p:sp>
@@ -3382,11 +3170,11 @@
 </file>
 
 <file path=ppt/slideLayouts/slideLayout6.xml><?xml version="1.0" encoding="utf-8"?>
-<p:sldLayout xmlns:a="http://schemas.openxmlformats.org/drawingml/2006/main" xmlns:r="http://schemas.openxmlformats.org/officeDocument/2006/relationships" xmlns:p="http://schemas.openxmlformats.org/presentationml/2006/main" type="blank">
+<p:sldLayout xmlns:a="http://schemas.openxmlformats.org/drawingml/2006/main" xmlns:r="http://schemas.openxmlformats.org/officeDocument/2006/relationships" xmlns:mc="http://schemas.openxmlformats.org/markup-compatibility/2006" xmlns:mv="urn:schemas-microsoft-com:mac:vml" xmlns:p="http://schemas.openxmlformats.org/presentationml/2006/main" xmlns:c="http://schemas.openxmlformats.org/drawingml/2006/chart" xmlns:dgm="http://schemas.openxmlformats.org/drawingml/2006/diagram" xmlns:o="urn:schemas-microsoft-com:office:office" xmlns:v="urn:schemas-microsoft-com:vml" xmlns:pvml="urn:schemas-microsoft-com:office:powerpoint" xmlns:com="http://schemas.openxmlformats.org/drawingml/2006/compatibility" xmlns:p14="http://schemas.microsoft.com/office/powerpoint/2010/main" type="blank">
   <p:cSld name="Blank">
     <p:spTree>
       <p:nvGrpSpPr>
-        <p:cNvPr id="1" name="Shape 37"/>
+        <p:cNvPr id="38" name="Shape 38"/>
         <p:cNvGrpSpPr/>
         <p:nvPr/>
       </p:nvGrpSpPr>
@@ -3400,7 +3188,7 @@
       </p:grpSpPr>
       <p:sp>
         <p:nvSpPr>
-          <p:cNvPr id="38" name="Shape 38"/>
+          <p:cNvPr id="39" name="Shape 39"/>
           <p:cNvSpPr/>
           <p:nvPr/>
         </p:nvSpPr>
@@ -3411,7 +3199,7 @@
           </a:xfrm>
           <a:prstGeom prst="roundRect">
             <a:avLst>
-              <a:gd name="adj" fmla="val 2255"/>
+              <a:gd fmla="val 2255" name="adj"/>
             </a:avLst>
           </a:prstGeom>
           <a:solidFill>
@@ -3422,29 +3210,30 @@
           </a:ln>
         </p:spPr>
         <p:txBody>
-          <a:bodyPr lIns="91425" tIns="45700" rIns="91425" bIns="45700" anchor="ctr" anchorCtr="0">
+          <a:bodyPr anchorCtr="0" anchor="ctr" bIns="45700" lIns="91425" rIns="91425" tIns="45700">
             <a:noAutofit/>
           </a:bodyPr>
           <a:lstStyle/>
           <a:p>
-            <a:pPr>
+            <a:pPr lvl="0">
               <a:spcBef>
                 <a:spcPts val="0"/>
               </a:spcBef>
               <a:buNone/>
             </a:pPr>
+            <a:r>
+              <a:t/>
+            </a:r>
             <a:endParaRPr/>
           </a:p>
         </p:txBody>
       </p:sp>
       <p:sp>
         <p:nvSpPr>
-          <p:cNvPr id="39" name="Shape 39"/>
-          <p:cNvSpPr txBox="1">
-            <a:spLocks noGrp="1"/>
-          </p:cNvSpPr>
+          <p:cNvPr id="40" name="Shape 40"/>
+          <p:cNvSpPr txBox="1"/>
           <p:nvPr>
-            <p:ph type="sldNum" idx="12"/>
+            <p:ph idx="12" type="sldNum"/>
           </p:nvPr>
         </p:nvSpPr>
         <p:spPr>
@@ -3457,12 +3246,12 @@
           </a:prstGeom>
         </p:spPr>
         <p:txBody>
-          <a:bodyPr lIns="91425" tIns="91425" rIns="91425" bIns="91425" anchor="ctr" anchorCtr="0">
+          <a:bodyPr anchorCtr="0" anchor="ctr" bIns="91425" lIns="91425" rIns="91425" tIns="91425">
             <a:noAutofit/>
           </a:bodyPr>
           <a:lstStyle/>
           <a:p>
-            <a:pPr>
+            <a:pPr lvl="0">
               <a:spcBef>
                 <a:spcPts val="0"/>
               </a:spcBef>
@@ -3470,9 +3259,8 @@
             </a:pPr>
             <a:fld id="{00000000-1234-1234-1234-123412341234}" type="slidenum">
               <a:rPr lang="es"/>
-              <a:t>‹Nº›</a:t>
+              <a:t>‹#›</a:t>
             </a:fld>
-            <a:endParaRPr lang="es"/>
           </a:p>
         </p:txBody>
       </p:sp>
@@ -3485,19 +3273,18 @@
 </file>
 
 <file path=ppt/slideMasters/slideMaster1.xml><?xml version="1.0" encoding="utf-8"?>
-<p:sldMaster xmlns:a="http://schemas.openxmlformats.org/drawingml/2006/main" xmlns:r="http://schemas.openxmlformats.org/officeDocument/2006/relationships" xmlns:p="http://schemas.openxmlformats.org/presentationml/2006/main">
+<p:sldMaster xmlns:a="http://schemas.openxmlformats.org/drawingml/2006/main" xmlns:r="http://schemas.openxmlformats.org/officeDocument/2006/relationships" xmlns:mc="http://schemas.openxmlformats.org/markup-compatibility/2006" xmlns:mv="urn:schemas-microsoft-com:mac:vml" xmlns:p="http://schemas.openxmlformats.org/presentationml/2006/main" xmlns:c="http://schemas.openxmlformats.org/drawingml/2006/chart" xmlns:dgm="http://schemas.openxmlformats.org/drawingml/2006/diagram" xmlns:o="urn:schemas-microsoft-com:office:office" xmlns:v="urn:schemas-microsoft-com:vml" xmlns:pvml="urn:schemas-microsoft-com:office:powerpoint" xmlns:com="http://schemas.openxmlformats.org/drawingml/2006/compatibility" xmlns:p14="http://schemas.microsoft.com/office/powerpoint/2010/main">
   <p:cSld>
     <p:bg>
       <p:bgPr>
         <a:solidFill>
           <a:schemeClr val="dk2"/>
         </a:solidFill>
-        <a:effectLst/>
       </p:bgPr>
     </p:bg>
     <p:spTree>
       <p:nvGrpSpPr>
-        <p:cNvPr id="1" name="Shape 4"/>
+        <p:cNvPr id="5" name="Shape 5"/>
         <p:cNvGrpSpPr/>
         <p:nvPr/>
       </p:nvGrpSpPr>
@@ -3511,10 +3298,8 @@
       </p:grpSpPr>
       <p:sp>
         <p:nvSpPr>
-          <p:cNvPr id="5" name="Shape 5"/>
-          <p:cNvSpPr txBox="1">
-            <a:spLocks noGrp="1"/>
-          </p:cNvSpPr>
+          <p:cNvPr id="6" name="Shape 6"/>
+          <p:cNvSpPr txBox="1"/>
           <p:nvPr>
             <p:ph type="title"/>
           </p:nvPr>
@@ -3533,9 +3318,9 @@
           </a:ln>
         </p:spPr>
         <p:txBody>
-          <a:bodyPr lIns="91425" tIns="91425" rIns="91425" bIns="91425" anchor="b" anchorCtr="0"/>
+          <a:bodyPr anchorCtr="0" anchor="b" bIns="91425" lIns="91425" rIns="91425" tIns="91425"/>
           <a:lstStyle>
-            <a:lvl1pPr>
+            <a:lvl1pPr lvl="0">
               <a:spcBef>
                 <a:spcPts val="0"/>
               </a:spcBef>
@@ -3544,13 +3329,13 @@
               </a:buClr>
               <a:buSzPct val="100000"/>
               <a:buNone/>
-              <a:defRPr sz="3600" b="1">
+              <a:defRPr b="1" sz="3600">
                 <a:solidFill>
                   <a:schemeClr val="dk2"/>
                 </a:solidFill>
               </a:defRPr>
             </a:lvl1pPr>
-            <a:lvl2pPr>
+            <a:lvl2pPr lvl="1">
               <a:spcBef>
                 <a:spcPts val="0"/>
               </a:spcBef>
@@ -3559,13 +3344,13 @@
               </a:buClr>
               <a:buSzPct val="100000"/>
               <a:buNone/>
-              <a:defRPr sz="3600" b="1">
+              <a:defRPr b="1" sz="3600">
                 <a:solidFill>
                   <a:schemeClr val="dk2"/>
                 </a:solidFill>
               </a:defRPr>
             </a:lvl2pPr>
-            <a:lvl3pPr>
+            <a:lvl3pPr lvl="2">
               <a:spcBef>
                 <a:spcPts val="0"/>
               </a:spcBef>
@@ -3574,13 +3359,13 @@
               </a:buClr>
               <a:buSzPct val="100000"/>
               <a:buNone/>
-              <a:defRPr sz="3600" b="1">
+              <a:defRPr b="1" sz="3600">
                 <a:solidFill>
                   <a:schemeClr val="dk2"/>
                 </a:solidFill>
               </a:defRPr>
             </a:lvl3pPr>
-            <a:lvl4pPr>
+            <a:lvl4pPr lvl="3">
               <a:spcBef>
                 <a:spcPts val="0"/>
               </a:spcBef>
@@ -3589,13 +3374,13 @@
               </a:buClr>
               <a:buSzPct val="100000"/>
               <a:buNone/>
-              <a:defRPr sz="3600" b="1">
+              <a:defRPr b="1" sz="3600">
                 <a:solidFill>
                   <a:schemeClr val="dk2"/>
                 </a:solidFill>
               </a:defRPr>
             </a:lvl4pPr>
-            <a:lvl5pPr>
+            <a:lvl5pPr lvl="4">
               <a:spcBef>
                 <a:spcPts val="0"/>
               </a:spcBef>
@@ -3604,13 +3389,13 @@
               </a:buClr>
               <a:buSzPct val="100000"/>
               <a:buNone/>
-              <a:defRPr sz="3600" b="1">
+              <a:defRPr b="1" sz="3600">
                 <a:solidFill>
                   <a:schemeClr val="dk2"/>
                 </a:solidFill>
               </a:defRPr>
             </a:lvl5pPr>
-            <a:lvl6pPr>
+            <a:lvl6pPr lvl="5">
               <a:spcBef>
                 <a:spcPts val="0"/>
               </a:spcBef>
@@ -3619,13 +3404,13 @@
               </a:buClr>
               <a:buSzPct val="100000"/>
               <a:buNone/>
-              <a:defRPr sz="3600" b="1">
+              <a:defRPr b="1" sz="3600">
                 <a:solidFill>
                   <a:schemeClr val="dk2"/>
                 </a:solidFill>
               </a:defRPr>
             </a:lvl6pPr>
-            <a:lvl7pPr>
+            <a:lvl7pPr lvl="6">
               <a:spcBef>
                 <a:spcPts val="0"/>
               </a:spcBef>
@@ -3634,13 +3419,13 @@
               </a:buClr>
               <a:buSzPct val="100000"/>
               <a:buNone/>
-              <a:defRPr sz="3600" b="1">
+              <a:defRPr b="1" sz="3600">
                 <a:solidFill>
                   <a:schemeClr val="dk2"/>
                 </a:solidFill>
               </a:defRPr>
             </a:lvl7pPr>
-            <a:lvl8pPr>
+            <a:lvl8pPr lvl="7">
               <a:spcBef>
                 <a:spcPts val="0"/>
               </a:spcBef>
@@ -3649,13 +3434,13 @@
               </a:buClr>
               <a:buSzPct val="100000"/>
               <a:buNone/>
-              <a:defRPr sz="3600" b="1">
+              <a:defRPr b="1" sz="3600">
                 <a:solidFill>
                   <a:schemeClr val="dk2"/>
                 </a:solidFill>
               </a:defRPr>
             </a:lvl8pPr>
-            <a:lvl9pPr>
+            <a:lvl9pPr lvl="8">
               <a:spcBef>
                 <a:spcPts val="0"/>
               </a:spcBef>
@@ -3664,26 +3449,22 @@
               </a:buClr>
               <a:buSzPct val="100000"/>
               <a:buNone/>
-              <a:defRPr sz="3600" b="1">
+              <a:defRPr b="1" sz="3600">
                 <a:solidFill>
                   <a:schemeClr val="dk2"/>
                 </a:solidFill>
               </a:defRPr>
             </a:lvl9pPr>
           </a:lstStyle>
-          <a:p>
-            <a:endParaRPr/>
-          </a:p>
+          <a:p/>
         </p:txBody>
       </p:sp>
       <p:sp>
         <p:nvSpPr>
-          <p:cNvPr id="6" name="Shape 6"/>
-          <p:cNvSpPr txBox="1">
-            <a:spLocks noGrp="1"/>
-          </p:cNvSpPr>
+          <p:cNvPr id="7" name="Shape 7"/>
+          <p:cNvSpPr txBox="1"/>
           <p:nvPr>
-            <p:ph type="body" idx="1"/>
+            <p:ph idx="1" type="body"/>
           </p:nvPr>
         </p:nvSpPr>
         <p:spPr>
@@ -3700,9 +3481,9 @@
           </a:ln>
         </p:spPr>
         <p:txBody>
-          <a:bodyPr lIns="91425" tIns="91425" rIns="91425" bIns="91425" anchor="t" anchorCtr="0"/>
+          <a:bodyPr anchorCtr="0" anchor="t" bIns="91425" lIns="91425" rIns="91425" tIns="91425"/>
           <a:lstStyle>
-            <a:lvl1pPr>
+            <a:lvl1pPr lvl="0">
               <a:spcBef>
                 <a:spcPts val="600"/>
               </a:spcBef>
@@ -3716,7 +3497,7 @@
                 </a:solidFill>
               </a:defRPr>
             </a:lvl1pPr>
-            <a:lvl2pPr>
+            <a:lvl2pPr lvl="1">
               <a:spcBef>
                 <a:spcPts val="480"/>
               </a:spcBef>
@@ -3730,7 +3511,7 @@
                 </a:solidFill>
               </a:defRPr>
             </a:lvl2pPr>
-            <a:lvl3pPr>
+            <a:lvl3pPr lvl="2">
               <a:spcBef>
                 <a:spcPts val="480"/>
               </a:spcBef>
@@ -3744,7 +3525,7 @@
                 </a:solidFill>
               </a:defRPr>
             </a:lvl3pPr>
-            <a:lvl4pPr>
+            <a:lvl4pPr lvl="3">
               <a:spcBef>
                 <a:spcPts val="360"/>
               </a:spcBef>
@@ -3758,7 +3539,7 @@
                 </a:solidFill>
               </a:defRPr>
             </a:lvl4pPr>
-            <a:lvl5pPr>
+            <a:lvl5pPr lvl="4">
               <a:spcBef>
                 <a:spcPts val="360"/>
               </a:spcBef>
@@ -3772,7 +3553,7 @@
                 </a:solidFill>
               </a:defRPr>
             </a:lvl5pPr>
-            <a:lvl6pPr>
+            <a:lvl6pPr lvl="5">
               <a:spcBef>
                 <a:spcPts val="360"/>
               </a:spcBef>
@@ -3786,7 +3567,7 @@
                 </a:solidFill>
               </a:defRPr>
             </a:lvl6pPr>
-            <a:lvl7pPr>
+            <a:lvl7pPr lvl="6">
               <a:spcBef>
                 <a:spcPts val="360"/>
               </a:spcBef>
@@ -3800,7 +3581,7 @@
                 </a:solidFill>
               </a:defRPr>
             </a:lvl7pPr>
-            <a:lvl8pPr>
+            <a:lvl8pPr lvl="7">
               <a:spcBef>
                 <a:spcPts val="360"/>
               </a:spcBef>
@@ -3814,7 +3595,7 @@
                 </a:solidFill>
               </a:defRPr>
             </a:lvl8pPr>
-            <a:lvl9pPr>
+            <a:lvl9pPr lvl="8">
               <a:spcBef>
                 <a:spcPts val="360"/>
               </a:spcBef>
@@ -3829,19 +3610,15 @@
               </a:defRPr>
             </a:lvl9pPr>
           </a:lstStyle>
-          <a:p>
-            <a:endParaRPr/>
-          </a:p>
+          <a:p/>
         </p:txBody>
       </p:sp>
       <p:sp>
         <p:nvSpPr>
-          <p:cNvPr id="7" name="Shape 7"/>
-          <p:cNvSpPr txBox="1">
-            <a:spLocks noGrp="1"/>
-          </p:cNvSpPr>
+          <p:cNvPr id="8" name="Shape 8"/>
+          <p:cNvSpPr txBox="1"/>
           <p:nvPr>
-            <p:ph type="sldNum" idx="12"/>
+            <p:ph idx="12" type="sldNum"/>
           </p:nvPr>
         </p:nvSpPr>
         <p:spPr>
@@ -3858,12 +3635,12 @@
           </a:ln>
         </p:spPr>
         <p:txBody>
-          <a:bodyPr lIns="91425" tIns="91425" rIns="91425" bIns="91425" anchor="ctr" anchorCtr="0">
+          <a:bodyPr anchorCtr="0" anchor="ctr" bIns="91425" lIns="91425" rIns="91425" tIns="91425">
             <a:noAutofit/>
           </a:bodyPr>
           <a:lstStyle/>
           <a:p>
-            <a:pPr algn="r">
+            <a:pPr lvl="0" algn="r">
               <a:spcBef>
                 <a:spcPts val="0"/>
               </a:spcBef>
@@ -3875,19 +3652,14 @@
                   <a:schemeClr val="lt1"/>
                 </a:solidFill>
               </a:rPr>
-              <a:t>‹Nº›</a:t>
+              <a:t>‹#›</a:t>
             </a:fld>
-            <a:endParaRPr lang="es" sz="1300">
-              <a:solidFill>
-                <a:schemeClr val="lt1"/>
-              </a:solidFill>
-            </a:endParaRPr>
           </a:p>
         </p:txBody>
       </p:sp>
     </p:spTree>
   </p:cSld>
-  <p:clrMap bg1="lt1" tx1="dk1" bg2="dk2" tx2="lt2" accent1="accent1" accent2="accent2" accent3="accent3" accent4="accent4" accent5="accent5" accent6="accent6" hlink="hlink" folHlink="folHlink"/>
+  <p:clrMap accent1="accent1" accent2="accent2" accent3="accent3" accent4="accent4" accent5="accent5" accent6="accent6" bg1="lt1" bg2="dk2" tx1="dk1" tx2="lt2" folHlink="folHlink" hlink="hlink"/>
   <p:sldLayoutIdLst>
     <p:sldLayoutId id="2147483648" r:id="rId1"/>
     <p:sldLayoutId id="2147483649" r:id="rId2"/>
@@ -3896,10 +3668,10 @@
     <p:sldLayoutId id="2147483652" r:id="rId5"/>
     <p:sldLayoutId id="2147483653" r:id="rId6"/>
   </p:sldLayoutIdLst>
-  <p:hf sldNum="0" hdr="0" ftr="0" dt="0"/>
+  <p:hf dt="0" ftr="0" hdr="0" sldNum="0"/>
   <p:txStyles>
     <p:titleStyle>
-      <a:defPPr marR="0" algn="l" rtl="0">
+      <a:defPPr lvl="0" marR="0" rtl="0" algn="l">
         <a:lnSpc>
           <a:spcPct val="100000"/>
         </a:lnSpc>
@@ -3910,7 +3682,7 @@
           <a:spcPts val="0"/>
         </a:spcAft>
       </a:defPPr>
-      <a:lvl1pPr marR="0" algn="l" rtl="0">
+      <a:lvl1pPr lvl="0" marR="0" rtl="0" algn="l">
         <a:lnSpc>
           <a:spcPct val="100000"/>
         </a:lnSpc>
@@ -3921,7 +3693,7 @@
           <a:spcPts val="0"/>
         </a:spcAft>
         <a:buNone/>
-        <a:defRPr sz="1400" b="0" i="0" u="none" strike="noStrike" cap="none" baseline="0">
+        <a:defRPr b="0" i="0" sz="1400" u="none" cap="none" strike="noStrike">
           <a:solidFill>
             <a:srgbClr val="000000"/>
           </a:solidFill>
@@ -3934,7 +3706,7 @@
       </a:lvl1pPr>
     </p:titleStyle>
     <p:bodyStyle>
-      <a:defPPr marR="0" algn="l" rtl="0">
+      <a:defPPr lvl="0" marR="0" rtl="0" algn="l">
         <a:lnSpc>
           <a:spcPct val="100000"/>
         </a:lnSpc>
@@ -3945,7 +3717,7 @@
           <a:spcPts val="0"/>
         </a:spcAft>
       </a:defPPr>
-      <a:lvl1pPr marR="0" algn="l" rtl="0">
+      <a:lvl1pPr lvl="0" marR="0" rtl="0" algn="l">
         <a:lnSpc>
           <a:spcPct val="100000"/>
         </a:lnSpc>
@@ -3956,7 +3728,7 @@
           <a:spcPts val="0"/>
         </a:spcAft>
         <a:buNone/>
-        <a:defRPr sz="1400" b="0" i="0" u="none" strike="noStrike" cap="none" baseline="0">
+        <a:defRPr b="0" i="0" sz="1400" u="none" cap="none" strike="noStrike">
           <a:solidFill>
             <a:srgbClr val="000000"/>
           </a:solidFill>
@@ -3967,7 +3739,7 @@
           <a:rtl val="0"/>
         </a:defRPr>
       </a:lvl1pPr>
-      <a:lvl2pPr marR="0" algn="l" rtl="0">
+      <a:lvl2pPr lvl="1" marR="0" rtl="0" algn="l">
         <a:lnSpc>
           <a:spcPct val="100000"/>
         </a:lnSpc>
@@ -3978,7 +3750,7 @@
           <a:spcPts val="0"/>
         </a:spcAft>
         <a:buNone/>
-        <a:defRPr sz="1400" b="0" i="0" u="none" strike="noStrike" cap="none" baseline="0">
+        <a:defRPr b="0" i="0" sz="1400" u="none" cap="none" strike="noStrike">
           <a:solidFill>
             <a:srgbClr val="000000"/>
           </a:solidFill>
@@ -3989,7 +3761,7 @@
           <a:rtl val="0"/>
         </a:defRPr>
       </a:lvl2pPr>
-      <a:lvl3pPr marR="0" algn="l" rtl="0">
+      <a:lvl3pPr lvl="2" marR="0" rtl="0" algn="l">
         <a:lnSpc>
           <a:spcPct val="100000"/>
         </a:lnSpc>
@@ -4000,7 +3772,7 @@
           <a:spcPts val="0"/>
         </a:spcAft>
         <a:buNone/>
-        <a:defRPr sz="1400" b="0" i="0" u="none" strike="noStrike" cap="none" baseline="0">
+        <a:defRPr b="0" i="0" sz="1400" u="none" cap="none" strike="noStrike">
           <a:solidFill>
             <a:srgbClr val="000000"/>
           </a:solidFill>
@@ -4011,7 +3783,7 @@
           <a:rtl val="0"/>
         </a:defRPr>
       </a:lvl3pPr>
-      <a:lvl4pPr marR="0" algn="l" rtl="0">
+      <a:lvl4pPr lvl="3" marR="0" rtl="0" algn="l">
         <a:lnSpc>
           <a:spcPct val="100000"/>
         </a:lnSpc>
@@ -4022,7 +3794,7 @@
           <a:spcPts val="0"/>
         </a:spcAft>
         <a:buNone/>
-        <a:defRPr sz="1400" b="0" i="0" u="none" strike="noStrike" cap="none" baseline="0">
+        <a:defRPr b="0" i="0" sz="1400" u="none" cap="none" strike="noStrike">
           <a:solidFill>
             <a:srgbClr val="000000"/>
           </a:solidFill>
@@ -4033,7 +3805,7 @@
           <a:rtl val="0"/>
         </a:defRPr>
       </a:lvl4pPr>
-      <a:lvl5pPr marR="0" algn="l" rtl="0">
+      <a:lvl5pPr lvl="4" marR="0" rtl="0" algn="l">
         <a:lnSpc>
           <a:spcPct val="100000"/>
         </a:lnSpc>
@@ -4044,7 +3816,7 @@
           <a:spcPts val="0"/>
         </a:spcAft>
         <a:buNone/>
-        <a:defRPr sz="1400" b="0" i="0" u="none" strike="noStrike" cap="none" baseline="0">
+        <a:defRPr b="0" i="0" sz="1400" u="none" cap="none" strike="noStrike">
           <a:solidFill>
             <a:srgbClr val="000000"/>
           </a:solidFill>
@@ -4055,7 +3827,7 @@
           <a:rtl val="0"/>
         </a:defRPr>
       </a:lvl5pPr>
-      <a:lvl6pPr marR="0" algn="l" rtl="0">
+      <a:lvl6pPr lvl="5" marR="0" rtl="0" algn="l">
         <a:lnSpc>
           <a:spcPct val="100000"/>
         </a:lnSpc>
@@ -4066,7 +3838,7 @@
           <a:spcPts val="0"/>
         </a:spcAft>
         <a:buNone/>
-        <a:defRPr sz="1400" b="0" i="0" u="none" strike="noStrike" cap="none" baseline="0">
+        <a:defRPr b="0" i="0" sz="1400" u="none" cap="none" strike="noStrike">
           <a:solidFill>
             <a:srgbClr val="000000"/>
           </a:solidFill>
@@ -4077,7 +3849,7 @@
           <a:rtl val="0"/>
         </a:defRPr>
       </a:lvl6pPr>
-      <a:lvl7pPr marR="0" algn="l" rtl="0">
+      <a:lvl7pPr lvl="6" marR="0" rtl="0" algn="l">
         <a:lnSpc>
           <a:spcPct val="100000"/>
         </a:lnSpc>
@@ -4088,7 +3860,7 @@
           <a:spcPts val="0"/>
         </a:spcAft>
         <a:buNone/>
-        <a:defRPr sz="1400" b="0" i="0" u="none" strike="noStrike" cap="none" baseline="0">
+        <a:defRPr b="0" i="0" sz="1400" u="none" cap="none" strike="noStrike">
           <a:solidFill>
             <a:srgbClr val="000000"/>
           </a:solidFill>
@@ -4099,7 +3871,7 @@
           <a:rtl val="0"/>
         </a:defRPr>
       </a:lvl7pPr>
-      <a:lvl8pPr marR="0" algn="l" rtl="0">
+      <a:lvl8pPr lvl="7" marR="0" rtl="0" algn="l">
         <a:lnSpc>
           <a:spcPct val="100000"/>
         </a:lnSpc>
@@ -4110,7 +3882,7 @@
           <a:spcPts val="0"/>
         </a:spcAft>
         <a:buNone/>
-        <a:defRPr sz="1400" b="0" i="0" u="none" strike="noStrike" cap="none" baseline="0">
+        <a:defRPr b="0" i="0" sz="1400" u="none" cap="none" strike="noStrike">
           <a:solidFill>
             <a:srgbClr val="000000"/>
           </a:solidFill>
@@ -4121,7 +3893,7 @@
           <a:rtl val="0"/>
         </a:defRPr>
       </a:lvl8pPr>
-      <a:lvl9pPr marR="0" algn="l" rtl="0">
+      <a:lvl9pPr lvl="8" marR="0" rtl="0" algn="l">
         <a:lnSpc>
           <a:spcPct val="100000"/>
         </a:lnSpc>
@@ -4132,7 +3904,7 @@
           <a:spcPts val="0"/>
         </a:spcAft>
         <a:buNone/>
-        <a:defRPr sz="1400" b="0" i="0" u="none" strike="noStrike" cap="none" baseline="0">
+        <a:defRPr b="0" i="0" sz="1400" u="none" cap="none" strike="noStrike">
           <a:solidFill>
             <a:srgbClr val="000000"/>
           </a:solidFill>
@@ -4145,7 +3917,7 @@
       </a:lvl9pPr>
     </p:bodyStyle>
     <p:otherStyle>
-      <a:defPPr marR="0" algn="l" rtl="0">
+      <a:defPPr lvl="0" marR="0" rtl="0" algn="l">
         <a:lnSpc>
           <a:spcPct val="100000"/>
         </a:lnSpc>
@@ -4156,7 +3928,7 @@
           <a:spcPts val="0"/>
         </a:spcAft>
       </a:defPPr>
-      <a:lvl1pPr marR="0" algn="l" rtl="0">
+      <a:lvl1pPr lvl="0" marR="0" rtl="0" algn="l">
         <a:lnSpc>
           <a:spcPct val="100000"/>
         </a:lnSpc>
@@ -4167,7 +3939,7 @@
           <a:spcPts val="0"/>
         </a:spcAft>
         <a:buNone/>
-        <a:defRPr sz="1400" b="0" i="0" u="none" strike="noStrike" cap="none" baseline="0">
+        <a:defRPr b="0" i="0" sz="1400" u="none" cap="none" strike="noStrike">
           <a:solidFill>
             <a:srgbClr val="000000"/>
           </a:solidFill>
@@ -4178,7 +3950,7 @@
           <a:rtl val="0"/>
         </a:defRPr>
       </a:lvl1pPr>
-      <a:lvl2pPr marR="0" algn="l" rtl="0">
+      <a:lvl2pPr lvl="1" marR="0" rtl="0" algn="l">
         <a:lnSpc>
           <a:spcPct val="100000"/>
         </a:lnSpc>
@@ -4189,7 +3961,7 @@
           <a:spcPts val="0"/>
         </a:spcAft>
         <a:buNone/>
-        <a:defRPr sz="1400" b="0" i="0" u="none" strike="noStrike" cap="none" baseline="0">
+        <a:defRPr b="0" i="0" sz="1400" u="none" cap="none" strike="noStrike">
           <a:solidFill>
             <a:srgbClr val="000000"/>
           </a:solidFill>
@@ -4200,7 +3972,7 @@
           <a:rtl val="0"/>
         </a:defRPr>
       </a:lvl2pPr>
-      <a:lvl3pPr marR="0" algn="l" rtl="0">
+      <a:lvl3pPr lvl="2" marR="0" rtl="0" algn="l">
         <a:lnSpc>
           <a:spcPct val="100000"/>
         </a:lnSpc>
@@ -4211,7 +3983,7 @@
           <a:spcPts val="0"/>
         </a:spcAft>
         <a:buNone/>
-        <a:defRPr sz="1400" b="0" i="0" u="none" strike="noStrike" cap="none" baseline="0">
+        <a:defRPr b="0" i="0" sz="1400" u="none" cap="none" strike="noStrike">
           <a:solidFill>
             <a:srgbClr val="000000"/>
           </a:solidFill>
@@ -4222,7 +3994,7 @@
           <a:rtl val="0"/>
         </a:defRPr>
       </a:lvl3pPr>
-      <a:lvl4pPr marR="0" algn="l" rtl="0">
+      <a:lvl4pPr lvl="3" marR="0" rtl="0" algn="l">
         <a:lnSpc>
           <a:spcPct val="100000"/>
         </a:lnSpc>
@@ -4233,7 +4005,7 @@
           <a:spcPts val="0"/>
         </a:spcAft>
         <a:buNone/>
-        <a:defRPr sz="1400" b="0" i="0" u="none" strike="noStrike" cap="none" baseline="0">
+        <a:defRPr b="0" i="0" sz="1400" u="none" cap="none" strike="noStrike">
           <a:solidFill>
             <a:srgbClr val="000000"/>
           </a:solidFill>
@@ -4244,7 +4016,7 @@
           <a:rtl val="0"/>
         </a:defRPr>
       </a:lvl4pPr>
-      <a:lvl5pPr marR="0" algn="l" rtl="0">
+      <a:lvl5pPr lvl="4" marR="0" rtl="0" algn="l">
         <a:lnSpc>
           <a:spcPct val="100000"/>
         </a:lnSpc>
@@ -4255,7 +4027,7 @@
           <a:spcPts val="0"/>
         </a:spcAft>
         <a:buNone/>
-        <a:defRPr sz="1400" b="0" i="0" u="none" strike="noStrike" cap="none" baseline="0">
+        <a:defRPr b="0" i="0" sz="1400" u="none" cap="none" strike="noStrike">
           <a:solidFill>
             <a:srgbClr val="000000"/>
           </a:solidFill>
@@ -4266,7 +4038,7 @@
           <a:rtl val="0"/>
         </a:defRPr>
       </a:lvl5pPr>
-      <a:lvl6pPr marR="0" algn="l" rtl="0">
+      <a:lvl6pPr lvl="5" marR="0" rtl="0" algn="l">
         <a:lnSpc>
           <a:spcPct val="100000"/>
         </a:lnSpc>
@@ -4277,7 +4049,7 @@
           <a:spcPts val="0"/>
         </a:spcAft>
         <a:buNone/>
-        <a:defRPr sz="1400" b="0" i="0" u="none" strike="noStrike" cap="none" baseline="0">
+        <a:defRPr b="0" i="0" sz="1400" u="none" cap="none" strike="noStrike">
           <a:solidFill>
             <a:srgbClr val="000000"/>
           </a:solidFill>
@@ -4288,7 +4060,7 @@
           <a:rtl val="0"/>
         </a:defRPr>
       </a:lvl6pPr>
-      <a:lvl7pPr marR="0" algn="l" rtl="0">
+      <a:lvl7pPr lvl="6" marR="0" rtl="0" algn="l">
         <a:lnSpc>
           <a:spcPct val="100000"/>
         </a:lnSpc>
@@ -4299,7 +4071,7 @@
           <a:spcPts val="0"/>
         </a:spcAft>
         <a:buNone/>
-        <a:defRPr sz="1400" b="0" i="0" u="none" strike="noStrike" cap="none" baseline="0">
+        <a:defRPr b="0" i="0" sz="1400" u="none" cap="none" strike="noStrike">
           <a:solidFill>
             <a:srgbClr val="000000"/>
           </a:solidFill>
@@ -4310,7 +4082,7 @@
           <a:rtl val="0"/>
         </a:defRPr>
       </a:lvl7pPr>
-      <a:lvl8pPr marR="0" algn="l" rtl="0">
+      <a:lvl8pPr lvl="7" marR="0" rtl="0" algn="l">
         <a:lnSpc>
           <a:spcPct val="100000"/>
         </a:lnSpc>
@@ -4321,7 +4093,7 @@
           <a:spcPts val="0"/>
         </a:spcAft>
         <a:buNone/>
-        <a:defRPr sz="1400" b="0" i="0" u="none" strike="noStrike" cap="none" baseline="0">
+        <a:defRPr b="0" i="0" sz="1400" u="none" cap="none" strike="noStrike">
           <a:solidFill>
             <a:srgbClr val="000000"/>
           </a:solidFill>
@@ -4332,7 +4104,7 @@
           <a:rtl val="0"/>
         </a:defRPr>
       </a:lvl8pPr>
-      <a:lvl9pPr marR="0" algn="l" rtl="0">
+      <a:lvl9pPr lvl="8" marR="0" rtl="0" algn="l">
         <a:lnSpc>
           <a:spcPct val="100000"/>
         </a:lnSpc>
@@ -4343,7 +4115,7 @@
           <a:spcPts val="0"/>
         </a:spcAft>
         <a:buNone/>
-        <a:defRPr sz="1400" b="0" i="0" u="none" strike="noStrike" cap="none" baseline="0">
+        <a:defRPr b="0" i="0" sz="1400" u="none" cap="none" strike="noStrike">
           <a:solidFill>
             <a:srgbClr val="000000"/>
           </a:solidFill>
@@ -4360,11 +4132,11 @@
 </file>
 
 <file path=ppt/slides/slide1.xml><?xml version="1.0" encoding="utf-8"?>
-<p:sld xmlns:a="http://schemas.openxmlformats.org/drawingml/2006/main" xmlns:r="http://schemas.openxmlformats.org/officeDocument/2006/relationships" xmlns:p="http://schemas.openxmlformats.org/presentationml/2006/main">
+<p:sld xmlns:a="http://schemas.openxmlformats.org/drawingml/2006/main" xmlns:r="http://schemas.openxmlformats.org/officeDocument/2006/relationships" xmlns:mc="http://schemas.openxmlformats.org/markup-compatibility/2006" xmlns:mv="urn:schemas-microsoft-com:mac:vml" xmlns:p="http://schemas.openxmlformats.org/presentationml/2006/main" xmlns:c="http://schemas.openxmlformats.org/drawingml/2006/chart" xmlns:dgm="http://schemas.openxmlformats.org/drawingml/2006/diagram" xmlns:o="urn:schemas-microsoft-com:office:office" xmlns:v="urn:schemas-microsoft-com:vml" xmlns:pvml="urn:schemas-microsoft-com:office:powerpoint" xmlns:com="http://schemas.openxmlformats.org/drawingml/2006/compatibility" xmlns:p14="http://schemas.microsoft.com/office/powerpoint/2010/main">
   <p:cSld>
     <p:spTree>
       <p:nvGrpSpPr>
-        <p:cNvPr id="1" name="Shape 40"/>
+        <p:cNvPr id="44" name="Shape 44"/>
         <p:cNvGrpSpPr/>
         <p:nvPr/>
       </p:nvGrpSpPr>
@@ -4378,10 +4150,8 @@
       </p:grpSpPr>
       <p:sp>
         <p:nvSpPr>
-          <p:cNvPr id="41" name="Shape 41"/>
-          <p:cNvSpPr txBox="1">
-            <a:spLocks noGrp="1"/>
-          </p:cNvSpPr>
+          <p:cNvPr id="45" name="Shape 45"/>
+          <p:cNvSpPr txBox="1"/>
           <p:nvPr>
             <p:ph type="ctrTitle"/>
           </p:nvPr>
@@ -4396,12 +4166,12 @@
           </a:prstGeom>
         </p:spPr>
         <p:txBody>
-          <a:bodyPr lIns="91425" tIns="91425" rIns="91425" bIns="91425" anchor="b" anchorCtr="0">
+          <a:bodyPr anchorCtr="0" anchor="b" bIns="91425" lIns="91425" rIns="91425" tIns="91425">
             <a:noAutofit/>
           </a:bodyPr>
           <a:lstStyle/>
           <a:p>
-            <a:pPr>
+            <a:pPr lvl="0">
               <a:spcBef>
                 <a:spcPts val="0"/>
               </a:spcBef>
@@ -4416,12 +4186,10 @@
       </p:sp>
       <p:sp>
         <p:nvSpPr>
-          <p:cNvPr id="42" name="Shape 42"/>
-          <p:cNvSpPr txBox="1">
-            <a:spLocks noGrp="1"/>
-          </p:cNvSpPr>
+          <p:cNvPr id="46" name="Shape 46"/>
+          <p:cNvSpPr txBox="1"/>
           <p:nvPr>
-            <p:ph type="subTitle" idx="1"/>
+            <p:ph idx="1" type="subTitle"/>
           </p:nvPr>
         </p:nvSpPr>
         <p:spPr>
@@ -4434,12 +4202,12 @@
           </a:prstGeom>
         </p:spPr>
         <p:txBody>
-          <a:bodyPr lIns="91425" tIns="91425" rIns="91425" bIns="91425" anchor="ctr" anchorCtr="0">
+          <a:bodyPr anchorCtr="0" anchor="ctr" bIns="91425" lIns="91425" rIns="91425" tIns="91425">
             <a:noAutofit/>
           </a:bodyPr>
           <a:lstStyle/>
           <a:p>
-            <a:pPr>
+            <a:pPr lvl="0">
               <a:spcBef>
                 <a:spcPts val="0"/>
               </a:spcBef>
@@ -4464,11 +4232,11 @@
 </file>
 
 <file path=ppt/slides/slide10.xml><?xml version="1.0" encoding="utf-8"?>
-<p:sld xmlns:a="http://schemas.openxmlformats.org/drawingml/2006/main" xmlns:r="http://schemas.openxmlformats.org/officeDocument/2006/relationships" xmlns:p="http://schemas.openxmlformats.org/presentationml/2006/main">
+<p:sld xmlns:a="http://schemas.openxmlformats.org/drawingml/2006/main" xmlns:r="http://schemas.openxmlformats.org/officeDocument/2006/relationships" xmlns:mc="http://schemas.openxmlformats.org/markup-compatibility/2006" xmlns:mv="urn:schemas-microsoft-com:mac:vml" xmlns:p="http://schemas.openxmlformats.org/presentationml/2006/main" xmlns:c="http://schemas.openxmlformats.org/drawingml/2006/chart" xmlns:dgm="http://schemas.openxmlformats.org/drawingml/2006/diagram" xmlns:o="urn:schemas-microsoft-com:office:office" xmlns:v="urn:schemas-microsoft-com:vml" xmlns:pvml="urn:schemas-microsoft-com:office:powerpoint" xmlns:com="http://schemas.openxmlformats.org/drawingml/2006/compatibility" xmlns:p14="http://schemas.microsoft.com/office/powerpoint/2010/main">
   <p:cSld>
     <p:spTree>
       <p:nvGrpSpPr>
-        <p:cNvPr id="1" name="Shape 103"/>
+        <p:cNvPr id="107" name="Shape 107"/>
         <p:cNvGrpSpPr/>
         <p:nvPr/>
       </p:nvGrpSpPr>
@@ -4482,10 +4250,8 @@
       </p:grpSpPr>
       <p:sp>
         <p:nvSpPr>
-          <p:cNvPr id="104" name="Shape 104"/>
-          <p:cNvSpPr txBox="1">
-            <a:spLocks noGrp="1"/>
-          </p:cNvSpPr>
+          <p:cNvPr id="108" name="Shape 108"/>
+          <p:cNvSpPr txBox="1"/>
           <p:nvPr>
             <p:ph type="title"/>
           </p:nvPr>
@@ -4500,12 +4266,12 @@
           </a:prstGeom>
         </p:spPr>
         <p:txBody>
-          <a:bodyPr lIns="91425" tIns="91425" rIns="91425" bIns="91425" anchor="b" anchorCtr="0">
+          <a:bodyPr anchorCtr="0" anchor="b" bIns="91425" lIns="91425" rIns="91425" tIns="91425">
             <a:noAutofit/>
           </a:bodyPr>
           <a:lstStyle/>
           <a:p>
-            <a:pPr>
+            <a:pPr lvl="0">
               <a:spcBef>
                 <a:spcPts val="0"/>
               </a:spcBef>
@@ -4520,12 +4286,10 @@
       </p:sp>
       <p:sp>
         <p:nvSpPr>
-          <p:cNvPr id="105" name="Shape 105"/>
-          <p:cNvSpPr txBox="1">
-            <a:spLocks noGrp="1"/>
-          </p:cNvSpPr>
+          <p:cNvPr id="109" name="Shape 109"/>
+          <p:cNvSpPr txBox="1"/>
           <p:nvPr>
-            <p:ph type="body" idx="1"/>
+            <p:ph idx="1" type="body"/>
           </p:nvPr>
         </p:nvSpPr>
         <p:spPr>
@@ -4538,12 +4302,12 @@
           </a:prstGeom>
         </p:spPr>
         <p:txBody>
-          <a:bodyPr lIns="91425" tIns="91425" rIns="91425" bIns="91425" anchor="t" anchorCtr="0">
+          <a:bodyPr anchorCtr="0" anchor="t" bIns="91425" lIns="91425" rIns="91425" tIns="91425">
             <a:noAutofit/>
           </a:bodyPr>
           <a:lstStyle/>
           <a:p>
-            <a:pPr marL="457200" lvl="0" indent="-228600" rtl="0">
+            <a:pPr indent="-228600" lvl="0" marL="457200" rtl="0">
               <a:spcBef>
                 <a:spcPts val="0"/>
               </a:spcBef>
@@ -4554,7 +4318,7 @@
             </a:r>
           </a:p>
           <a:p>
-            <a:pPr marL="457200" lvl="0" indent="-228600" rtl="0">
+            <a:pPr indent="-228600" lvl="0" marL="457200" rtl="0">
               <a:spcBef>
                 <a:spcPts val="0"/>
               </a:spcBef>
@@ -4565,7 +4329,7 @@
             </a:r>
           </a:p>
           <a:p>
-            <a:pPr marL="457200" lvl="0" indent="-228600">
+            <a:pPr indent="-228600" lvl="0" marL="457200">
               <a:spcBef>
                 <a:spcPts val="0"/>
               </a:spcBef>
@@ -4589,11 +4353,11 @@
 </file>
 
 <file path=ppt/slides/slide11.xml><?xml version="1.0" encoding="utf-8"?>
-<p:sld xmlns:a="http://schemas.openxmlformats.org/drawingml/2006/main" xmlns:r="http://schemas.openxmlformats.org/officeDocument/2006/relationships" xmlns:p="http://schemas.openxmlformats.org/presentationml/2006/main">
+<p:sld xmlns:a="http://schemas.openxmlformats.org/drawingml/2006/main" xmlns:r="http://schemas.openxmlformats.org/officeDocument/2006/relationships" xmlns:mc="http://schemas.openxmlformats.org/markup-compatibility/2006" xmlns:mv="urn:schemas-microsoft-com:mac:vml" xmlns:p="http://schemas.openxmlformats.org/presentationml/2006/main" xmlns:c="http://schemas.openxmlformats.org/drawingml/2006/chart" xmlns:dgm="http://schemas.openxmlformats.org/drawingml/2006/diagram" xmlns:o="urn:schemas-microsoft-com:office:office" xmlns:v="urn:schemas-microsoft-com:vml" xmlns:pvml="urn:schemas-microsoft-com:office:powerpoint" xmlns:com="http://schemas.openxmlformats.org/drawingml/2006/compatibility" xmlns:p14="http://schemas.microsoft.com/office/powerpoint/2010/main">
   <p:cSld>
     <p:spTree>
       <p:nvGrpSpPr>
-        <p:cNvPr id="1" name="Shape 109"/>
+        <p:cNvPr id="113" name="Shape 113"/>
         <p:cNvGrpSpPr/>
         <p:nvPr/>
       </p:nvGrpSpPr>
@@ -4607,10 +4371,8 @@
       </p:grpSpPr>
       <p:sp>
         <p:nvSpPr>
-          <p:cNvPr id="110" name="Shape 110"/>
-          <p:cNvSpPr txBox="1">
-            <a:spLocks noGrp="1"/>
-          </p:cNvSpPr>
+          <p:cNvPr id="114" name="Shape 114"/>
+          <p:cNvSpPr txBox="1"/>
           <p:nvPr>
             <p:ph type="title"/>
           </p:nvPr>
@@ -4625,12 +4387,12 @@
           </a:prstGeom>
         </p:spPr>
         <p:txBody>
-          <a:bodyPr lIns="91425" tIns="91425" rIns="91425" bIns="91425" anchor="b" anchorCtr="0">
+          <a:bodyPr anchorCtr="0" anchor="b" bIns="91425" lIns="91425" rIns="91425" tIns="91425">
             <a:noAutofit/>
           </a:bodyPr>
           <a:lstStyle/>
           <a:p>
-            <a:pPr>
+            <a:pPr lvl="0">
               <a:spcBef>
                 <a:spcPts val="0"/>
               </a:spcBef>
@@ -4645,12 +4407,10 @@
       </p:sp>
       <p:sp>
         <p:nvSpPr>
-          <p:cNvPr id="111" name="Shape 111"/>
-          <p:cNvSpPr txBox="1">
-            <a:spLocks noGrp="1"/>
-          </p:cNvSpPr>
+          <p:cNvPr id="115" name="Shape 115"/>
+          <p:cNvSpPr txBox="1"/>
           <p:nvPr>
-            <p:ph type="body" idx="1"/>
+            <p:ph idx="1" type="body"/>
           </p:nvPr>
         </p:nvSpPr>
         <p:spPr>
@@ -4663,12 +4423,12 @@
           </a:prstGeom>
         </p:spPr>
         <p:txBody>
-          <a:bodyPr lIns="91425" tIns="91425" rIns="91425" bIns="91425" anchor="t" anchorCtr="0">
+          <a:bodyPr anchorCtr="0" anchor="t" bIns="91425" lIns="91425" rIns="91425" tIns="91425">
             <a:noAutofit/>
           </a:bodyPr>
           <a:lstStyle/>
           <a:p>
-            <a:pPr marL="457200" lvl="0" indent="-228600" rtl="0">
+            <a:pPr indent="-381000" lvl="0" marL="457200" rtl="0">
               <a:spcBef>
                 <a:spcPts val="0"/>
               </a:spcBef>
@@ -4680,7 +4440,7 @@
             </a:r>
           </a:p>
           <a:p>
-            <a:pPr marL="457200" lvl="0" indent="-228600" rtl="0">
+            <a:pPr indent="-381000" lvl="0" marL="457200" rtl="0">
               <a:spcBef>
                 <a:spcPts val="0"/>
               </a:spcBef>
@@ -4692,7 +4452,7 @@
             </a:r>
           </a:p>
           <a:p>
-            <a:pPr marL="914400" lvl="1" indent="-228600" rtl="0">
+            <a:pPr indent="-342900" lvl="1" marL="914400" rtl="0">
               <a:spcBef>
                 <a:spcPts val="0"/>
               </a:spcBef>
@@ -4744,7 +4504,7 @@
             </a:r>
           </a:p>
           <a:p>
-            <a:pPr marL="914400" lvl="1" indent="-228600" rtl="0">
+            <a:pPr indent="-342900" lvl="1" marL="914400" rtl="0">
               <a:spcBef>
                 <a:spcPts val="0"/>
               </a:spcBef>
@@ -4820,7 +4580,7 @@
             </a:r>
           </a:p>
           <a:p>
-            <a:pPr marL="914400" lvl="1" indent="-228600" rtl="0">
+            <a:pPr indent="-342900" lvl="1" marL="914400" rtl="0">
               <a:spcBef>
                 <a:spcPts val="0"/>
               </a:spcBef>
@@ -4848,7 +4608,7 @@
             </a:r>
           </a:p>
           <a:p>
-            <a:pPr marL="457200" lvl="0" indent="-228600" rtl="0">
+            <a:pPr indent="-381000" lvl="0" marL="457200" rtl="0">
               <a:spcBef>
                 <a:spcPts val="0"/>
               </a:spcBef>
@@ -4860,7 +4620,7 @@
             </a:r>
           </a:p>
           <a:p>
-            <a:pPr marL="457200" lvl="0" indent="-228600">
+            <a:pPr indent="-381000" lvl="0" marL="457200">
               <a:spcBef>
                 <a:spcPts val="0"/>
               </a:spcBef>
@@ -4885,11 +4645,11 @@
 </file>
 
 <file path=ppt/slides/slide12.xml><?xml version="1.0" encoding="utf-8"?>
-<p:sld xmlns:a="http://schemas.openxmlformats.org/drawingml/2006/main" xmlns:r="http://schemas.openxmlformats.org/officeDocument/2006/relationships" xmlns:p="http://schemas.openxmlformats.org/presentationml/2006/main">
+<p:sld xmlns:a="http://schemas.openxmlformats.org/drawingml/2006/main" xmlns:r="http://schemas.openxmlformats.org/officeDocument/2006/relationships" xmlns:mc="http://schemas.openxmlformats.org/markup-compatibility/2006" xmlns:mv="urn:schemas-microsoft-com:mac:vml" xmlns:p="http://schemas.openxmlformats.org/presentationml/2006/main" xmlns:c="http://schemas.openxmlformats.org/drawingml/2006/chart" xmlns:dgm="http://schemas.openxmlformats.org/drawingml/2006/diagram" xmlns:o="urn:schemas-microsoft-com:office:office" xmlns:v="urn:schemas-microsoft-com:vml" xmlns:pvml="urn:schemas-microsoft-com:office:powerpoint" xmlns:com="http://schemas.openxmlformats.org/drawingml/2006/compatibility" xmlns:p14="http://schemas.microsoft.com/office/powerpoint/2010/main">
   <p:cSld>
     <p:spTree>
       <p:nvGrpSpPr>
-        <p:cNvPr id="1" name="Shape 115"/>
+        <p:cNvPr id="119" name="Shape 119"/>
         <p:cNvGrpSpPr/>
         <p:nvPr/>
       </p:nvGrpSpPr>
@@ -4903,10 +4663,8 @@
       </p:grpSpPr>
       <p:sp>
         <p:nvSpPr>
-          <p:cNvPr id="116" name="Shape 116"/>
-          <p:cNvSpPr txBox="1">
-            <a:spLocks noGrp="1"/>
-          </p:cNvSpPr>
+          <p:cNvPr id="120" name="Shape 120"/>
+          <p:cNvSpPr txBox="1"/>
           <p:nvPr>
             <p:ph type="title"/>
           </p:nvPr>
@@ -4921,12 +4679,12 @@
           </a:prstGeom>
         </p:spPr>
         <p:txBody>
-          <a:bodyPr lIns="91425" tIns="91425" rIns="91425" bIns="91425" anchor="b" anchorCtr="0">
+          <a:bodyPr anchorCtr="0" anchor="b" bIns="91425" lIns="91425" rIns="91425" tIns="91425">
             <a:noAutofit/>
           </a:bodyPr>
           <a:lstStyle/>
           <a:p>
-            <a:pPr>
+            <a:pPr lvl="0">
               <a:spcBef>
                 <a:spcPts val="0"/>
               </a:spcBef>
@@ -4941,12 +4699,10 @@
       </p:sp>
       <p:sp>
         <p:nvSpPr>
-          <p:cNvPr id="117" name="Shape 117"/>
-          <p:cNvSpPr txBox="1">
-            <a:spLocks noGrp="1"/>
-          </p:cNvSpPr>
+          <p:cNvPr id="121" name="Shape 121"/>
+          <p:cNvSpPr txBox="1"/>
           <p:nvPr>
-            <p:ph type="body" idx="1"/>
+            <p:ph idx="1" type="body"/>
           </p:nvPr>
         </p:nvSpPr>
         <p:spPr>
@@ -4959,12 +4715,12 @@
           </a:prstGeom>
         </p:spPr>
         <p:txBody>
-          <a:bodyPr lIns="91425" tIns="91425" rIns="91425" bIns="91425" anchor="t" anchorCtr="0">
+          <a:bodyPr anchorCtr="0" anchor="t" bIns="91425" lIns="91425" rIns="91425" tIns="91425">
             <a:noAutofit/>
           </a:bodyPr>
           <a:lstStyle/>
           <a:p>
-            <a:pPr marL="457200" lvl="0" indent="-228600" rtl="0">
+            <a:pPr indent="-342900" lvl="0" marL="457200" rtl="0">
               <a:spcBef>
                 <a:spcPts val="0"/>
               </a:spcBef>
@@ -4976,7 +4732,7 @@
             </a:r>
           </a:p>
           <a:p>
-            <a:pPr marL="914400" lvl="1" indent="-228600" rtl="0">
+            <a:pPr indent="-323850" lvl="1" marL="914400" rtl="0">
               <a:spcBef>
                 <a:spcPts val="0"/>
               </a:spcBef>
@@ -5012,7 +4768,7 @@
             </a:r>
           </a:p>
           <a:p>
-            <a:pPr marL="914400" lvl="1" indent="-228600" rtl="0">
+            <a:pPr indent="-323850" lvl="1" marL="914400" rtl="0">
               <a:spcBef>
                 <a:spcPts val="0"/>
               </a:spcBef>
@@ -5075,14 +4831,14 @@
             </a:r>
           </a:p>
           <a:p>
-            <a:pPr marL="457200" lvl="0" indent="-228600" rtl="0">
-              <a:spcBef>
-                <a:spcPts val="0"/>
-              </a:spcBef>
-              <a:buSzPct val="100000"/>
-            </a:pPr>
-            <a:r>
-              <a:rPr lang="es" sz="1900" i="1">
+            <a:pPr indent="-349250" lvl="0" marL="457200" rtl="0">
+              <a:spcBef>
+                <a:spcPts val="0"/>
+              </a:spcBef>
+              <a:buSzPct val="100000"/>
+            </a:pPr>
+            <a:r>
+              <a:rPr i="1" lang="es" sz="1900">
                 <a:solidFill>
                   <a:srgbClr val="38761D"/>
                 </a:solidFill>
@@ -5094,7 +4850,7 @@
               <a:t>delegará en </a:t>
             </a:r>
             <a:r>
-              <a:rPr lang="es" sz="1900" i="1">
+              <a:rPr i="1" lang="es" sz="1900">
                 <a:solidFill>
                   <a:srgbClr val="38761D"/>
                 </a:solidFill>
@@ -5102,12 +4858,12 @@
               <a:t>controladorEmpleadoCrear.php</a:t>
             </a:r>
             <a:r>
-              <a:rPr lang="es" sz="1900" i="1"/>
+              <a:rPr i="1" lang="es" sz="1900"/>
               <a:t> </a:t>
             </a:r>
           </a:p>
           <a:p>
-            <a:pPr marL="914400" lvl="1" indent="-228600" rtl="0">
+            <a:pPr indent="-317500" lvl="1" marL="914400" rtl="0">
               <a:spcBef>
                 <a:spcPts val="0"/>
               </a:spcBef>
@@ -5119,7 +4875,7 @@
             </a:r>
           </a:p>
           <a:p>
-            <a:pPr marL="914400" lvl="0" indent="457200" rtl="0">
+            <a:pPr indent="457200" lvl="0" marL="914400" rtl="0">
               <a:spcBef>
                 <a:spcPts val="0"/>
               </a:spcBef>
@@ -5131,7 +4887,7 @@
             </a:r>
           </a:p>
           <a:p>
-            <a:pPr marL="457200" lvl="0" indent="-228600" rtl="0">
+            <a:pPr indent="-349250" lvl="0" marL="457200" rtl="0">
               <a:spcBef>
                 <a:spcPts val="0"/>
               </a:spcBef>
@@ -5143,7 +4899,7 @@
             </a:r>
           </a:p>
           <a:p>
-            <a:pPr marL="914400" lvl="1" indent="-228600" rtl="0">
+            <a:pPr indent="-317500" lvl="1" marL="914400" rtl="0">
               <a:spcBef>
                 <a:spcPts val="0"/>
               </a:spcBef>
@@ -5162,7 +4918,7 @@
               <a:t> “colgando” todos del </a:t>
             </a:r>
             <a:r>
-              <a:rPr lang="es" sz="1400" i="1"/>
+              <a:rPr i="1" lang="es" sz="1400"/>
               <a:t>DocumentRoot </a:t>
             </a:r>
             <a:r>
@@ -5171,7 +4927,7 @@
             </a:r>
           </a:p>
           <a:p>
-            <a:pPr marL="914400" lvl="1" indent="-228600">
+            <a:pPr indent="-317500" lvl="1" marL="914400">
               <a:spcBef>
                 <a:spcPts val="0"/>
               </a:spcBef>
@@ -5196,11 +4952,11 @@
 </file>
 
 <file path=ppt/slides/slide13.xml><?xml version="1.0" encoding="utf-8"?>
-<p:sld xmlns:a="http://schemas.openxmlformats.org/drawingml/2006/main" xmlns:r="http://schemas.openxmlformats.org/officeDocument/2006/relationships" xmlns:p="http://schemas.openxmlformats.org/presentationml/2006/main">
+<p:sld xmlns:a="http://schemas.openxmlformats.org/drawingml/2006/main" xmlns:r="http://schemas.openxmlformats.org/officeDocument/2006/relationships" xmlns:mc="http://schemas.openxmlformats.org/markup-compatibility/2006" xmlns:mv="urn:schemas-microsoft-com:mac:vml" xmlns:p="http://schemas.openxmlformats.org/presentationml/2006/main" xmlns:c="http://schemas.openxmlformats.org/drawingml/2006/chart" xmlns:dgm="http://schemas.openxmlformats.org/drawingml/2006/diagram" xmlns:o="urn:schemas-microsoft-com:office:office" xmlns:v="urn:schemas-microsoft-com:vml" xmlns:pvml="urn:schemas-microsoft-com:office:powerpoint" xmlns:com="http://schemas.openxmlformats.org/drawingml/2006/compatibility" xmlns:p14="http://schemas.microsoft.com/office/powerpoint/2010/main">
   <p:cSld>
     <p:spTree>
       <p:nvGrpSpPr>
-        <p:cNvPr id="1" name="Shape 121"/>
+        <p:cNvPr id="125" name="Shape 125"/>
         <p:cNvGrpSpPr/>
         <p:nvPr/>
       </p:nvGrpSpPr>
@@ -5214,10 +4970,8 @@
       </p:grpSpPr>
       <p:sp>
         <p:nvSpPr>
-          <p:cNvPr id="122" name="Shape 122"/>
-          <p:cNvSpPr txBox="1">
-            <a:spLocks noGrp="1"/>
-          </p:cNvSpPr>
+          <p:cNvPr id="126" name="Shape 126"/>
+          <p:cNvSpPr txBox="1"/>
           <p:nvPr>
             <p:ph type="title"/>
           </p:nvPr>
@@ -5232,12 +4986,12 @@
           </a:prstGeom>
         </p:spPr>
         <p:txBody>
-          <a:bodyPr lIns="91425" tIns="91425" rIns="91425" bIns="91425" anchor="b" anchorCtr="0">
+          <a:bodyPr anchorCtr="0" anchor="b" bIns="91425" lIns="91425" rIns="91425" tIns="91425">
             <a:noAutofit/>
           </a:bodyPr>
           <a:lstStyle/>
           <a:p>
-            <a:pPr>
+            <a:pPr lvl="0">
               <a:spcBef>
                 <a:spcPts val="0"/>
               </a:spcBef>
@@ -5252,12 +5006,10 @@
       </p:sp>
       <p:sp>
         <p:nvSpPr>
-          <p:cNvPr id="123" name="Shape 123"/>
-          <p:cNvSpPr txBox="1">
-            <a:spLocks noGrp="1"/>
-          </p:cNvSpPr>
+          <p:cNvPr id="127" name="Shape 127"/>
+          <p:cNvSpPr txBox="1"/>
           <p:nvPr>
-            <p:ph type="body" idx="1"/>
+            <p:ph idx="1" type="body"/>
           </p:nvPr>
         </p:nvSpPr>
         <p:spPr>
@@ -5270,35 +5022,35 @@
           </a:prstGeom>
         </p:spPr>
         <p:txBody>
-          <a:bodyPr lIns="91425" tIns="91425" rIns="91425" bIns="91425" anchor="t" anchorCtr="0">
+          <a:bodyPr anchorCtr="0" anchor="t" bIns="91425" lIns="91425" rIns="91425" tIns="91425">
             <a:noAutofit/>
           </a:bodyPr>
           <a:lstStyle/>
           <a:p>
-            <a:pPr marL="457200" lvl="0" indent="-228600" rtl="0">
-              <a:spcBef>
-                <a:spcPts val="0"/>
-              </a:spcBef>
-              <a:buSzPct val="100000"/>
-            </a:pPr>
-            <a:r>
-              <a:rPr lang="es" sz="1600" dirty="0"/>
+            <a:pPr indent="-330200" lvl="0" marL="457200" rtl="0">
+              <a:spcBef>
+                <a:spcPts val="0"/>
+              </a:spcBef>
+              <a:buSzPct val="100000"/>
+            </a:pPr>
+            <a:r>
+              <a:rPr lang="es" sz="1600"/>
               <a:t>Una forma más elegante de indicar qué controlador/acción queremos es mediante reescritura de URL en lugar de vía GET, dejando esta vía abierta, así como la vía POST para el paso de parámetros habituales.</a:t>
             </a:r>
           </a:p>
           <a:p>
-            <a:pPr marL="457200" lvl="0" indent="-228600" rtl="0">
-              <a:spcBef>
-                <a:spcPts val="0"/>
-              </a:spcBef>
-              <a:buSzPct val="100000"/>
-            </a:pPr>
-            <a:r>
-              <a:rPr lang="es" sz="1600" dirty="0"/>
+            <a:pPr indent="-330200" lvl="0" marL="457200" rtl="0">
+              <a:spcBef>
+                <a:spcPts val="0"/>
+              </a:spcBef>
+              <a:buSzPct val="100000"/>
+            </a:pPr>
+            <a:r>
+              <a:rPr lang="es" sz="1600"/>
               <a:t>Utilizando un sencillo fichero </a:t>
             </a:r>
             <a:r>
-              <a:rPr lang="es" sz="1600" dirty="0">
+              <a:rPr lang="es" sz="1600">
                 <a:solidFill>
                   <a:srgbClr val="980000"/>
                 </a:solidFill>
@@ -5306,7 +5058,7 @@
               <a:t>.htaccess</a:t>
             </a:r>
             <a:r>
-              <a:rPr lang="es" sz="1600" dirty="0"/>
+              <a:rPr lang="es" sz="1600"/>
               <a:t> ubicado en el documentRoot se pueden indicar los controladores/acciones mediante “/” de directorio.</a:t>
             </a:r>
           </a:p>
@@ -5318,7 +5070,7 @@
               <a:buNone/>
             </a:pPr>
             <a:r>
-              <a:rPr lang="es" sz="1800" dirty="0"/>
+              <a:rPr lang="es" sz="1800"/>
               <a:t>	</a:t>
             </a:r>
           </a:p>
@@ -5329,21 +5081,24 @@
               </a:spcBef>
               <a:buNone/>
             </a:pPr>
-            <a:endParaRPr sz="1800" dirty="0"/>
-          </a:p>
-          <a:p>
-            <a:pPr marL="457200" lvl="0" indent="-228600" rtl="0">
-              <a:spcBef>
-                <a:spcPts val="0"/>
-              </a:spcBef>
-              <a:buSzPct val="100000"/>
-            </a:pPr>
-            <a:r>
-              <a:rPr lang="es" sz="1600" dirty="0"/>
+            <a:r>
+              <a:t/>
+            </a:r>
+            <a:endParaRPr sz="1800"/>
+          </a:p>
+          <a:p>
+            <a:pPr indent="-330200" lvl="0" marL="457200" rtl="0">
+              <a:spcBef>
+                <a:spcPts val="0"/>
+              </a:spcBef>
+              <a:buSzPct val="100000"/>
+            </a:pPr>
+            <a:r>
+              <a:rPr lang="es" sz="1600"/>
               <a:t>La URI que utilizaremos será del estilo http://sitio.com/docRoot/</a:t>
             </a:r>
             <a:r>
-              <a:rPr lang="es" sz="1600" dirty="0">
+              <a:rPr lang="es" sz="1600">
                 <a:solidFill>
                   <a:srgbClr val="0000FF"/>
                 </a:solidFill>
@@ -5351,7 +5106,7 @@
               <a:t>empleado/</a:t>
             </a:r>
             <a:r>
-              <a:rPr lang="es" sz="1600" dirty="0">
+              <a:rPr lang="es" sz="1600">
                 <a:solidFill>
                   <a:srgbClr val="FF0000"/>
                 </a:solidFill>
@@ -5360,50 +5115,50 @@
             </a:r>
           </a:p>
           <a:p>
-            <a:pPr marL="457200" lvl="0" indent="-228600" rtl="0">
-              <a:spcBef>
-                <a:spcPts val="0"/>
-              </a:spcBef>
-              <a:buSzPct val="100000"/>
-            </a:pPr>
-            <a:r>
-              <a:rPr lang="es" sz="1600" dirty="0"/>
+            <a:pPr indent="-330200" lvl="0" marL="457200" rtl="0">
+              <a:spcBef>
+                <a:spcPts val="0"/>
+              </a:spcBef>
+              <a:buSzPct val="100000"/>
+            </a:pPr>
+            <a:r>
+              <a:rPr lang="es" sz="1600"/>
               <a:t>A partir de aquí podremos “trocear” fácilmente la URI, valiéndonos de la función “explode()”, y de las variables superglobales </a:t>
             </a:r>
             <a:r>
-              <a:rPr lang="es" sz="1600" b="1" dirty="0"/>
+              <a:rPr b="1" lang="es" sz="1600"/>
               <a:t>$_SERVER ['REQUEST_URI']</a:t>
             </a:r>
             <a:r>
-              <a:rPr lang="es" sz="1600" dirty="0"/>
+              <a:rPr lang="es" sz="1600"/>
               <a:t> y </a:t>
             </a:r>
             <a:r>
-              <a:rPr lang="es" sz="1600" b="1" dirty="0"/>
+              <a:rPr b="1" lang="es" sz="1600"/>
               <a:t>$_SERVER ['SCRIPT_NAME']</a:t>
             </a:r>
           </a:p>
           <a:p>
-            <a:pPr marL="457200" lvl="0" indent="-228600">
-              <a:spcBef>
-                <a:spcPts val="0"/>
-              </a:spcBef>
-              <a:buSzPct val="100000"/>
-            </a:pPr>
-            <a:r>
-              <a:rPr lang="es" sz="1600" dirty="0"/>
+            <a:pPr indent="-330200" lvl="0" marL="457200">
+              <a:spcBef>
+                <a:spcPts val="0"/>
+              </a:spcBef>
+              <a:buSzPct val="100000"/>
+            </a:pPr>
+            <a:r>
+              <a:rPr lang="es" sz="1600"/>
               <a:t>Para evitar este comportamiento de reescritura en determinados directorios (p.ej. “img”, “css”) bastaría con ubicar ahí un </a:t>
             </a:r>
             <a:r>
-              <a:rPr lang="es" sz="1600" b="1" dirty="0"/>
+              <a:rPr b="1" lang="es" sz="1600"/>
               <a:t>.htaccess</a:t>
             </a:r>
             <a:r>
-              <a:rPr lang="es" sz="1600" dirty="0"/>
+              <a:rPr lang="es" sz="1600"/>
               <a:t> que contenga “</a:t>
             </a:r>
             <a:r>
-              <a:rPr lang="es" sz="1600" dirty="0">
+              <a:rPr lang="es" sz="1600">
                 <a:solidFill>
                   <a:srgbClr val="A64D79"/>
                 </a:solidFill>
@@ -5411,7 +5166,7 @@
               <a:t>RewriteEngine Off</a:t>
             </a:r>
             <a:r>
-              <a:rPr lang="es" sz="1600" dirty="0"/>
+              <a:rPr lang="es" sz="1600"/>
               <a:t>”</a:t>
             </a:r>
           </a:p>
@@ -5419,44 +5174,40 @@
       </p:sp>
       <p:graphicFrame>
         <p:nvGraphicFramePr>
-          <p:cNvPr id="124" name="Shape 124"/>
+          <p:cNvPr id="128" name="Shape 128"/>
           <p:cNvGraphicFramePr/>
-          <p:nvPr>
-            <p:extLst>
-              <p:ext uri="{D42A27DB-BD31-4B8C-83A1-F6EECF244321}">
-                <p14:modId xmlns:p14="http://schemas.microsoft.com/office/powerpoint/2010/main" val="363485526"/>
-              </p:ext>
-            </p:extLst>
-          </p:nvPr>
+          <p:nvPr/>
         </p:nvGraphicFramePr>
         <p:xfrm>
-          <a:off x="1115616" y="2427734"/>
-          <a:ext cx="7239000" cy="681577"/>
+          <a:off x="1024450" y="2774900"/>
+          <a:ext cx="3000000" cy="3000000"/>
         </p:xfrm>
         <a:graphic>
           <a:graphicData uri="http://schemas.openxmlformats.org/drawingml/2006/table">
             <a:tbl>
               <a:tblPr>
                 <a:noFill/>
-                <a:tableStyleId>{1B9F828B-B9E3-4BF3-836A-5BAFF834C6F9}</a:tableStyleId>
+                <a:tableStyleId>{8FC739BC-F073-4460-9536-2663FF5DE716}</a:tableStyleId>
               </a:tblPr>
               <a:tblGrid>
                 <a:gridCol w="7239000"/>
               </a:tblGrid>
-              <a:tr h="681577">
+              <a:tr h="381000">
                 <a:tc>
                   <a:txBody>
-                    <a:bodyPr/>
+                    <a:bodyPr>
+                      <a:noAutofit/>
+                    </a:bodyPr>
                     <a:lstStyle/>
                     <a:p>
-                      <a:pPr rtl="0">
+                      <a:pPr lvl="0" rtl="0">
                         <a:spcBef>
                           <a:spcPts val="0"/>
                         </a:spcBef>
                         <a:buNone/>
                       </a:pPr>
                       <a:r>
-                        <a:rPr lang="es" dirty="0">
+                        <a:rPr lang="es">
                           <a:solidFill>
                             <a:srgbClr val="741B47"/>
                           </a:solidFill>
@@ -5465,14 +5216,14 @@
                       </a:r>
                     </a:p>
                     <a:p>
-                      <a:pPr>
+                      <a:pPr lvl="0">
                         <a:spcBef>
                           <a:spcPts val="0"/>
                         </a:spcBef>
                         <a:buNone/>
                       </a:pPr>
                       <a:r>
-                        <a:rPr lang="es" dirty="0">
+                        <a:rPr lang="es">
                           <a:solidFill>
                             <a:srgbClr val="741B47"/>
                           </a:solidFill>
@@ -5481,7 +5232,7 @@
                       </a:r>
                     </a:p>
                   </a:txBody>
-                  <a:tcPr marL="91425" marR="91425" marT="91425" marB="91425"/>
+                  <a:tcPr marT="91425" marB="91425" marR="91425" marL="91425"/>
                 </a:tc>
               </a:tr>
             </a:tbl>
@@ -5500,11 +5251,11 @@
 </file>
 
 <file path=ppt/slides/slide2.xml><?xml version="1.0" encoding="utf-8"?>
-<p:sld xmlns:a="http://schemas.openxmlformats.org/drawingml/2006/main" xmlns:r="http://schemas.openxmlformats.org/officeDocument/2006/relationships" xmlns:p="http://schemas.openxmlformats.org/presentationml/2006/main">
+<p:sld xmlns:a="http://schemas.openxmlformats.org/drawingml/2006/main" xmlns:r="http://schemas.openxmlformats.org/officeDocument/2006/relationships" xmlns:mc="http://schemas.openxmlformats.org/markup-compatibility/2006" xmlns:mv="urn:schemas-microsoft-com:mac:vml" xmlns:p="http://schemas.openxmlformats.org/presentationml/2006/main" xmlns:c="http://schemas.openxmlformats.org/drawingml/2006/chart" xmlns:dgm="http://schemas.openxmlformats.org/drawingml/2006/diagram" xmlns:o="urn:schemas-microsoft-com:office:office" xmlns:v="urn:schemas-microsoft-com:vml" xmlns:pvml="urn:schemas-microsoft-com:office:powerpoint" xmlns:com="http://schemas.openxmlformats.org/drawingml/2006/compatibility" xmlns:p14="http://schemas.microsoft.com/office/powerpoint/2010/main">
   <p:cSld>
     <p:spTree>
       <p:nvGrpSpPr>
-        <p:cNvPr id="1" name="Shape 46"/>
+        <p:cNvPr id="50" name="Shape 50"/>
         <p:cNvGrpSpPr/>
         <p:nvPr/>
       </p:nvGrpSpPr>
@@ -5518,10 +5269,8 @@
       </p:grpSpPr>
       <p:sp>
         <p:nvSpPr>
-          <p:cNvPr id="47" name="Shape 47"/>
-          <p:cNvSpPr txBox="1">
-            <a:spLocks noGrp="1"/>
-          </p:cNvSpPr>
+          <p:cNvPr id="51" name="Shape 51"/>
+          <p:cNvSpPr txBox="1"/>
           <p:nvPr>
             <p:ph type="title"/>
           </p:nvPr>
@@ -5536,12 +5285,12 @@
           </a:prstGeom>
         </p:spPr>
         <p:txBody>
-          <a:bodyPr lIns="91425" tIns="91425" rIns="91425" bIns="91425" anchor="b" anchorCtr="0">
+          <a:bodyPr anchorCtr="0" anchor="b" bIns="91425" lIns="91425" rIns="91425" tIns="91425">
             <a:noAutofit/>
           </a:bodyPr>
           <a:lstStyle/>
           <a:p>
-            <a:pPr>
+            <a:pPr lvl="0">
               <a:spcBef>
                 <a:spcPts val="0"/>
               </a:spcBef>
@@ -5556,12 +5305,10 @@
       </p:sp>
       <p:sp>
         <p:nvSpPr>
-          <p:cNvPr id="48" name="Shape 48"/>
-          <p:cNvSpPr txBox="1">
-            <a:spLocks noGrp="1"/>
-          </p:cNvSpPr>
+          <p:cNvPr id="52" name="Shape 52"/>
+          <p:cNvSpPr txBox="1"/>
           <p:nvPr>
-            <p:ph type="body" idx="1"/>
+            <p:ph idx="1" type="body"/>
           </p:nvPr>
         </p:nvSpPr>
         <p:spPr>
@@ -5574,12 +5321,12 @@
           </a:prstGeom>
         </p:spPr>
         <p:txBody>
-          <a:bodyPr lIns="91425" tIns="91425" rIns="91425" bIns="91425" anchor="t" anchorCtr="0">
+          <a:bodyPr anchorCtr="0" anchor="t" bIns="91425" lIns="91425" rIns="91425" tIns="91425">
             <a:noAutofit/>
           </a:bodyPr>
           <a:lstStyle/>
           <a:p>
-            <a:pPr marL="457200" lvl="0" indent="-228600" rtl="0">
+            <a:pPr indent="-349250" lvl="0" marL="457200" rtl="0">
               <a:spcBef>
                 <a:spcPts val="0"/>
               </a:spcBef>
@@ -5590,7 +5337,7 @@
               <a:t>La arquitectura MVC se refiere a la separación de las </a:t>
             </a:r>
             <a:r>
-              <a:rPr lang="es" sz="1900" b="1" i="1"/>
+              <a:rPr b="1" i="1" lang="es" sz="1900"/>
               <a:t>responsabilidades </a:t>
             </a:r>
             <a:r>
@@ -5599,14 +5346,14 @@
             </a:r>
           </a:p>
           <a:p>
-            <a:pPr marL="914400" lvl="1" indent="-228600" rtl="0">
-              <a:spcBef>
-                <a:spcPts val="0"/>
-              </a:spcBef>
-              <a:buSzPct val="100000"/>
-            </a:pPr>
-            <a:r>
-              <a:rPr lang="es" sz="1900" b="1" u="sng"/>
+            <a:pPr indent="-349250" lvl="1" marL="914400" rtl="0">
+              <a:spcBef>
+                <a:spcPts val="0"/>
+              </a:spcBef>
+              <a:buSzPct val="100000"/>
+            </a:pPr>
+            <a:r>
+              <a:rPr b="1" lang="es" sz="1900" u="sng"/>
               <a:t>Modelo</a:t>
             </a:r>
             <a:r>
@@ -5615,7 +5362,7 @@
             </a:r>
           </a:p>
           <a:p>
-            <a:pPr marL="1371600" lvl="2" indent="-228600" rtl="0">
+            <a:pPr indent="-342900" lvl="2" marL="1371600" rtl="0">
               <a:spcBef>
                 <a:spcPts val="0"/>
               </a:spcBef>
@@ -5639,14 +5386,14 @@
             </a:r>
           </a:p>
           <a:p>
-            <a:pPr marL="914400" lvl="1" indent="-228600" rtl="0">
-              <a:spcBef>
-                <a:spcPts val="0"/>
-              </a:spcBef>
-              <a:buSzPct val="100000"/>
-            </a:pPr>
-            <a:r>
-              <a:rPr lang="es" sz="1900" b="1" u="sng"/>
+            <a:pPr indent="-349250" lvl="1" marL="914400" rtl="0">
+              <a:spcBef>
+                <a:spcPts val="0"/>
+              </a:spcBef>
+              <a:buSzPct val="100000"/>
+            </a:pPr>
+            <a:r>
+              <a:rPr b="1" lang="es" sz="1900" u="sng"/>
               <a:t>Vista</a:t>
             </a:r>
             <a:r>
@@ -5655,7 +5402,7 @@
             </a:r>
           </a:p>
           <a:p>
-            <a:pPr marL="1371600" lvl="2" indent="-228600" rtl="0">
+            <a:pPr indent="-342900" lvl="2" marL="1371600" rtl="0">
               <a:spcBef>
                 <a:spcPts val="0"/>
               </a:spcBef>
@@ -5675,14 +5422,14 @@
             </a:r>
           </a:p>
           <a:p>
-            <a:pPr marL="914400" lvl="1" indent="-228600" rtl="0">
-              <a:spcBef>
-                <a:spcPts val="0"/>
-              </a:spcBef>
-              <a:buSzPct val="100000"/>
-            </a:pPr>
-            <a:r>
-              <a:rPr lang="es" sz="1900" b="1" u="sng"/>
+            <a:pPr indent="-349250" lvl="1" marL="914400" rtl="0">
+              <a:spcBef>
+                <a:spcPts val="0"/>
+              </a:spcBef>
+              <a:buSzPct val="100000"/>
+            </a:pPr>
+            <a:r>
+              <a:rPr b="1" lang="es" sz="1900" u="sng"/>
               <a:t>Controlador</a:t>
             </a:r>
             <a:r>
@@ -5691,7 +5438,7 @@
             </a:r>
           </a:p>
           <a:p>
-            <a:pPr marL="1371600" lvl="2" indent="-228600">
+            <a:pPr indent="-342900" lvl="2" marL="1371600">
               <a:spcBef>
                 <a:spcPts val="0"/>
               </a:spcBef>
@@ -5724,11 +5471,11 @@
 </file>
 
 <file path=ppt/slides/slide3.xml><?xml version="1.0" encoding="utf-8"?>
-<p:sld xmlns:a="http://schemas.openxmlformats.org/drawingml/2006/main" xmlns:r="http://schemas.openxmlformats.org/officeDocument/2006/relationships" xmlns:p="http://schemas.openxmlformats.org/presentationml/2006/main">
+<p:sld xmlns:a="http://schemas.openxmlformats.org/drawingml/2006/main" xmlns:r="http://schemas.openxmlformats.org/officeDocument/2006/relationships" xmlns:mc="http://schemas.openxmlformats.org/markup-compatibility/2006" xmlns:mv="urn:schemas-microsoft-com:mac:vml" xmlns:p="http://schemas.openxmlformats.org/presentationml/2006/main" xmlns:c="http://schemas.openxmlformats.org/drawingml/2006/chart" xmlns:dgm="http://schemas.openxmlformats.org/drawingml/2006/diagram" xmlns:o="urn:schemas-microsoft-com:office:office" xmlns:v="urn:schemas-microsoft-com:vml" xmlns:pvml="urn:schemas-microsoft-com:office:powerpoint" xmlns:com="http://schemas.openxmlformats.org/drawingml/2006/compatibility" xmlns:p14="http://schemas.microsoft.com/office/powerpoint/2010/main">
   <p:cSld>
     <p:spTree>
       <p:nvGrpSpPr>
-        <p:cNvPr id="1" name="Shape 52"/>
+        <p:cNvPr id="56" name="Shape 56"/>
         <p:cNvGrpSpPr/>
         <p:nvPr/>
       </p:nvGrpSpPr>
@@ -5742,7 +5489,7 @@
       </p:grpSpPr>
       <p:sp>
         <p:nvSpPr>
-          <p:cNvPr id="53" name="Shape 53"/>
+          <p:cNvPr id="57" name="Shape 57"/>
           <p:cNvSpPr txBox="1"/>
           <p:nvPr/>
         </p:nvSpPr>
@@ -5755,23 +5502,23 @@
             <a:avLst/>
           </a:prstGeom>
           <a:noFill/>
-          <a:ln w="9525" cap="flat" cmpd="sng">
+          <a:ln cap="flat" cmpd="sng" w="9525">
             <a:solidFill>
               <a:srgbClr val="4A86E8"/>
             </a:solidFill>
             <a:prstDash val="solid"/>
             <a:round/>
-            <a:headEnd type="none" w="med" len="med"/>
-            <a:tailEnd type="none" w="med" len="med"/>
+            <a:headEnd len="med" w="med" type="none"/>
+            <a:tailEnd len="med" w="med" type="none"/>
           </a:ln>
         </p:spPr>
         <p:txBody>
-          <a:bodyPr lIns="91425" tIns="91425" rIns="91425" bIns="91425" anchor="t" anchorCtr="0">
+          <a:bodyPr anchorCtr="0" anchor="t" bIns="91425" lIns="91425" rIns="91425" tIns="91425">
             <a:noAutofit/>
           </a:bodyPr>
           <a:lstStyle/>
           <a:p>
-            <a:pPr marL="457200" lvl="0" indent="-298450" rtl="0">
+            <a:pPr indent="-298450" lvl="0" marL="457200" rtl="0">
               <a:spcBef>
                 <a:spcPts val="0"/>
               </a:spcBef>
@@ -5784,7 +5531,7 @@
             </a:r>
           </a:p>
           <a:p>
-            <a:pPr marL="457200" lvl="0" indent="-298450" rtl="0">
+            <a:pPr indent="-298450" lvl="0" marL="457200" rtl="0">
               <a:spcBef>
                 <a:spcPts val="0"/>
               </a:spcBef>
@@ -5797,7 +5544,7 @@
             </a:r>
           </a:p>
           <a:p>
-            <a:pPr marL="914400" marR="101600" lvl="1" indent="-298450" rtl="0">
+            <a:pPr indent="-298450" lvl="1" marL="914400" marR="101600" rtl="0">
               <a:lnSpc>
                 <a:spcPct val="127200"/>
               </a:lnSpc>
@@ -5816,7 +5563,7 @@
             </a:r>
           </a:p>
           <a:p>
-            <a:pPr marL="914400" marR="101600" lvl="1" indent="-298450" rtl="0">
+            <a:pPr indent="-298450" lvl="1" marL="914400" marR="101600" rtl="0">
               <a:lnSpc>
                 <a:spcPct val="127200"/>
               </a:lnSpc>
@@ -5835,7 +5582,7 @@
             </a:r>
           </a:p>
           <a:p>
-            <a:pPr marL="914400" marR="101600" lvl="1" indent="-298450" rtl="0">
+            <a:pPr indent="-298450" lvl="1" marL="914400" marR="101600" rtl="0">
               <a:lnSpc>
                 <a:spcPct val="127200"/>
               </a:lnSpc>
@@ -5854,7 +5601,7 @@
             </a:r>
           </a:p>
           <a:p>
-            <a:pPr marL="914400" marR="101600" lvl="1" indent="-298450" rtl="0">
+            <a:pPr indent="-298450" lvl="1" marL="914400" marR="101600" rtl="0">
               <a:lnSpc>
                 <a:spcPct val="127200"/>
               </a:lnSpc>
@@ -5873,7 +5620,7 @@
             </a:r>
           </a:p>
           <a:p>
-            <a:pPr marL="914400" marR="101600" lvl="1" indent="-298450" rtl="0">
+            <a:pPr indent="-298450" lvl="1" marL="914400" marR="101600" rtl="0">
               <a:lnSpc>
                 <a:spcPct val="127200"/>
               </a:lnSpc>
@@ -5892,7 +5639,7 @@
             </a:r>
           </a:p>
           <a:p>
-            <a:pPr marL="914400" marR="101600" lvl="1" indent="-298450" rtl="0">
+            <a:pPr indent="-298450" lvl="1" marL="914400" marR="101600" rtl="0">
               <a:lnSpc>
                 <a:spcPct val="127200"/>
               </a:lnSpc>
@@ -5911,7 +5658,7 @@
             </a:r>
           </a:p>
           <a:p>
-            <a:pPr marL="457200" marR="101600" lvl="0" indent="-298450" rtl="0">
+            <a:pPr indent="-298450" lvl="0" marL="457200" marR="101600" rtl="0">
               <a:lnSpc>
                 <a:spcPct val="127200"/>
               </a:lnSpc>
@@ -5933,10 +5680,8 @@
       </p:sp>
       <p:sp>
         <p:nvSpPr>
-          <p:cNvPr id="54" name="Shape 54"/>
-          <p:cNvSpPr txBox="1">
-            <a:spLocks noGrp="1"/>
-          </p:cNvSpPr>
+          <p:cNvPr id="58" name="Shape 58"/>
+          <p:cNvSpPr txBox="1"/>
           <p:nvPr>
             <p:ph type="title"/>
           </p:nvPr>
@@ -5951,12 +5696,12 @@
           </a:prstGeom>
         </p:spPr>
         <p:txBody>
-          <a:bodyPr lIns="91425" tIns="91425" rIns="91425" bIns="91425" anchor="b" anchorCtr="0">
+          <a:bodyPr anchorCtr="0" anchor="b" bIns="91425" lIns="91425" rIns="91425" tIns="91425">
             <a:noAutofit/>
           </a:bodyPr>
           <a:lstStyle/>
           <a:p>
-            <a:pPr>
+            <a:pPr lvl="0">
               <a:spcBef>
                 <a:spcPts val="0"/>
               </a:spcBef>
@@ -5971,7 +5716,7 @@
       </p:sp>
       <p:pic>
         <p:nvPicPr>
-          <p:cNvPr id="55" name="Shape 55"/>
+          <p:cNvPr id="59" name="Shape 59"/>
           <p:cNvPicPr preferRelativeResize="0"/>
           <p:nvPr/>
         </p:nvPicPr>
@@ -5992,14 +5737,14 @@
             <a:avLst/>
           </a:prstGeom>
           <a:noFill/>
-          <a:ln w="9525" cap="flat" cmpd="sng">
+          <a:ln cap="flat" cmpd="sng" w="9525">
             <a:solidFill>
               <a:srgbClr val="980000"/>
             </a:solidFill>
             <a:prstDash val="solid"/>
             <a:round/>
-            <a:headEnd type="none" w="med" len="med"/>
-            <a:tailEnd type="none" w="med" len="med"/>
+            <a:headEnd len="med" w="med" type="none"/>
+            <a:tailEnd len="med" w="med" type="none"/>
           </a:ln>
         </p:spPr>
       </p:pic>
@@ -6015,11 +5760,11 @@
 </file>
 
 <file path=ppt/slides/slide4.xml><?xml version="1.0" encoding="utf-8"?>
-<p:sld xmlns:a="http://schemas.openxmlformats.org/drawingml/2006/main" xmlns:r="http://schemas.openxmlformats.org/officeDocument/2006/relationships" xmlns:p="http://schemas.openxmlformats.org/presentationml/2006/main">
+<p:sld xmlns:a="http://schemas.openxmlformats.org/drawingml/2006/main" xmlns:r="http://schemas.openxmlformats.org/officeDocument/2006/relationships" xmlns:mc="http://schemas.openxmlformats.org/markup-compatibility/2006" xmlns:mv="urn:schemas-microsoft-com:mac:vml" xmlns:p="http://schemas.openxmlformats.org/presentationml/2006/main" xmlns:c="http://schemas.openxmlformats.org/drawingml/2006/chart" xmlns:dgm="http://schemas.openxmlformats.org/drawingml/2006/diagram" xmlns:o="urn:schemas-microsoft-com:office:office" xmlns:v="urn:schemas-microsoft-com:vml" xmlns:pvml="urn:schemas-microsoft-com:office:powerpoint" xmlns:com="http://schemas.openxmlformats.org/drawingml/2006/compatibility" xmlns:p14="http://schemas.microsoft.com/office/powerpoint/2010/main">
   <p:cSld>
     <p:spTree>
       <p:nvGrpSpPr>
-        <p:cNvPr id="1" name="Shape 59"/>
+        <p:cNvPr id="63" name="Shape 63"/>
         <p:cNvGrpSpPr/>
         <p:nvPr/>
       </p:nvGrpSpPr>
@@ -6033,10 +5778,8 @@
       </p:grpSpPr>
       <p:sp>
         <p:nvSpPr>
-          <p:cNvPr id="60" name="Shape 60"/>
-          <p:cNvSpPr txBox="1">
-            <a:spLocks noGrp="1"/>
-          </p:cNvSpPr>
+          <p:cNvPr id="64" name="Shape 64"/>
+          <p:cNvSpPr txBox="1"/>
           <p:nvPr>
             <p:ph type="title"/>
           </p:nvPr>
@@ -6051,12 +5794,12 @@
           </a:prstGeom>
         </p:spPr>
         <p:txBody>
-          <a:bodyPr lIns="91425" tIns="91425" rIns="91425" bIns="91425" anchor="b" anchorCtr="0">
+          <a:bodyPr anchorCtr="0" anchor="b" bIns="91425" lIns="91425" rIns="91425" tIns="91425">
             <a:noAutofit/>
           </a:bodyPr>
           <a:lstStyle/>
           <a:p>
-            <a:pPr>
+            <a:pPr lvl="0">
               <a:spcBef>
                 <a:spcPts val="0"/>
               </a:spcBef>
@@ -6071,21 +5814,22 @@
       </p:sp>
       <p:pic>
         <p:nvPicPr>
-          <p:cNvPr id="61" name="Shape 61"/>
+          <p:cNvPr id="65" name="Shape 65"/>
           <p:cNvPicPr preferRelativeResize="0"/>
           <p:nvPr/>
         </p:nvPicPr>
-        <p:blipFill rotWithShape="1">
+        <p:blipFill>
           <a:blip r:embed="rId3">
             <a:alphaModFix/>
           </a:blip>
-          <a:srcRect t="4816"/>
-          <a:stretch/>
+          <a:stretch>
+            <a:fillRect/>
+          </a:stretch>
         </p:blipFill>
         <p:spPr>
           <a:xfrm>
-            <a:off x="1354050" y="1174975"/>
-            <a:ext cx="6163125" cy="3791974"/>
+            <a:off x="914400" y="1209675"/>
+            <a:ext cx="7377675" cy="3786324"/>
           </a:xfrm>
           <a:prstGeom prst="rect">
             <a:avLst/>
@@ -6108,11 +5852,11 @@
 </file>
 
 <file path=ppt/slides/slide5.xml><?xml version="1.0" encoding="utf-8"?>
-<p:sld xmlns:a="http://schemas.openxmlformats.org/drawingml/2006/main" xmlns:r="http://schemas.openxmlformats.org/officeDocument/2006/relationships" xmlns:p="http://schemas.openxmlformats.org/presentationml/2006/main">
+<p:sld xmlns:a="http://schemas.openxmlformats.org/drawingml/2006/main" xmlns:r="http://schemas.openxmlformats.org/officeDocument/2006/relationships" xmlns:mc="http://schemas.openxmlformats.org/markup-compatibility/2006" xmlns:mv="urn:schemas-microsoft-com:mac:vml" xmlns:p="http://schemas.openxmlformats.org/presentationml/2006/main" xmlns:c="http://schemas.openxmlformats.org/drawingml/2006/chart" xmlns:dgm="http://schemas.openxmlformats.org/drawingml/2006/diagram" xmlns:o="urn:schemas-microsoft-com:office:office" xmlns:v="urn:schemas-microsoft-com:vml" xmlns:pvml="urn:schemas-microsoft-com:office:powerpoint" xmlns:com="http://schemas.openxmlformats.org/drawingml/2006/compatibility" xmlns:p14="http://schemas.microsoft.com/office/powerpoint/2010/main">
   <p:cSld>
     <p:spTree>
       <p:nvGrpSpPr>
-        <p:cNvPr id="1" name="Shape 65"/>
+        <p:cNvPr id="69" name="Shape 69"/>
         <p:cNvGrpSpPr/>
         <p:nvPr/>
       </p:nvGrpSpPr>
@@ -6126,10 +5870,8 @@
       </p:grpSpPr>
       <p:sp>
         <p:nvSpPr>
-          <p:cNvPr id="66" name="Shape 66"/>
-          <p:cNvSpPr txBox="1">
-            <a:spLocks noGrp="1"/>
-          </p:cNvSpPr>
+          <p:cNvPr id="70" name="Shape 70"/>
+          <p:cNvSpPr txBox="1"/>
           <p:nvPr>
             <p:ph type="title"/>
           </p:nvPr>
@@ -6144,12 +5886,12 @@
           </a:prstGeom>
         </p:spPr>
         <p:txBody>
-          <a:bodyPr lIns="91425" tIns="91425" rIns="91425" bIns="91425" anchor="b" anchorCtr="0">
+          <a:bodyPr anchorCtr="0" anchor="b" bIns="91425" lIns="91425" rIns="91425" tIns="91425">
             <a:noAutofit/>
           </a:bodyPr>
           <a:lstStyle/>
           <a:p>
-            <a:pPr>
+            <a:pPr lvl="0">
               <a:spcBef>
                 <a:spcPts val="0"/>
               </a:spcBef>
@@ -6164,12 +5906,10 @@
       </p:sp>
       <p:sp>
         <p:nvSpPr>
-          <p:cNvPr id="67" name="Shape 67"/>
-          <p:cNvSpPr txBox="1">
-            <a:spLocks noGrp="1"/>
-          </p:cNvSpPr>
+          <p:cNvPr id="71" name="Shape 71"/>
+          <p:cNvSpPr txBox="1"/>
           <p:nvPr>
-            <p:ph type="body" idx="1"/>
+            <p:ph idx="1" type="body"/>
           </p:nvPr>
         </p:nvSpPr>
         <p:spPr>
@@ -6182,12 +5922,12 @@
           </a:prstGeom>
         </p:spPr>
         <p:txBody>
-          <a:bodyPr lIns="91425" tIns="91425" rIns="91425" bIns="91425" anchor="t" anchorCtr="0">
+          <a:bodyPr anchorCtr="0" anchor="t" bIns="91425" lIns="91425" rIns="91425" tIns="91425">
             <a:noAutofit/>
           </a:bodyPr>
           <a:lstStyle/>
           <a:p>
-            <a:pPr marL="457200" lvl="0" indent="-228600" rtl="0">
+            <a:pPr indent="-336550" lvl="0" marL="457200" rtl="0">
               <a:spcBef>
                 <a:spcPts val="0"/>
               </a:spcBef>
@@ -6199,7 +5939,7 @@
             </a:r>
           </a:p>
           <a:p>
-            <a:pPr marL="914400" lvl="1" indent="-228600" rtl="0">
+            <a:pPr indent="-336550" lvl="1" marL="914400" rtl="0">
               <a:spcBef>
                 <a:spcPts val="0"/>
               </a:spcBef>
@@ -6219,7 +5959,7 @@
             </a:r>
           </a:p>
           <a:p>
-            <a:pPr marL="914400" lvl="1" indent="-228600" rtl="0">
+            <a:pPr indent="-336550" lvl="1" marL="914400" rtl="0">
               <a:spcBef>
                 <a:spcPts val="0"/>
               </a:spcBef>
@@ -6239,7 +5979,7 @@
             </a:r>
           </a:p>
           <a:p>
-            <a:pPr marL="457200" lvl="0" indent="-228600">
+            <a:pPr indent="-336550" lvl="0" marL="457200">
               <a:spcBef>
                 <a:spcPts val="0"/>
               </a:spcBef>
@@ -6264,11 +6004,11 @@
 </file>
 
 <file path=ppt/slides/slide6.xml><?xml version="1.0" encoding="utf-8"?>
-<p:sld xmlns:a="http://schemas.openxmlformats.org/drawingml/2006/main" xmlns:r="http://schemas.openxmlformats.org/officeDocument/2006/relationships" xmlns:p="http://schemas.openxmlformats.org/presentationml/2006/main">
+<p:sld xmlns:a="http://schemas.openxmlformats.org/drawingml/2006/main" xmlns:r="http://schemas.openxmlformats.org/officeDocument/2006/relationships" xmlns:mc="http://schemas.openxmlformats.org/markup-compatibility/2006" xmlns:mv="urn:schemas-microsoft-com:mac:vml" xmlns:p="http://schemas.openxmlformats.org/presentationml/2006/main" xmlns:c="http://schemas.openxmlformats.org/drawingml/2006/chart" xmlns:dgm="http://schemas.openxmlformats.org/drawingml/2006/diagram" xmlns:o="urn:schemas-microsoft-com:office:office" xmlns:v="urn:schemas-microsoft-com:vml" xmlns:pvml="urn:schemas-microsoft-com:office:powerpoint" xmlns:com="http://schemas.openxmlformats.org/drawingml/2006/compatibility" xmlns:p14="http://schemas.microsoft.com/office/powerpoint/2010/main">
   <p:cSld>
     <p:spTree>
       <p:nvGrpSpPr>
-        <p:cNvPr id="1" name="Shape 71"/>
+        <p:cNvPr id="75" name="Shape 75"/>
         <p:cNvGrpSpPr/>
         <p:nvPr/>
       </p:nvGrpSpPr>
@@ -6282,10 +6022,8 @@
       </p:grpSpPr>
       <p:sp>
         <p:nvSpPr>
-          <p:cNvPr id="72" name="Shape 72"/>
-          <p:cNvSpPr txBox="1">
-            <a:spLocks noGrp="1"/>
-          </p:cNvSpPr>
+          <p:cNvPr id="76" name="Shape 76"/>
+          <p:cNvSpPr txBox="1"/>
           <p:nvPr>
             <p:ph type="title"/>
           </p:nvPr>
@@ -6300,12 +6038,12 @@
           </a:prstGeom>
         </p:spPr>
         <p:txBody>
-          <a:bodyPr lIns="91425" tIns="91425" rIns="91425" bIns="91425" anchor="b" anchorCtr="0">
+          <a:bodyPr anchorCtr="0" anchor="b" bIns="91425" lIns="91425" rIns="91425" tIns="91425">
             <a:noAutofit/>
           </a:bodyPr>
           <a:lstStyle/>
           <a:p>
-            <a:pPr>
+            <a:pPr lvl="0">
               <a:spcBef>
                 <a:spcPts val="0"/>
               </a:spcBef>
@@ -6320,12 +6058,10 @@
       </p:sp>
       <p:sp>
         <p:nvSpPr>
-          <p:cNvPr id="73" name="Shape 73"/>
-          <p:cNvSpPr txBox="1">
-            <a:spLocks noGrp="1"/>
-          </p:cNvSpPr>
+          <p:cNvPr id="77" name="Shape 77"/>
+          <p:cNvSpPr txBox="1"/>
           <p:nvPr>
-            <p:ph type="body" idx="1"/>
+            <p:ph idx="1" type="body"/>
           </p:nvPr>
         </p:nvSpPr>
         <p:spPr>
@@ -6336,23 +6072,23 @@
           <a:prstGeom prst="rect">
             <a:avLst/>
           </a:prstGeom>
-          <a:ln w="9525" cap="flat" cmpd="sng">
+          <a:ln cap="flat" cmpd="sng" w="9525">
             <a:solidFill>
               <a:srgbClr val="4A86E8"/>
             </a:solidFill>
             <a:prstDash val="solid"/>
             <a:round/>
-            <a:headEnd type="none" w="med" len="med"/>
-            <a:tailEnd type="none" w="med" len="med"/>
+            <a:headEnd len="med" w="med" type="none"/>
+            <a:tailEnd len="med" w="med" type="none"/>
           </a:ln>
         </p:spPr>
         <p:txBody>
-          <a:bodyPr lIns="91425" tIns="91425" rIns="91425" bIns="91425" anchor="t" anchorCtr="0">
+          <a:bodyPr anchorCtr="0" anchor="t" bIns="91425" lIns="91425" rIns="91425" tIns="91425">
             <a:noAutofit/>
           </a:bodyPr>
           <a:lstStyle/>
           <a:p>
-            <a:pPr marL="457200" lvl="0" indent="-228600" rtl="0">
+            <a:pPr indent="-304800" lvl="0" marL="457200" rtl="0">
               <a:spcBef>
                 <a:spcPts val="0"/>
               </a:spcBef>
@@ -6363,7 +6099,7 @@
               <a:t>Crear un script </a:t>
             </a:r>
             <a:r>
-              <a:rPr lang="es" sz="1200" b="1"/>
+              <a:rPr b="1" lang="es" sz="1200"/>
               <a:t>view.php</a:t>
             </a:r>
             <a:r>
@@ -6372,7 +6108,7 @@
             </a:r>
           </a:p>
           <a:p>
-            <a:pPr marL="914400" lvl="1" indent="-228600" rtl="0">
+            <a:pPr indent="-304800" lvl="1" marL="914400" rtl="0">
               <a:spcBef>
                 <a:spcPts val="0"/>
               </a:spcBef>
@@ -6384,7 +6120,7 @@
             </a:r>
           </a:p>
           <a:p>
-            <a:pPr marL="914400" lvl="1" indent="-228600" rtl="0">
+            <a:pPr indent="-304800" lvl="1" marL="914400" rtl="0">
               <a:spcBef>
                 <a:spcPts val="0"/>
               </a:spcBef>
@@ -6396,7 +6132,7 @@
             </a:r>
           </a:p>
           <a:p>
-            <a:pPr marL="914400" lvl="1" indent="-228600" rtl="0">
+            <a:pPr indent="-304800" lvl="1" marL="914400" rtl="0">
               <a:spcBef>
                 <a:spcPts val="0"/>
               </a:spcBef>
@@ -6408,7 +6144,7 @@
             </a:r>
           </a:p>
           <a:p>
-            <a:pPr marL="914400" lvl="1" indent="-228600" rtl="0">
+            <a:pPr indent="-304800" lvl="1" marL="914400" rtl="0">
               <a:spcBef>
                 <a:spcPts val="0"/>
               </a:spcBef>
@@ -6420,7 +6156,7 @@
             </a:r>
           </a:p>
           <a:p>
-            <a:pPr marL="457200" lvl="0" indent="-228600" rtl="0">
+            <a:pPr indent="-304800" lvl="0" marL="457200" rtl="0">
               <a:spcBef>
                 <a:spcPts val="0"/>
               </a:spcBef>
@@ -6431,12 +6167,12 @@
               <a:t>El resto del código quedará en </a:t>
             </a:r>
             <a:r>
-              <a:rPr lang="es" sz="1200" b="1"/>
+              <a:rPr b="1" lang="es" sz="1200"/>
               <a:t>resto.php</a:t>
             </a:r>
           </a:p>
           <a:p>
-            <a:pPr marL="457200" lvl="0" indent="-228600" rtl="0">
+            <a:pPr indent="-304800" lvl="0" marL="457200" rtl="0">
               <a:spcBef>
                 <a:spcPts val="0"/>
               </a:spcBef>
@@ -6447,7 +6183,7 @@
               <a:t>Como es lógico habrá que pasarle a </a:t>
             </a:r>
             <a:r>
-              <a:rPr lang="es" sz="1200" b="1"/>
+              <a:rPr b="1" lang="es" sz="1200"/>
               <a:t>view.php</a:t>
             </a:r>
             <a:r>
@@ -6455,7 +6191,7 @@
               <a:t> datos desde </a:t>
             </a:r>
             <a:r>
-              <a:rPr lang="es" sz="1200" b="1"/>
+              <a:rPr b="1" lang="es" sz="1200"/>
               <a:t>resto.php</a:t>
             </a:r>
             <a:r>
@@ -6464,7 +6200,7 @@
             </a:r>
           </a:p>
           <a:p>
-            <a:pPr marL="457200" lvl="0" indent="-228600">
+            <a:pPr indent="-304800" lvl="0" marL="457200">
               <a:spcBef>
                 <a:spcPts val="0"/>
               </a:spcBef>
@@ -6475,7 +6211,7 @@
               <a:t>Intentaremos quitar (en </a:t>
             </a:r>
             <a:r>
-              <a:rPr lang="es" sz="1200" b="1"/>
+              <a:rPr b="1" lang="es" sz="1200"/>
               <a:t>view.php</a:t>
             </a:r>
             <a:r>
@@ -6487,7 +6223,7 @@
       </p:sp>
       <p:pic>
         <p:nvPicPr>
-          <p:cNvPr id="74" name="Shape 74"/>
+          <p:cNvPr id="78" name="Shape 78"/>
           <p:cNvPicPr preferRelativeResize="0"/>
           <p:nvPr/>
         </p:nvPicPr>
@@ -6508,156 +6244,163 @@
             <a:avLst/>
           </a:prstGeom>
           <a:noFill/>
-          <a:ln w="9525" cap="flat" cmpd="sng">
+          <a:ln cap="flat" cmpd="sng" w="9525">
             <a:solidFill>
               <a:srgbClr val="980000"/>
             </a:solidFill>
             <a:prstDash val="solid"/>
             <a:round/>
-            <a:headEnd type="none" w="med" len="med"/>
-            <a:tailEnd type="none" w="med" len="med"/>
+            <a:headEnd len="med" w="med" type="none"/>
+            <a:tailEnd len="med" w="med" type="none"/>
           </a:ln>
         </p:spPr>
       </p:pic>
-      <p:pic>
-        <p:nvPicPr>
-          <p:cNvPr id="75" name="Shape 75"/>
-          <p:cNvPicPr preferRelativeResize="0"/>
+      <p:sp>
+        <p:nvSpPr>
+          <p:cNvPr id="79" name="Shape 79"/>
+          <p:cNvSpPr txBox="1"/>
           <p:nvPr/>
-        </p:nvPicPr>
-        <p:blipFill rotWithShape="1">
-          <a:blip r:embed="rId4">
-            <a:alphaModFix/>
-          </a:blip>
-          <a:srcRect r="-51630"/>
-          <a:stretch/>
-        </p:blipFill>
-        <p:spPr>
-          <a:xfrm>
-            <a:off x="3642950" y="3135875"/>
-            <a:ext cx="4631399" cy="1839775"/>
+        </p:nvSpPr>
+        <p:spPr>
+          <a:xfrm rot="-5400000">
+            <a:off x="2923550" y="1904550"/>
+            <a:ext cx="1115099" cy="323700"/>
           </a:xfrm>
           <a:prstGeom prst="rect">
             <a:avLst/>
           </a:prstGeom>
           <a:noFill/>
-          <a:ln w="9525" cap="flat" cmpd="sng">
+          <a:ln cap="flat" cmpd="sng" w="9525">
             <a:solidFill>
               <a:srgbClr val="980000"/>
             </a:solidFill>
             <a:prstDash val="solid"/>
             <a:round/>
-            <a:headEnd type="none" w="med" len="med"/>
-            <a:tailEnd type="none" w="med" len="med"/>
+            <a:headEnd len="med" w="med" type="none"/>
+            <a:tailEnd len="med" w="med" type="none"/>
           </a:ln>
         </p:spPr>
-      </p:pic>
-      <p:sp>
-        <p:nvSpPr>
-          <p:cNvPr id="76" name="Shape 76"/>
+        <p:txBody>
+          <a:bodyPr anchorCtr="0" anchor="t" bIns="91425" lIns="91425" rIns="91425" tIns="91425">
+            <a:noAutofit/>
+          </a:bodyPr>
+          <a:lstStyle/>
+          <a:p>
+            <a:pPr lvl="0" rtl="0">
+              <a:spcBef>
+                <a:spcPts val="0"/>
+              </a:spcBef>
+              <a:buNone/>
+            </a:pPr>
+            <a:r>
+              <a:rPr b="1" lang="es"/>
+              <a:t>resto.php</a:t>
+            </a:r>
+          </a:p>
+          <a:p>
+            <a:pPr lvl="0">
+              <a:spcBef>
+                <a:spcPts val="0"/>
+              </a:spcBef>
+              <a:buNone/>
+            </a:pPr>
+            <a:r>
+              <a:t/>
+            </a:r>
+            <a:endParaRPr b="1"/>
+          </a:p>
+        </p:txBody>
+      </p:sp>
+      <p:sp>
+        <p:nvSpPr>
+          <p:cNvPr id="80" name="Shape 80"/>
           <p:cNvSpPr txBox="1"/>
           <p:nvPr/>
         </p:nvSpPr>
         <p:spPr>
           <a:xfrm rot="-5400000">
-            <a:off x="2923550" y="1904550"/>
+            <a:off x="2923550" y="3893912"/>
             <a:ext cx="1115099" cy="323700"/>
           </a:xfrm>
           <a:prstGeom prst="rect">
             <a:avLst/>
           </a:prstGeom>
           <a:noFill/>
-          <a:ln w="9525" cap="flat" cmpd="sng">
+          <a:ln cap="flat" cmpd="sng" w="9525">
             <a:solidFill>
               <a:srgbClr val="980000"/>
             </a:solidFill>
             <a:prstDash val="solid"/>
             <a:round/>
-            <a:headEnd type="none" w="med" len="med"/>
-            <a:tailEnd type="none" w="med" len="med"/>
+            <a:headEnd len="med" w="med" type="none"/>
+            <a:tailEnd len="med" w="med" type="none"/>
           </a:ln>
         </p:spPr>
         <p:txBody>
-          <a:bodyPr lIns="91425" tIns="91425" rIns="91425" bIns="91425" anchor="t" anchorCtr="0">
+          <a:bodyPr anchorCtr="0" anchor="t" bIns="91425" lIns="91425" rIns="91425" tIns="91425">
             <a:noAutofit/>
           </a:bodyPr>
           <a:lstStyle/>
           <a:p>
-            <a:pPr rtl="0">
+            <a:pPr lvl="0" rtl="0">
               <a:spcBef>
                 <a:spcPts val="0"/>
               </a:spcBef>
               <a:buNone/>
             </a:pPr>
             <a:r>
-              <a:rPr lang="es" b="1"/>
-              <a:t>resto.php</a:t>
-            </a:r>
-          </a:p>
-          <a:p>
-            <a:pPr>
+              <a:rPr b="1" lang="es"/>
+              <a:t>view.php</a:t>
+            </a:r>
+          </a:p>
+          <a:p>
+            <a:pPr lvl="0" rtl="0">
               <a:spcBef>
                 <a:spcPts val="0"/>
               </a:spcBef>
               <a:buNone/>
             </a:pPr>
+            <a:r>
+              <a:t/>
+            </a:r>
             <a:endParaRPr b="1"/>
           </a:p>
         </p:txBody>
       </p:sp>
-      <p:sp>
-        <p:nvSpPr>
-          <p:cNvPr id="77" name="Shape 77"/>
-          <p:cNvSpPr txBox="1"/>
+      <p:pic>
+        <p:nvPicPr>
+          <p:cNvPr id="81" name="Shape 81"/>
+          <p:cNvPicPr preferRelativeResize="0"/>
           <p:nvPr/>
-        </p:nvSpPr>
-        <p:spPr>
-          <a:xfrm rot="-5400000">
-            <a:off x="2923550" y="3893912"/>
-            <a:ext cx="1115099" cy="323700"/>
+        </p:nvPicPr>
+        <p:blipFill>
+          <a:blip r:embed="rId4">
+            <a:alphaModFix/>
+          </a:blip>
+          <a:stretch>
+            <a:fillRect/>
+          </a:stretch>
+        </p:blipFill>
+        <p:spPr>
+          <a:xfrm>
+            <a:off x="3642950" y="3055975"/>
+            <a:ext cx="4631399" cy="1905000"/>
           </a:xfrm>
           <a:prstGeom prst="rect">
             <a:avLst/>
           </a:prstGeom>
           <a:noFill/>
-          <a:ln w="9525" cap="flat" cmpd="sng">
+          <a:ln cap="flat" cmpd="sng" w="9525">
             <a:solidFill>
               <a:srgbClr val="980000"/>
             </a:solidFill>
             <a:prstDash val="solid"/>
             <a:round/>
-            <a:headEnd type="none" w="med" len="med"/>
-            <a:tailEnd type="none" w="med" len="med"/>
+            <a:headEnd len="med" w="med" type="none"/>
+            <a:tailEnd len="med" w="med" type="none"/>
           </a:ln>
         </p:spPr>
-        <p:txBody>
-          <a:bodyPr lIns="91425" tIns="91425" rIns="91425" bIns="91425" anchor="t" anchorCtr="0">
-            <a:noAutofit/>
-          </a:bodyPr>
-          <a:lstStyle/>
-          <a:p>
-            <a:pPr lvl="0" rtl="0">
-              <a:spcBef>
-                <a:spcPts val="0"/>
-              </a:spcBef>
-              <a:buNone/>
-            </a:pPr>
-            <a:r>
-              <a:rPr lang="es" b="1"/>
-              <a:t>view.php</a:t>
-            </a:r>
-          </a:p>
-          <a:p>
-            <a:pPr lvl="0" rtl="0">
-              <a:spcBef>
-                <a:spcPts val="0"/>
-              </a:spcBef>
-              <a:buNone/>
-            </a:pPr>
-            <a:endParaRPr b="1"/>
-          </a:p>
-        </p:txBody>
-      </p:sp>
+      </p:pic>
     </p:spTree>
   </p:cSld>
   <p:clrMapOvr>
@@ -6670,11 +6413,11 @@
 </file>
 
 <file path=ppt/slides/slide7.xml><?xml version="1.0" encoding="utf-8"?>
-<p:sld xmlns:a="http://schemas.openxmlformats.org/drawingml/2006/main" xmlns:r="http://schemas.openxmlformats.org/officeDocument/2006/relationships" xmlns:p="http://schemas.openxmlformats.org/presentationml/2006/main">
+<p:sld xmlns:a="http://schemas.openxmlformats.org/drawingml/2006/main" xmlns:r="http://schemas.openxmlformats.org/officeDocument/2006/relationships" xmlns:mc="http://schemas.openxmlformats.org/markup-compatibility/2006" xmlns:mv="urn:schemas-microsoft-com:mac:vml" xmlns:p="http://schemas.openxmlformats.org/presentationml/2006/main" xmlns:c="http://schemas.openxmlformats.org/drawingml/2006/chart" xmlns:dgm="http://schemas.openxmlformats.org/drawingml/2006/diagram" xmlns:o="urn:schemas-microsoft-com:office:office" xmlns:v="urn:schemas-microsoft-com:vml" xmlns:pvml="urn:schemas-microsoft-com:office:powerpoint" xmlns:com="http://schemas.openxmlformats.org/drawingml/2006/compatibility" xmlns:p14="http://schemas.microsoft.com/office/powerpoint/2010/main">
   <p:cSld>
     <p:spTree>
       <p:nvGrpSpPr>
-        <p:cNvPr id="1" name="Shape 81"/>
+        <p:cNvPr id="85" name="Shape 85"/>
         <p:cNvGrpSpPr/>
         <p:nvPr/>
       </p:nvGrpSpPr>
@@ -6688,10 +6431,8 @@
       </p:grpSpPr>
       <p:sp>
         <p:nvSpPr>
-          <p:cNvPr id="82" name="Shape 82"/>
-          <p:cNvSpPr txBox="1">
-            <a:spLocks noGrp="1"/>
-          </p:cNvSpPr>
+          <p:cNvPr id="86" name="Shape 86"/>
+          <p:cNvSpPr txBox="1"/>
           <p:nvPr>
             <p:ph type="title"/>
           </p:nvPr>
@@ -6706,12 +6447,12 @@
           </a:prstGeom>
         </p:spPr>
         <p:txBody>
-          <a:bodyPr lIns="91425" tIns="91425" rIns="91425" bIns="91425" anchor="b" anchorCtr="0">
+          <a:bodyPr anchorCtr="0" anchor="b" bIns="91425" lIns="91425" rIns="91425" tIns="91425">
             <a:noAutofit/>
           </a:bodyPr>
           <a:lstStyle/>
           <a:p>
-            <a:pPr>
+            <a:pPr lvl="0">
               <a:spcBef>
                 <a:spcPts val="0"/>
               </a:spcBef>
@@ -6726,12 +6467,10 @@
       </p:sp>
       <p:sp>
         <p:nvSpPr>
-          <p:cNvPr id="83" name="Shape 83"/>
-          <p:cNvSpPr txBox="1">
-            <a:spLocks noGrp="1"/>
-          </p:cNvSpPr>
+          <p:cNvPr id="87" name="Shape 87"/>
+          <p:cNvSpPr txBox="1"/>
           <p:nvPr>
-            <p:ph type="body" idx="1"/>
+            <p:ph idx="1" type="body"/>
           </p:nvPr>
         </p:nvSpPr>
         <p:spPr>
@@ -6742,23 +6481,23 @@
           <a:prstGeom prst="rect">
             <a:avLst/>
           </a:prstGeom>
-          <a:ln w="9525" cap="flat" cmpd="sng">
+          <a:ln cap="flat" cmpd="sng" w="9525">
             <a:solidFill>
               <a:srgbClr val="4A86E8"/>
             </a:solidFill>
             <a:prstDash val="solid"/>
             <a:round/>
-            <a:headEnd type="none" w="med" len="med"/>
-            <a:tailEnd type="none" w="med" len="med"/>
+            <a:headEnd len="med" w="med" type="none"/>
+            <a:tailEnd len="med" w="med" type="none"/>
           </a:ln>
         </p:spPr>
         <p:txBody>
-          <a:bodyPr lIns="91425" tIns="91425" rIns="91425" bIns="91425" anchor="t" anchorCtr="0">
+          <a:bodyPr anchorCtr="0" anchor="t" bIns="91425" lIns="91425" rIns="91425" tIns="91425">
             <a:noAutofit/>
           </a:bodyPr>
           <a:lstStyle/>
           <a:p>
-            <a:pPr marL="457200" lvl="0" indent="-228600" rtl="0">
+            <a:pPr indent="-304800" lvl="0" marL="457200" rtl="0">
               <a:spcBef>
                 <a:spcPts val="0"/>
               </a:spcBef>
@@ -6769,7 +6508,7 @@
               <a:t>Crear un script </a:t>
             </a:r>
             <a:r>
-              <a:rPr lang="es" sz="1200" b="1"/>
+              <a:rPr b="1" lang="es" sz="1200"/>
               <a:t>model.php</a:t>
             </a:r>
             <a:r>
@@ -6778,7 +6517,7 @@
             </a:r>
           </a:p>
           <a:p>
-            <a:pPr marL="457200" marR="0" lvl="0" indent="-228600" algn="l" rtl="0">
+            <a:pPr indent="-304800" lvl="0" marL="457200" marR="0" rtl="0" algn="l">
               <a:lnSpc>
                 <a:spcPct val="100000"/>
               </a:lnSpc>
@@ -6799,7 +6538,7 @@
               <a:t>El código que nos queda, sería el del </a:t>
             </a:r>
             <a:r>
-              <a:rPr lang="es" sz="1200" b="1"/>
+              <a:rPr b="1" lang="es" sz="1200"/>
               <a:t>controller.php</a:t>
             </a:r>
             <a:r>
@@ -6807,7 +6546,7 @@
               <a:t>, que en este sencillo ejemplo lo único que haría es invocar al </a:t>
             </a:r>
             <a:r>
-              <a:rPr lang="es" sz="1200" b="1" i="1"/>
+              <a:rPr b="1" i="1" lang="es" sz="1200"/>
               <a:t>model </a:t>
             </a:r>
             <a:r>
@@ -6815,11 +6554,11 @@
               <a:t>para obtener los datos y pasárselos al </a:t>
             </a:r>
             <a:r>
-              <a:rPr lang="es" sz="1200" b="1" i="1" u="sng"/>
+              <a:rPr b="1" i="1" lang="es" sz="1200" u="sng"/>
               <a:t>view</a:t>
             </a:r>
             <a:r>
-              <a:rPr lang="es" sz="1200" i="1"/>
+              <a:rPr i="1" lang="es" sz="1200"/>
               <a:t> </a:t>
             </a:r>
             <a:r>
@@ -6827,7 +6566,7 @@
               <a:t>para que los “pinte”</a:t>
             </a:r>
             <a:r>
-              <a:rPr lang="es" sz="1200" b="1"/>
+              <a:rPr b="1" lang="es" sz="1200"/>
               <a:t>,</a:t>
             </a:r>
           </a:p>
@@ -6835,7 +6574,7 @@
       </p:sp>
       <p:pic>
         <p:nvPicPr>
-          <p:cNvPr id="84" name="Shape 84"/>
+          <p:cNvPr id="88" name="Shape 88"/>
           <p:cNvPicPr preferRelativeResize="0"/>
           <p:nvPr/>
         </p:nvPicPr>
@@ -6843,7 +6582,7 @@
           <a:blip r:embed="rId3">
             <a:alphaModFix/>
           </a:blip>
-          <a:srcRect r="-64554"/>
+          <a:srcRect b="0" l="0" r="-64554" t="0"/>
           <a:stretch/>
         </p:blipFill>
         <p:spPr>
@@ -6855,20 +6594,20 @@
             <a:avLst/>
           </a:prstGeom>
           <a:noFill/>
-          <a:ln w="9525" cap="flat" cmpd="sng">
+          <a:ln cap="flat" cmpd="sng" w="9525">
             <a:solidFill>
               <a:srgbClr val="980000"/>
             </a:solidFill>
             <a:prstDash val="solid"/>
             <a:round/>
-            <a:headEnd type="none" w="med" len="med"/>
-            <a:tailEnd type="none" w="med" len="med"/>
+            <a:headEnd len="med" w="med" type="none"/>
+            <a:tailEnd len="med" w="med" type="none"/>
           </a:ln>
         </p:spPr>
       </p:pic>
       <p:pic>
         <p:nvPicPr>
-          <p:cNvPr id="85" name="Shape 85"/>
+          <p:cNvPr id="89" name="Shape 89"/>
           <p:cNvPicPr preferRelativeResize="0"/>
           <p:nvPr/>
         </p:nvPicPr>
@@ -6889,20 +6628,20 @@
             <a:avLst/>
           </a:prstGeom>
           <a:noFill/>
-          <a:ln w="9525" cap="flat" cmpd="sng">
+          <a:ln cap="flat" cmpd="sng" w="9525">
             <a:solidFill>
               <a:srgbClr val="980000"/>
             </a:solidFill>
             <a:prstDash val="solid"/>
             <a:round/>
-            <a:headEnd type="none" w="med" len="med"/>
-            <a:tailEnd type="none" w="med" len="med"/>
+            <a:headEnd len="med" w="med" type="none"/>
+            <a:tailEnd len="med" w="med" type="none"/>
           </a:ln>
         </p:spPr>
       </p:pic>
       <p:sp>
         <p:nvSpPr>
-          <p:cNvPr id="86" name="Shape 86"/>
+          <p:cNvPr id="90" name="Shape 90"/>
           <p:cNvSpPr txBox="1"/>
           <p:nvPr/>
         </p:nvSpPr>
@@ -6915,18 +6654,18 @@
             <a:avLst/>
           </a:prstGeom>
           <a:noFill/>
-          <a:ln w="9525" cap="flat" cmpd="sng">
+          <a:ln cap="flat" cmpd="sng" w="9525">
             <a:solidFill>
               <a:srgbClr val="980000"/>
             </a:solidFill>
             <a:prstDash val="solid"/>
             <a:round/>
-            <a:headEnd type="none" w="med" len="med"/>
-            <a:tailEnd type="none" w="med" len="med"/>
+            <a:headEnd len="med" w="med" type="none"/>
+            <a:tailEnd len="med" w="med" type="none"/>
           </a:ln>
         </p:spPr>
         <p:txBody>
-          <a:bodyPr lIns="91425" tIns="91425" rIns="91425" bIns="91425" anchor="t" anchorCtr="0">
+          <a:bodyPr anchorCtr="0" anchor="t" bIns="91425" lIns="91425" rIns="91425" tIns="91425">
             <a:noAutofit/>
           </a:bodyPr>
           <a:lstStyle/>
@@ -6938,7 +6677,7 @@
               <a:buNone/>
             </a:pPr>
             <a:r>
-              <a:rPr lang="es" b="1"/>
+              <a:rPr b="1" lang="es"/>
               <a:t>controller.php</a:t>
             </a:r>
           </a:p>
@@ -6949,13 +6688,16 @@
               </a:spcBef>
               <a:buNone/>
             </a:pPr>
+            <a:r>
+              <a:t/>
+            </a:r>
             <a:endParaRPr b="1"/>
           </a:p>
         </p:txBody>
       </p:sp>
       <p:sp>
         <p:nvSpPr>
-          <p:cNvPr id="87" name="Shape 87"/>
+          <p:cNvPr id="91" name="Shape 91"/>
           <p:cNvSpPr txBox="1"/>
           <p:nvPr/>
         </p:nvSpPr>
@@ -6968,18 +6710,18 @@
             <a:avLst/>
           </a:prstGeom>
           <a:noFill/>
-          <a:ln w="9525" cap="flat" cmpd="sng">
+          <a:ln cap="flat" cmpd="sng" w="9525">
             <a:solidFill>
               <a:srgbClr val="980000"/>
             </a:solidFill>
             <a:prstDash val="solid"/>
             <a:round/>
-            <a:headEnd type="none" w="med" len="med"/>
-            <a:tailEnd type="none" w="med" len="med"/>
+            <a:headEnd len="med" w="med" type="none"/>
+            <a:tailEnd len="med" w="med" type="none"/>
           </a:ln>
         </p:spPr>
         <p:txBody>
-          <a:bodyPr lIns="91425" tIns="91425" rIns="91425" bIns="91425" anchor="t" anchorCtr="0">
+          <a:bodyPr anchorCtr="0" anchor="t" bIns="91425" lIns="91425" rIns="91425" tIns="91425">
             <a:noAutofit/>
           </a:bodyPr>
           <a:lstStyle/>
@@ -6991,7 +6733,7 @@
               <a:buNone/>
             </a:pPr>
             <a:r>
-              <a:rPr lang="es" b="1"/>
+              <a:rPr b="1" lang="es"/>
               <a:t>model.php</a:t>
             </a:r>
           </a:p>
@@ -7002,6 +6744,9 @@
               </a:spcBef>
               <a:buNone/>
             </a:pPr>
+            <a:r>
+              <a:t/>
+            </a:r>
             <a:endParaRPr b="1"/>
           </a:p>
         </p:txBody>
@@ -7018,11 +6763,11 @@
 </file>
 
 <file path=ppt/slides/slide8.xml><?xml version="1.0" encoding="utf-8"?>
-<p:sld xmlns:a="http://schemas.openxmlformats.org/drawingml/2006/main" xmlns:r="http://schemas.openxmlformats.org/officeDocument/2006/relationships" xmlns:p="http://schemas.openxmlformats.org/presentationml/2006/main">
+<p:sld xmlns:a="http://schemas.openxmlformats.org/drawingml/2006/main" xmlns:r="http://schemas.openxmlformats.org/officeDocument/2006/relationships" xmlns:mc="http://schemas.openxmlformats.org/markup-compatibility/2006" xmlns:mv="urn:schemas-microsoft-com:mac:vml" xmlns:p="http://schemas.openxmlformats.org/presentationml/2006/main" xmlns:c="http://schemas.openxmlformats.org/drawingml/2006/chart" xmlns:dgm="http://schemas.openxmlformats.org/drawingml/2006/diagram" xmlns:o="urn:schemas-microsoft-com:office:office" xmlns:v="urn:schemas-microsoft-com:vml" xmlns:pvml="urn:schemas-microsoft-com:office:powerpoint" xmlns:com="http://schemas.openxmlformats.org/drawingml/2006/compatibility" xmlns:p14="http://schemas.microsoft.com/office/powerpoint/2010/main">
   <p:cSld>
     <p:spTree>
       <p:nvGrpSpPr>
-        <p:cNvPr id="1" name="Shape 91"/>
+        <p:cNvPr id="95" name="Shape 95"/>
         <p:cNvGrpSpPr/>
         <p:nvPr/>
       </p:nvGrpSpPr>
@@ -7036,10 +6781,8 @@
       </p:grpSpPr>
       <p:sp>
         <p:nvSpPr>
-          <p:cNvPr id="92" name="Shape 92"/>
-          <p:cNvSpPr txBox="1">
-            <a:spLocks noGrp="1"/>
-          </p:cNvSpPr>
+          <p:cNvPr id="96" name="Shape 96"/>
+          <p:cNvSpPr txBox="1"/>
           <p:nvPr>
             <p:ph type="title"/>
           </p:nvPr>
@@ -7054,12 +6797,12 @@
           </a:prstGeom>
         </p:spPr>
         <p:txBody>
-          <a:bodyPr lIns="91425" tIns="91425" rIns="91425" bIns="91425" anchor="b" anchorCtr="0">
+          <a:bodyPr anchorCtr="0" anchor="b" bIns="91425" lIns="91425" rIns="91425" tIns="91425">
             <a:noAutofit/>
           </a:bodyPr>
           <a:lstStyle/>
           <a:p>
-            <a:pPr>
+            <a:pPr lvl="0">
               <a:spcBef>
                 <a:spcPts val="0"/>
               </a:spcBef>
@@ -7074,12 +6817,10 @@
       </p:sp>
       <p:sp>
         <p:nvSpPr>
-          <p:cNvPr id="93" name="Shape 93"/>
-          <p:cNvSpPr txBox="1">
-            <a:spLocks noGrp="1"/>
-          </p:cNvSpPr>
+          <p:cNvPr id="97" name="Shape 97"/>
+          <p:cNvSpPr txBox="1"/>
           <p:nvPr>
-            <p:ph type="body" idx="1"/>
+            <p:ph idx="1" type="body"/>
           </p:nvPr>
         </p:nvSpPr>
         <p:spPr>
@@ -7092,12 +6833,12 @@
           </a:prstGeom>
         </p:spPr>
         <p:txBody>
-          <a:bodyPr lIns="91425" tIns="91425" rIns="91425" bIns="91425" anchor="t" anchorCtr="0">
+          <a:bodyPr anchorCtr="0" anchor="t" bIns="91425" lIns="91425" rIns="91425" tIns="91425">
             <a:noAutofit/>
           </a:bodyPr>
           <a:lstStyle/>
           <a:p>
-            <a:pPr marL="457200" lvl="0" indent="-228600" rtl="0">
+            <a:pPr indent="-342900" lvl="0" marL="457200" rtl="0">
               <a:spcBef>
                 <a:spcPts val="0"/>
               </a:spcBef>
@@ -7109,7 +6850,7 @@
             </a:r>
           </a:p>
           <a:p>
-            <a:pPr marL="457200" lvl="0" indent="-228600" rtl="0">
+            <a:pPr indent="-342900" lvl="0" marL="457200" rtl="0">
               <a:spcBef>
                 <a:spcPts val="0"/>
               </a:spcBef>
@@ -7121,7 +6862,7 @@
             </a:r>
           </a:p>
           <a:p>
-            <a:pPr marL="457200" lvl="0" indent="-228600" rtl="0">
+            <a:pPr indent="-342900" lvl="0" marL="457200" rtl="0">
               <a:spcBef>
                 <a:spcPts val="0"/>
               </a:spcBef>
@@ -7133,7 +6874,7 @@
             </a:r>
           </a:p>
           <a:p>
-            <a:pPr marL="457200" lvl="0" indent="-228600" rtl="0">
+            <a:pPr indent="-342900" lvl="0" marL="457200" rtl="0">
               <a:spcBef>
                 <a:spcPts val="0"/>
               </a:spcBef>
@@ -7158,7 +6899,7 @@
             </a:r>
           </a:p>
           <a:p>
-            <a:pPr marL="914400" lvl="1" indent="-228600" rtl="0">
+            <a:pPr indent="-342900" lvl="1" marL="914400" rtl="0">
               <a:spcBef>
                 <a:spcPts val="0"/>
               </a:spcBef>
@@ -7170,7 +6911,7 @@
             </a:r>
           </a:p>
           <a:p>
-            <a:pPr marL="914400" lvl="1" indent="-228600">
+            <a:pPr indent="-342900" lvl="1" marL="914400">
               <a:spcBef>
                 <a:spcPts val="0"/>
               </a:spcBef>
@@ -7195,11 +6936,11 @@
 </file>
 
 <file path=ppt/slides/slide9.xml><?xml version="1.0" encoding="utf-8"?>
-<p:sld xmlns:a="http://schemas.openxmlformats.org/drawingml/2006/main" xmlns:r="http://schemas.openxmlformats.org/officeDocument/2006/relationships" xmlns:p="http://schemas.openxmlformats.org/presentationml/2006/main">
+<p:sld xmlns:a="http://schemas.openxmlformats.org/drawingml/2006/main" xmlns:r="http://schemas.openxmlformats.org/officeDocument/2006/relationships" xmlns:mc="http://schemas.openxmlformats.org/markup-compatibility/2006" xmlns:mv="urn:schemas-microsoft-com:mac:vml" xmlns:p="http://schemas.openxmlformats.org/presentationml/2006/main" xmlns:c="http://schemas.openxmlformats.org/drawingml/2006/chart" xmlns:dgm="http://schemas.openxmlformats.org/drawingml/2006/diagram" xmlns:o="urn:schemas-microsoft-com:office:office" xmlns:v="urn:schemas-microsoft-com:vml" xmlns:pvml="urn:schemas-microsoft-com:office:powerpoint" xmlns:com="http://schemas.openxmlformats.org/drawingml/2006/compatibility" xmlns:p14="http://schemas.microsoft.com/office/powerpoint/2010/main">
   <p:cSld>
     <p:spTree>
       <p:nvGrpSpPr>
-        <p:cNvPr id="1" name="Shape 97"/>
+        <p:cNvPr id="101" name="Shape 101"/>
         <p:cNvGrpSpPr/>
         <p:nvPr/>
       </p:nvGrpSpPr>
@@ -7213,10 +6954,8 @@
       </p:grpSpPr>
       <p:sp>
         <p:nvSpPr>
-          <p:cNvPr id="98" name="Shape 98"/>
-          <p:cNvSpPr txBox="1">
-            <a:spLocks noGrp="1"/>
-          </p:cNvSpPr>
+          <p:cNvPr id="102" name="Shape 102"/>
+          <p:cNvSpPr txBox="1"/>
           <p:nvPr>
             <p:ph type="title"/>
           </p:nvPr>
@@ -7231,12 +6970,12 @@
           </a:prstGeom>
         </p:spPr>
         <p:txBody>
-          <a:bodyPr lIns="91425" tIns="91425" rIns="91425" bIns="91425" anchor="b" anchorCtr="0">
+          <a:bodyPr anchorCtr="0" anchor="b" bIns="91425" lIns="91425" rIns="91425" tIns="91425">
             <a:noAutofit/>
           </a:bodyPr>
           <a:lstStyle/>
           <a:p>
-            <a:pPr>
+            <a:pPr lvl="0">
               <a:spcBef>
                 <a:spcPts val="0"/>
               </a:spcBef>
@@ -7251,12 +6990,10 @@
       </p:sp>
       <p:sp>
         <p:nvSpPr>
-          <p:cNvPr id="99" name="Shape 99"/>
-          <p:cNvSpPr txBox="1">
-            <a:spLocks noGrp="1"/>
-          </p:cNvSpPr>
+          <p:cNvPr id="103" name="Shape 103"/>
+          <p:cNvSpPr txBox="1"/>
           <p:nvPr>
-            <p:ph type="body" idx="1"/>
+            <p:ph idx="1" type="body"/>
           </p:nvPr>
         </p:nvSpPr>
         <p:spPr>
@@ -7269,12 +7006,12 @@
           </a:prstGeom>
         </p:spPr>
         <p:txBody>
-          <a:bodyPr lIns="91425" tIns="91425" rIns="91425" bIns="91425" anchor="t" anchorCtr="0">
+          <a:bodyPr anchorCtr="0" anchor="t" bIns="91425" lIns="91425" rIns="91425" tIns="91425">
             <a:noAutofit/>
           </a:bodyPr>
           <a:lstStyle/>
           <a:p>
-            <a:pPr marL="457200" lvl="0" indent="-228600" rtl="0">
+            <a:pPr indent="-349250" lvl="0" marL="457200" rtl="0">
               <a:spcBef>
                 <a:spcPts val="0"/>
               </a:spcBef>
@@ -7286,7 +7023,7 @@
             </a:r>
           </a:p>
           <a:p>
-            <a:pPr marL="457200" lvl="0" indent="-228600" rtl="0">
+            <a:pPr indent="-349250" lvl="0" marL="457200" rtl="0">
               <a:spcBef>
                 <a:spcPts val="0"/>
               </a:spcBef>
@@ -7298,7 +7035,7 @@
             </a:r>
           </a:p>
           <a:p>
-            <a:pPr marL="457200" lvl="0" indent="-228600" rtl="0">
+            <a:pPr indent="-349250" lvl="0" marL="457200" rtl="0">
               <a:spcBef>
                 <a:spcPts val="0"/>
               </a:spcBef>
@@ -7310,7 +7047,7 @@
             </a:r>
           </a:p>
           <a:p>
-            <a:pPr marL="457200" lvl="0" indent="-228600" rtl="0">
+            <a:pPr indent="-349250" lvl="0" marL="457200" rtl="0">
               <a:spcBef>
                 <a:spcPts val="0"/>
               </a:spcBef>
@@ -7322,7 +7059,7 @@
             </a:r>
           </a:p>
           <a:p>
-            <a:pPr marL="457200" lvl="0" indent="-228600" rtl="0">
+            <a:pPr indent="-349250" lvl="0" marL="457200" rtl="0">
               <a:spcBef>
                 <a:spcPts val="0"/>
               </a:spcBef>
@@ -7334,7 +7071,7 @@
             </a:r>
           </a:p>
           <a:p>
-            <a:pPr marL="457200" lvl="0" indent="-228600">
+            <a:pPr indent="-349250" lvl="0" marL="457200">
               <a:spcBef>
                 <a:spcPts val="0"/>
               </a:spcBef>
@@ -7359,7 +7096,7 @@
 </file>
 
 <file path=ppt/theme/theme1.xml><?xml version="1.0" encoding="utf-8"?>
-<a:theme xmlns:a="http://schemas.openxmlformats.org/drawingml/2006/main" name="label">
+<a:theme xmlns:a="http://schemas.openxmlformats.org/drawingml/2006/main" xmlns:r="http://schemas.openxmlformats.org/officeDocument/2006/relationships" name="label">
   <a:themeElements>
     <a:clrScheme name="Custom 352">
       <a:dk1>
@@ -7634,13 +7371,11 @@
       </a:bgFillStyleLst>
     </a:fmtScheme>
   </a:themeElements>
-  <a:objectDefaults/>
-  <a:extraClrSchemeLst/>
 </a:theme>
 </file>
 
 <file path=ppt/theme/theme2.xml><?xml version="1.0" encoding="utf-8"?>
-<a:theme xmlns:a="http://schemas.openxmlformats.org/drawingml/2006/main" name="Custom Theme">
+<a:theme xmlns:a="http://schemas.openxmlformats.org/drawingml/2006/main" xmlns:r="http://schemas.openxmlformats.org/officeDocument/2006/relationships" name="Custom Theme">
   <a:themeElements>
     <a:clrScheme name="Default">
       <a:dk1>
@@ -7915,7 +7650,5 @@
       </a:bgFillStyleLst>
     </a:fmtScheme>
   </a:themeElements>
-  <a:objectDefaults/>
-  <a:extraClrSchemeLst/>
 </a:theme>
 </file>